--- a/slides/On-Campus/02_02_ObjectsMethods.pptx
+++ b/slides/On-Campus/02_02_ObjectsMethods.pptx
@@ -228,7 +228,7 @@
           <a:p>
             <a:fld id="{4D7E51A5-B478-1E40-8CBB-0DAA8831E99D}" type="datetimeFigureOut">
               <a:rPr lang="en-US" smtClean="0"/>
-              <a:t>8/31/2021</a:t>
+              <a:t>9/1/2021</a:t>
             </a:fld>
             <a:endParaRPr lang="en-US"/>
           </a:p>
@@ -393,7 +393,7 @@
           <a:p>
             <a:fld id="{D0ED587F-861E-6740-9643-E3DDAE89B8D6}" type="datetimeFigureOut">
               <a:rPr lang="en-US" smtClean="0"/>
-              <a:t>8/31/2021</a:t>
+              <a:t>9/1/2021</a:t>
             </a:fld>
             <a:endParaRPr lang="en-US"/>
           </a:p>
@@ -8232,15 +8232,15 @@
             </a:r>
             <a:r>
               <a:rPr lang="en-US" dirty="0" smtClean="0"/>
-              <a:t>careful - </a:t>
-            </a:r>
-            <a:r>
-              <a:rPr lang="en-US" dirty="0" err="1" smtClean="0"/>
-              <a:t>Overllaping</a:t>
-            </a:r>
-            <a:r>
-              <a:rPr lang="en-US" dirty="0" smtClean="0"/>
-              <a:t>)</a:t>
+              <a:t>careful </a:t>
+            </a:r>
+            <a:r>
+              <a:rPr lang="en-US" smtClean="0"/>
+              <a:t>- </a:t>
+            </a:r>
+            <a:r>
+              <a:rPr lang="en-US" smtClean="0"/>
+              <a:t>Overlapping)</a:t>
             </a:r>
             <a:endParaRPr lang="en-US" dirty="0"/>
           </a:p>
@@ -10463,14 +10463,6 @@
               </a:rPr>
               <a:t>What does the method return?</a:t>
             </a:r>
-            <a:endParaRPr lang="en-US" dirty="0" smtClean="0">
-              <a:solidFill>
-                <a:srgbClr val="092529"/>
-              </a:solidFill>
-              <a:latin typeface="Proxima Nova" charset="0"/>
-              <a:ea typeface="Proxima Nova" charset="0"/>
-              <a:cs typeface="Proxima Nova" charset="0"/>
-            </a:endParaRPr>
           </a:p>
         </p:txBody>
       </p:sp>

--- a/slides/On-Campus/02_02_ObjectsMethods.pptx
+++ b/slides/On-Campus/02_02_ObjectsMethods.pptx
@@ -5,10 +5,10 @@
     <p:sldMasterId id="2147483648" r:id="rId1"/>
   </p:sldMasterIdLst>
   <p:notesMasterIdLst>
-    <p:notesMasterId r:id="rId17"/>
+    <p:notesMasterId r:id="rId18"/>
   </p:notesMasterIdLst>
   <p:handoutMasterIdLst>
-    <p:handoutMasterId r:id="rId18"/>
+    <p:handoutMasterId r:id="rId19"/>
   </p:handoutMasterIdLst>
   <p:sldIdLst>
     <p:sldId id="256" r:id="rId2"/>
@@ -17,15 +17,16 @@
     <p:sldId id="272" r:id="rId5"/>
     <p:sldId id="266" r:id="rId6"/>
     <p:sldId id="267" r:id="rId7"/>
-    <p:sldId id="273" r:id="rId8"/>
-    <p:sldId id="258" r:id="rId9"/>
-    <p:sldId id="269" r:id="rId10"/>
-    <p:sldId id="262" r:id="rId11"/>
-    <p:sldId id="263" r:id="rId12"/>
-    <p:sldId id="264" r:id="rId13"/>
-    <p:sldId id="265" r:id="rId14"/>
-    <p:sldId id="274" r:id="rId15"/>
-    <p:sldId id="275" r:id="rId16"/>
+    <p:sldId id="258" r:id="rId8"/>
+    <p:sldId id="273" r:id="rId9"/>
+    <p:sldId id="276" r:id="rId10"/>
+    <p:sldId id="269" r:id="rId11"/>
+    <p:sldId id="262" r:id="rId12"/>
+    <p:sldId id="263" r:id="rId13"/>
+    <p:sldId id="264" r:id="rId14"/>
+    <p:sldId id="265" r:id="rId15"/>
+    <p:sldId id="274" r:id="rId16"/>
+    <p:sldId id="275" r:id="rId17"/>
   </p:sldIdLst>
   <p:sldSz cx="13817600" cy="7772400"/>
   <p:notesSz cx="6858000" cy="9144000"/>
@@ -228,7 +229,7 @@
           <a:p>
             <a:fld id="{4D7E51A5-B478-1E40-8CBB-0DAA8831E99D}" type="datetimeFigureOut">
               <a:rPr lang="en-US" smtClean="0"/>
-              <a:t>9/1/2021</a:t>
+              <a:t>9/1/21</a:t>
             </a:fld>
             <a:endParaRPr lang="en-US"/>
           </a:p>
@@ -393,7 +394,7 @@
           <a:p>
             <a:fld id="{D0ED587F-861E-6740-9643-E3DDAE89B8D6}" type="datetimeFigureOut">
               <a:rPr lang="en-US" smtClean="0"/>
-              <a:t>9/1/2021</a:t>
+              <a:t>9/1/21</a:t>
             </a:fld>
             <a:endParaRPr lang="en-US"/>
           </a:p>
@@ -7311,17 +7312,268 @@
       </p:transition>
     </mc:Fallback>
   </mc:AlternateContent>
+</p:sld>
+</file>
+
+<file path=ppt/slides/slide10.xml><?xml version="1.0" encoding="utf-8"?>
+<p:sld xmlns:a="http://schemas.openxmlformats.org/drawingml/2006/main" xmlns:r="http://schemas.openxmlformats.org/officeDocument/2006/relationships" xmlns:p="http://schemas.openxmlformats.org/presentationml/2006/main">
+  <p:cSld>
+    <p:spTree>
+      <p:nvGrpSpPr>
+        <p:cNvPr id="1" name=""/>
+        <p:cNvGrpSpPr/>
+        <p:nvPr/>
+      </p:nvGrpSpPr>
+      <p:grpSpPr>
+        <a:xfrm>
+          <a:off x="0" y="0"/>
+          <a:ext cx="0" cy="0"/>
+          <a:chOff x="0" y="0"/>
+          <a:chExt cx="0" cy="0"/>
+        </a:xfrm>
+      </p:grpSpPr>
+      <p:sp>
+        <p:nvSpPr>
+          <p:cNvPr id="2" name="Title 1">
+            <a:extLst>
+              <a:ext uri="{FF2B5EF4-FFF2-40B4-BE49-F238E27FC236}">
+                <a16:creationId xmlns:a16="http://schemas.microsoft.com/office/drawing/2014/main" id="{EAD74ED9-56BF-3F4A-8E26-0C10999B1A0C}"/>
+              </a:ext>
+            </a:extLst>
+          </p:cNvPr>
+          <p:cNvSpPr>
+            <a:spLocks noGrp="1"/>
+          </p:cNvSpPr>
+          <p:nvPr>
+            <p:ph type="title"/>
+          </p:nvPr>
+        </p:nvSpPr>
+        <p:spPr/>
+        <p:txBody>
+          <a:bodyPr/>
+          <a:lstStyle/>
+          <a:p>
+            <a:r>
+              <a:rPr lang="en-US" dirty="0"/>
+              <a:t>Reading Check-in </a:t>
+            </a:r>
+          </a:p>
+        </p:txBody>
+      </p:sp>
+      <p:sp>
+        <p:nvSpPr>
+          <p:cNvPr id="3" name="Text Placeholder 2">
+            <a:extLst>
+              <a:ext uri="{FF2B5EF4-FFF2-40B4-BE49-F238E27FC236}">
+                <a16:creationId xmlns:a16="http://schemas.microsoft.com/office/drawing/2014/main" id="{B28E42E1-569F-B347-A47A-1501D7874CF8}"/>
+              </a:ext>
+            </a:extLst>
+          </p:cNvPr>
+          <p:cNvSpPr>
+            <a:spLocks noGrp="1"/>
+          </p:cNvSpPr>
+          <p:nvPr>
+            <p:ph type="body" sz="quarter" idx="10"/>
+          </p:nvPr>
+        </p:nvSpPr>
+        <p:spPr>
+          <a:xfrm>
+            <a:off x="628075" y="2487883"/>
+            <a:ext cx="12561453" cy="3412601"/>
+          </a:xfrm>
+        </p:spPr>
+        <p:txBody>
+          <a:bodyPr/>
+          <a:lstStyle/>
+          <a:p>
+            <a:pPr marL="0" indent="0">
+              <a:buNone/>
+            </a:pPr>
+            <a:r>
+              <a:rPr lang="en-US" b="1" dirty="0"/>
+              <a:t>Which of the following are valid method “signatures”</a:t>
+            </a:r>
+          </a:p>
+          <a:p>
+            <a:pPr>
+              <a:buFont typeface="+mj-lt"/>
+              <a:buAutoNum type="alphaUcPeriod"/>
+            </a:pPr>
+            <a:r>
+              <a:rPr lang="en-US" dirty="0"/>
+              <a:t>public double </a:t>
+            </a:r>
+            <a:r>
+              <a:rPr lang="en-US" dirty="0" err="1"/>
+              <a:t>calcArea</a:t>
+            </a:r>
+            <a:r>
+              <a:rPr lang="en-US" dirty="0"/>
+              <a:t>(double width, double height) {}</a:t>
+            </a:r>
+          </a:p>
+          <a:p>
+            <a:pPr>
+              <a:buFont typeface="+mj-lt"/>
+              <a:buAutoNum type="alphaUcPeriod"/>
+            </a:pPr>
+            <a:r>
+              <a:rPr lang="en-US" dirty="0"/>
+              <a:t>Public static </a:t>
+            </a:r>
+            <a:r>
+              <a:rPr lang="en-US" dirty="0" err="1"/>
+              <a:t>my_method</a:t>
+            </a:r>
+            <a:r>
+              <a:rPr lang="en-US" dirty="0"/>
+              <a:t>(int x, boolean y) {}</a:t>
+            </a:r>
+          </a:p>
+          <a:p>
+            <a:pPr>
+              <a:buFont typeface="+mj-lt"/>
+              <a:buAutoNum type="alphaUcPeriod"/>
+            </a:pPr>
+            <a:r>
+              <a:rPr lang="en-US" dirty="0"/>
+              <a:t>public static void main(String </a:t>
+            </a:r>
+            <a:r>
+              <a:rPr lang="en-US" dirty="0" err="1"/>
+              <a:t>args</a:t>
+            </a:r>
+            <a:r>
+              <a:rPr lang="en-US" dirty="0"/>
+              <a:t>[]); </a:t>
+            </a:r>
+          </a:p>
+          <a:p>
+            <a:pPr>
+              <a:buFont typeface="+mj-lt"/>
+              <a:buAutoNum type="alphaUcPeriod"/>
+            </a:pPr>
+            <a:r>
+              <a:rPr lang="en-US" dirty="0"/>
+              <a:t> All listed</a:t>
+            </a:r>
+          </a:p>
+          <a:p>
+            <a:pPr>
+              <a:buFont typeface="+mj-lt"/>
+              <a:buAutoNum type="alphaUcPeriod"/>
+            </a:pPr>
+            <a:r>
+              <a:rPr lang="en-US" dirty="0"/>
+              <a:t> None listed </a:t>
+            </a:r>
+          </a:p>
+          <a:p>
+            <a:endParaRPr lang="en-US" dirty="0"/>
+          </a:p>
+        </p:txBody>
+      </p:sp>
+    </p:spTree>
+    <p:extLst>
+      <p:ext uri="{BB962C8B-B14F-4D97-AF65-F5344CB8AC3E}">
+        <p14:creationId xmlns:p14="http://schemas.microsoft.com/office/powerpoint/2010/main" val="547128411"/>
+      </p:ext>
+    </p:extLst>
+  </p:cSld>
+  <p:clrMapOvr>
+    <a:masterClrMapping/>
+  </p:clrMapOvr>
+  <mc:AlternateContent xmlns:mc="http://schemas.openxmlformats.org/markup-compatibility/2006" xmlns:p14="http://schemas.microsoft.com/office/powerpoint/2010/main">
+    <mc:Choice Requires="p14">
+      <p:transition p14:dur="300">
+        <p:fade/>
+      </p:transition>
+    </mc:Choice>
+    <mc:Fallback xmlns="">
+      <p:transition>
+        <p:fade/>
+      </p:transition>
+    </mc:Fallback>
+  </mc:AlternateContent>
   <p:timing>
     <p:tnLst>
       <p:par>
-        <p:cTn id="1" dur="indefinite" restart="never" nodeType="tmRoot"/>
+        <p:cTn id="1" dur="indefinite" restart="never" nodeType="tmRoot">
+          <p:childTnLst>
+            <p:seq concurrent="1" nextAc="seek">
+              <p:cTn id="2" dur="indefinite" nodeType="mainSeq">
+                <p:childTnLst>
+                  <p:par>
+                    <p:cTn id="3" fill="hold">
+                      <p:stCondLst>
+                        <p:cond delay="indefinite"/>
+                      </p:stCondLst>
+                      <p:childTnLst>
+                        <p:par>
+                          <p:cTn id="4" fill="hold">
+                            <p:stCondLst>
+                              <p:cond delay="0"/>
+                            </p:stCondLst>
+                            <p:childTnLst>
+                              <p:par>
+                                <p:cTn id="5" presetID="3" presetClass="emph" presetSubtype="2" fill="hold" nodeType="clickEffect">
+                                  <p:stCondLst>
+                                    <p:cond delay="0"/>
+                                  </p:stCondLst>
+                                  <p:childTnLst>
+                                    <p:animClr clrSpc="rgb" dir="cw">
+                                      <p:cBhvr override="childStyle">
+                                        <p:cTn id="6" dur="2000" fill="hold"/>
+                                        <p:tgtEl>
+                                          <p:spTgt spid="3">
+                                            <p:txEl>
+                                              <p:pRg st="1" end="1"/>
+                                            </p:txEl>
+                                          </p:spTgt>
+                                        </p:tgtEl>
+                                        <p:attrNameLst>
+                                          <p:attrName>style.color</p:attrName>
+                                        </p:attrNameLst>
+                                      </p:cBhvr>
+                                      <p:to>
+                                        <a:schemeClr val="accent1"/>
+                                      </p:to>
+                                    </p:animClr>
+                                  </p:childTnLst>
+                                </p:cTn>
+                              </p:par>
+                            </p:childTnLst>
+                          </p:cTn>
+                        </p:par>
+                      </p:childTnLst>
+                    </p:cTn>
+                  </p:par>
+                </p:childTnLst>
+              </p:cTn>
+              <p:prevCondLst>
+                <p:cond evt="onPrev" delay="0">
+                  <p:tgtEl>
+                    <p:sldTgt/>
+                  </p:tgtEl>
+                </p:cond>
+              </p:prevCondLst>
+              <p:nextCondLst>
+                <p:cond evt="onNext" delay="0">
+                  <p:tgtEl>
+                    <p:sldTgt/>
+                  </p:tgtEl>
+                </p:cond>
+              </p:nextCondLst>
+            </p:seq>
+          </p:childTnLst>
+        </p:cTn>
       </p:par>
     </p:tnLst>
   </p:timing>
 </p:sld>
 </file>
 
-<file path=ppt/slides/slide10.xml><?xml version="1.0" encoding="utf-8"?>
+<file path=ppt/slides/slide11.xml><?xml version="1.0" encoding="utf-8"?>
 <p:sld xmlns:a="http://schemas.openxmlformats.org/drawingml/2006/main" xmlns:r="http://schemas.openxmlformats.org/officeDocument/2006/relationships" xmlns:p="http://schemas.openxmlformats.org/presentationml/2006/main">
   <p:cSld>
     <p:spTree>
@@ -7861,17 +8113,10 @@
       </p:transition>
     </mc:Fallback>
   </mc:AlternateContent>
-  <p:timing>
-    <p:tnLst>
-      <p:par>
-        <p:cTn id="1" dur="indefinite" restart="never" nodeType="tmRoot"/>
-      </p:par>
-    </p:tnLst>
-  </p:timing>
 </p:sld>
 </file>
 
-<file path=ppt/slides/slide11.xml><?xml version="1.0" encoding="utf-8"?>
+<file path=ppt/slides/slide12.xml><?xml version="1.0" encoding="utf-8"?>
 <p:sld xmlns:a="http://schemas.openxmlformats.org/drawingml/2006/main" xmlns:r="http://schemas.openxmlformats.org/officeDocument/2006/relationships" xmlns:p="http://schemas.openxmlformats.org/presentationml/2006/main">
   <p:cSld>
     <p:spTree>
@@ -8056,17 +8301,10 @@
       </p:transition>
     </mc:Fallback>
   </mc:AlternateContent>
-  <p:timing>
-    <p:tnLst>
-      <p:par>
-        <p:cTn id="1" dur="indefinite" restart="never" nodeType="tmRoot"/>
-      </p:par>
-    </p:tnLst>
-  </p:timing>
 </p:sld>
 </file>
 
-<file path=ppt/slides/slide12.xml><?xml version="1.0" encoding="utf-8"?>
+<file path=ppt/slides/slide13.xml><?xml version="1.0" encoding="utf-8"?>
 <p:sld xmlns:a="http://schemas.openxmlformats.org/drawingml/2006/main" xmlns:r="http://schemas.openxmlformats.org/officeDocument/2006/relationships" xmlns:p="http://schemas.openxmlformats.org/presentationml/2006/main">
   <p:cSld>
     <p:spTree>
@@ -8228,19 +8466,11 @@
           <a:p>
             <a:r>
               <a:rPr lang="en-US" dirty="0"/>
-              <a:t>Are three different methods! (Be </a:t>
-            </a:r>
-            <a:r>
-              <a:rPr lang="en-US" dirty="0" smtClean="0"/>
-              <a:t>careful </a:t>
-            </a:r>
-            <a:r>
-              <a:rPr lang="en-US" smtClean="0"/>
-              <a:t>- </a:t>
-            </a:r>
-            <a:r>
-              <a:rPr lang="en-US" smtClean="0"/>
-              <a:t>Overlapping)</a:t>
+              <a:t>Are three different methods! (Be careful </a:t>
+            </a:r>
+            <a:r>
+              <a:rPr lang="en-US"/>
+              <a:t>- Overlapping)</a:t>
             </a:r>
             <a:endParaRPr lang="en-US" dirty="0"/>
           </a:p>
@@ -8758,7 +8988,7 @@
 </p:sld>
 </file>
 
-<file path=ppt/slides/slide13.xml><?xml version="1.0" encoding="utf-8"?>
+<file path=ppt/slides/slide14.xml><?xml version="1.0" encoding="utf-8"?>
 <p:sld xmlns:a="http://schemas.openxmlformats.org/drawingml/2006/main" xmlns:r="http://schemas.openxmlformats.org/officeDocument/2006/relationships" xmlns:p="http://schemas.openxmlformats.org/presentationml/2006/main">
   <p:cSld>
     <p:spTree>
@@ -8858,10 +9088,6 @@
             <a:br>
               <a:rPr lang="en-US" dirty="0"/>
             </a:br>
-            <a:r>
-              <a:rPr lang="en-US" dirty="0"/>
-              <a:t/>
-            </a:r>
             <a:br>
               <a:rPr lang="en-US" dirty="0"/>
             </a:br>
@@ -8999,14 +9225,6 @@
           </a:p>
           <a:p>
             <a:pPr algn="ctr"/>
-            <a:r>
-              <a:rPr lang="en-US" sz="1800" dirty="0">
-                <a:solidFill>
-                  <a:srgbClr val="092529"/>
-                </a:solidFill>
-              </a:rPr>
-              <a:t/>
-            </a:r>
             <a:br>
               <a:rPr lang="en-US" sz="1800" dirty="0">
                 <a:solidFill>
@@ -9340,7 +9558,7 @@
 </p:sld>
 </file>
 
-<file path=ppt/slides/slide14.xml><?xml version="1.0" encoding="utf-8"?>
+<file path=ppt/slides/slide15.xml><?xml version="1.0" encoding="utf-8"?>
 <p:sld xmlns:a="http://schemas.openxmlformats.org/drawingml/2006/main" xmlns:r="http://schemas.openxmlformats.org/officeDocument/2006/relationships" xmlns:p="http://schemas.openxmlformats.org/presentationml/2006/main">
   <p:cSld>
     <p:spTree>
@@ -9384,10 +9602,9 @@
           <a:lstStyle/>
           <a:p>
             <a:r>
-              <a:rPr lang="en-US" dirty="0" smtClean="0"/>
+              <a:rPr lang="en-US" dirty="0"/>
               <a:t>Code Along</a:t>
             </a:r>
-            <a:endParaRPr lang="en-US" dirty="0"/>
           </a:p>
         </p:txBody>
       </p:sp>
@@ -9594,21 +9811,21 @@
               <a:buNone/>
             </a:pPr>
             <a:r>
-              <a:rPr lang="en-US" sz="1400" dirty="0" smtClean="0">
+              <a:rPr lang="en-US" sz="1400" dirty="0">
                 <a:latin typeface="Courier New" panose="02070309020205020404" pitchFamily="49" charset="0"/>
                 <a:cs typeface="Courier New" panose="02070309020205020404" pitchFamily="49" charset="0"/>
               </a:rPr>
               <a:t>public class </a:t>
             </a:r>
             <a:r>
-              <a:rPr lang="en-US" sz="1400" dirty="0" err="1" smtClean="0">
+              <a:rPr lang="en-US" sz="1400" dirty="0" err="1">
                 <a:latin typeface="Courier New" panose="02070309020205020404" pitchFamily="49" charset="0"/>
                 <a:cs typeface="Courier New" panose="02070309020205020404" pitchFamily="49" charset="0"/>
               </a:rPr>
               <a:t>BasicCalculations</a:t>
             </a:r>
             <a:r>
-              <a:rPr lang="en-US" sz="1400" dirty="0" smtClean="0">
+              <a:rPr lang="en-US" sz="1400" dirty="0">
                 <a:latin typeface="Courier New" panose="02070309020205020404" pitchFamily="49" charset="0"/>
                 <a:cs typeface="Courier New" panose="02070309020205020404" pitchFamily="49" charset="0"/>
               </a:rPr>
@@ -9630,21 +9847,21 @@
               <a:buNone/>
             </a:pPr>
             <a:r>
-              <a:rPr lang="en-US" sz="1400" dirty="0" smtClean="0">
+              <a:rPr lang="en-US" sz="1400" dirty="0">
                 <a:latin typeface="Courier New" panose="02070309020205020404" pitchFamily="49" charset="0"/>
                 <a:cs typeface="Courier New" panose="02070309020205020404" pitchFamily="49" charset="0"/>
               </a:rPr>
               <a:t>   public static void main(String[] </a:t>
             </a:r>
             <a:r>
-              <a:rPr lang="en-US" sz="1400" dirty="0" err="1" smtClean="0">
+              <a:rPr lang="en-US" sz="1400" dirty="0" err="1">
                 <a:latin typeface="Courier New" panose="02070309020205020404" pitchFamily="49" charset="0"/>
                 <a:cs typeface="Courier New" panose="02070309020205020404" pitchFamily="49" charset="0"/>
               </a:rPr>
               <a:t>args</a:t>
             </a:r>
             <a:r>
-              <a:rPr lang="en-US" sz="1400" dirty="0" smtClean="0">
+              <a:rPr lang="en-US" sz="1400" dirty="0">
                 <a:latin typeface="Courier New" panose="02070309020205020404" pitchFamily="49" charset="0"/>
                 <a:cs typeface="Courier New" panose="02070309020205020404" pitchFamily="49" charset="0"/>
               </a:rPr>
@@ -9666,7 +9883,7 @@
               <a:buNone/>
             </a:pPr>
             <a:r>
-              <a:rPr lang="en-US" sz="1400" dirty="0" smtClean="0">
+              <a:rPr lang="en-US" sz="1400" dirty="0">
                 <a:latin typeface="Courier New" panose="02070309020205020404" pitchFamily="49" charset="0"/>
                 <a:cs typeface="Courier New" panose="02070309020205020404" pitchFamily="49" charset="0"/>
               </a:rPr>
@@ -9688,7 +9905,7 @@
               <a:buNone/>
             </a:pPr>
             <a:r>
-              <a:rPr lang="en-US" sz="1400" dirty="0" smtClean="0">
+              <a:rPr lang="en-US" sz="1400" dirty="0">
                 <a:latin typeface="Courier New" panose="02070309020205020404" pitchFamily="49" charset="0"/>
                 <a:cs typeface="Courier New" panose="02070309020205020404" pitchFamily="49" charset="0"/>
               </a:rPr>
@@ -9710,7 +9927,7 @@
               <a:buNone/>
             </a:pPr>
             <a:r>
-              <a:rPr lang="en-US" sz="1400" dirty="0" smtClean="0">
+              <a:rPr lang="en-US" sz="1400" dirty="0">
                 <a:latin typeface="Courier New" panose="02070309020205020404" pitchFamily="49" charset="0"/>
                 <a:cs typeface="Courier New" panose="02070309020205020404" pitchFamily="49" charset="0"/>
               </a:rPr>
@@ -9732,7 +9949,7 @@
               <a:buNone/>
             </a:pPr>
             <a:r>
-              <a:rPr lang="en-US" sz="1400" dirty="0" smtClean="0">
+              <a:rPr lang="en-US" sz="1400" dirty="0">
                 <a:latin typeface="Courier New" panose="02070309020205020404" pitchFamily="49" charset="0"/>
                 <a:cs typeface="Courier New" panose="02070309020205020404" pitchFamily="49" charset="0"/>
               </a:rPr>
@@ -9754,7 +9971,7 @@
               <a:buNone/>
             </a:pPr>
             <a:r>
-              <a:rPr lang="en-US" sz="1400" dirty="0" smtClean="0">
+              <a:rPr lang="en-US" sz="1400" dirty="0">
                 <a:latin typeface="Courier New" panose="02070309020205020404" pitchFamily="49" charset="0"/>
                 <a:cs typeface="Courier New" panose="02070309020205020404" pitchFamily="49" charset="0"/>
               </a:rPr>
@@ -9776,7 +9993,7 @@
               <a:buNone/>
             </a:pPr>
             <a:r>
-              <a:rPr lang="en-US" sz="1400" dirty="0" smtClean="0">
+              <a:rPr lang="en-US" sz="1400" dirty="0">
                 <a:latin typeface="Courier New" panose="02070309020205020404" pitchFamily="49" charset="0"/>
                 <a:cs typeface="Courier New" panose="02070309020205020404" pitchFamily="49" charset="0"/>
               </a:rPr>
@@ -9798,7 +10015,7 @@
               <a:buNone/>
             </a:pPr>
             <a:r>
-              <a:rPr lang="en-US" sz="1400" dirty="0" smtClean="0">
+              <a:rPr lang="en-US" sz="1400" dirty="0">
                 <a:latin typeface="Courier New" panose="02070309020205020404" pitchFamily="49" charset="0"/>
                 <a:cs typeface="Courier New" panose="02070309020205020404" pitchFamily="49" charset="0"/>
               </a:rPr>
@@ -9820,21 +10037,21 @@
               <a:buNone/>
             </a:pPr>
             <a:r>
-              <a:rPr lang="en-US" sz="1400" dirty="0" smtClean="0">
+              <a:rPr lang="en-US" sz="1400" dirty="0">
                 <a:latin typeface="Courier New" panose="02070309020205020404" pitchFamily="49" charset="0"/>
                 <a:cs typeface="Courier New" panose="02070309020205020404" pitchFamily="49" charset="0"/>
               </a:rPr>
               <a:t>      </a:t>
             </a:r>
             <a:r>
-              <a:rPr lang="en-US" sz="1400" dirty="0" err="1" smtClean="0">
+              <a:rPr lang="en-US" sz="1400" dirty="0" err="1">
                 <a:latin typeface="Courier New" panose="02070309020205020404" pitchFamily="49" charset="0"/>
                 <a:cs typeface="Courier New" panose="02070309020205020404" pitchFamily="49" charset="0"/>
               </a:rPr>
               <a:t>System.out.println</a:t>
             </a:r>
             <a:r>
-              <a:rPr lang="en-US" sz="1400" dirty="0" smtClean="0">
+              <a:rPr lang="en-US" sz="1400" dirty="0">
                 <a:latin typeface="Courier New" panose="02070309020205020404" pitchFamily="49" charset="0"/>
                 <a:cs typeface="Courier New" panose="02070309020205020404" pitchFamily="49" charset="0"/>
               </a:rPr>
@@ -9860,24 +10077,17 @@
                 <a:latin typeface="Courier New" panose="02070309020205020404" pitchFamily="49" charset="0"/>
                 <a:cs typeface="Courier New" panose="02070309020205020404" pitchFamily="49" charset="0"/>
               </a:rPr>
-              <a:t> </a:t>
-            </a:r>
-            <a:r>
-              <a:rPr lang="en-US" sz="1400" dirty="0" smtClean="0">
-                <a:latin typeface="Courier New" panose="02070309020205020404" pitchFamily="49" charset="0"/>
-                <a:cs typeface="Courier New" panose="02070309020205020404" pitchFamily="49" charset="0"/>
-              </a:rPr>
-              <a:t>     </a:t>
-            </a:r>
-            <a:r>
-              <a:rPr lang="en-US" sz="1400" dirty="0" err="1" smtClean="0">
+              <a:t>      </a:t>
+            </a:r>
+            <a:r>
+              <a:rPr lang="en-US" sz="1400" dirty="0" err="1">
                 <a:latin typeface="Courier New" panose="02070309020205020404" pitchFamily="49" charset="0"/>
                 <a:cs typeface="Courier New" panose="02070309020205020404" pitchFamily="49" charset="0"/>
               </a:rPr>
               <a:t>System.out.println</a:t>
             </a:r>
             <a:r>
-              <a:rPr lang="en-US" sz="1400" dirty="0" smtClean="0">
+              <a:rPr lang="en-US" sz="1400" dirty="0">
                 <a:latin typeface="Courier New" panose="02070309020205020404" pitchFamily="49" charset="0"/>
                 <a:cs typeface="Courier New" panose="02070309020205020404" pitchFamily="49" charset="0"/>
               </a:rPr>
@@ -9903,24 +10113,17 @@
                 <a:latin typeface="Courier New" panose="02070309020205020404" pitchFamily="49" charset="0"/>
                 <a:cs typeface="Courier New" panose="02070309020205020404" pitchFamily="49" charset="0"/>
               </a:rPr>
-              <a:t> </a:t>
-            </a:r>
-            <a:r>
-              <a:rPr lang="en-US" sz="1400" dirty="0" smtClean="0">
-                <a:latin typeface="Courier New" panose="02070309020205020404" pitchFamily="49" charset="0"/>
-                <a:cs typeface="Courier New" panose="02070309020205020404" pitchFamily="49" charset="0"/>
-              </a:rPr>
-              <a:t>     </a:t>
-            </a:r>
-            <a:r>
-              <a:rPr lang="en-US" sz="1400" dirty="0" err="1" smtClean="0">
+              <a:t>      </a:t>
+            </a:r>
+            <a:r>
+              <a:rPr lang="en-US" sz="1400" dirty="0" err="1">
                 <a:latin typeface="Courier New" panose="02070309020205020404" pitchFamily="49" charset="0"/>
                 <a:cs typeface="Courier New" panose="02070309020205020404" pitchFamily="49" charset="0"/>
               </a:rPr>
               <a:t>System.out.println</a:t>
             </a:r>
             <a:r>
-              <a:rPr lang="en-US" sz="1400" dirty="0" smtClean="0">
+              <a:rPr lang="en-US" sz="1400" dirty="0">
                 <a:latin typeface="Courier New" panose="02070309020205020404" pitchFamily="49" charset="0"/>
                 <a:cs typeface="Courier New" panose="02070309020205020404" pitchFamily="49" charset="0"/>
               </a:rPr>
@@ -9946,24 +10149,17 @@
                 <a:latin typeface="Courier New" panose="02070309020205020404" pitchFamily="49" charset="0"/>
                 <a:cs typeface="Courier New" panose="02070309020205020404" pitchFamily="49" charset="0"/>
               </a:rPr>
-              <a:t> </a:t>
-            </a:r>
-            <a:r>
-              <a:rPr lang="en-US" sz="1400" dirty="0" smtClean="0">
-                <a:latin typeface="Courier New" panose="02070309020205020404" pitchFamily="49" charset="0"/>
-                <a:cs typeface="Courier New" panose="02070309020205020404" pitchFamily="49" charset="0"/>
-              </a:rPr>
-              <a:t>     </a:t>
-            </a:r>
-            <a:r>
-              <a:rPr lang="en-US" sz="1400" dirty="0" err="1" smtClean="0">
+              <a:t>      </a:t>
+            </a:r>
+            <a:r>
+              <a:rPr lang="en-US" sz="1400" dirty="0" err="1">
                 <a:latin typeface="Courier New" panose="02070309020205020404" pitchFamily="49" charset="0"/>
                 <a:cs typeface="Courier New" panose="02070309020205020404" pitchFamily="49" charset="0"/>
               </a:rPr>
               <a:t>System.out.println</a:t>
             </a:r>
             <a:r>
-              <a:rPr lang="en-US" sz="1400" dirty="0" smtClean="0">
+              <a:rPr lang="en-US" sz="1400" dirty="0">
                 <a:latin typeface="Courier New" panose="02070309020205020404" pitchFamily="49" charset="0"/>
                 <a:cs typeface="Courier New" panose="02070309020205020404" pitchFamily="49" charset="0"/>
               </a:rPr>
@@ -9985,7 +10181,7 @@
               <a:buNone/>
             </a:pPr>
             <a:r>
-              <a:rPr lang="en-US" sz="1400" dirty="0" smtClean="0">
+              <a:rPr lang="en-US" sz="1400" dirty="0">
                 <a:latin typeface="Courier New" panose="02070309020205020404" pitchFamily="49" charset="0"/>
                 <a:cs typeface="Courier New" panose="02070309020205020404" pitchFamily="49" charset="0"/>
               </a:rPr>
@@ -10007,7 +10203,7 @@
               <a:buNone/>
             </a:pPr>
             <a:r>
-              <a:rPr lang="en-US" sz="1400" dirty="0" smtClean="0">
+              <a:rPr lang="en-US" sz="1400" dirty="0">
                 <a:latin typeface="Courier New" panose="02070309020205020404" pitchFamily="49" charset="0"/>
                 <a:cs typeface="Courier New" panose="02070309020205020404" pitchFamily="49" charset="0"/>
               </a:rPr>
@@ -10029,7 +10225,7 @@
               <a:buNone/>
             </a:pPr>
             <a:r>
-              <a:rPr lang="en-US" sz="1400" dirty="0" smtClean="0">
+              <a:rPr lang="en-US" sz="1400" dirty="0">
                 <a:latin typeface="Courier New" panose="02070309020205020404" pitchFamily="49" charset="0"/>
                 <a:cs typeface="Courier New" panose="02070309020205020404" pitchFamily="49" charset="0"/>
               </a:rPr>
@@ -10051,7 +10247,7 @@
               <a:buNone/>
             </a:pPr>
             <a:r>
-              <a:rPr lang="en-US" sz="1400" dirty="0" smtClean="0">
+              <a:rPr lang="en-US" sz="1400" dirty="0">
                 <a:latin typeface="Courier New" panose="02070309020205020404" pitchFamily="49" charset="0"/>
                 <a:cs typeface="Courier New" panose="02070309020205020404" pitchFamily="49" charset="0"/>
               </a:rPr>
@@ -10073,7 +10269,7 @@
               <a:buNone/>
             </a:pPr>
             <a:r>
-              <a:rPr lang="en-US" sz="1400" dirty="0" smtClean="0">
+              <a:rPr lang="en-US" sz="1400" dirty="0">
                 <a:latin typeface="Courier New" panose="02070309020205020404" pitchFamily="49" charset="0"/>
                 <a:cs typeface="Courier New" panose="02070309020205020404" pitchFamily="49" charset="0"/>
               </a:rPr>
@@ -10095,7 +10291,7 @@
               <a:buNone/>
             </a:pPr>
             <a:r>
-              <a:rPr lang="en-US" sz="1400" dirty="0" smtClean="0">
+              <a:rPr lang="en-US" sz="1400" dirty="0">
                 <a:latin typeface="Courier New" panose="02070309020205020404" pitchFamily="49" charset="0"/>
                 <a:cs typeface="Courier New" panose="02070309020205020404" pitchFamily="49" charset="0"/>
               </a:rPr>
@@ -10117,21 +10313,21 @@
               <a:buNone/>
             </a:pPr>
             <a:r>
-              <a:rPr lang="en-US" sz="1400" dirty="0" smtClean="0">
+              <a:rPr lang="en-US" sz="1400" dirty="0">
                 <a:latin typeface="Courier New" panose="02070309020205020404" pitchFamily="49" charset="0"/>
                 <a:cs typeface="Courier New" panose="02070309020205020404" pitchFamily="49" charset="0"/>
               </a:rPr>
               <a:t>      </a:t>
             </a:r>
             <a:r>
-              <a:rPr lang="en-US" sz="1400" dirty="0" err="1" smtClean="0">
+              <a:rPr lang="en-US" sz="1400" dirty="0" err="1">
                 <a:latin typeface="Courier New" panose="02070309020205020404" pitchFamily="49" charset="0"/>
                 <a:cs typeface="Courier New" panose="02070309020205020404" pitchFamily="49" charset="0"/>
               </a:rPr>
               <a:t>System.out.println</a:t>
             </a:r>
             <a:r>
-              <a:rPr lang="en-US" sz="1400" dirty="0" smtClean="0">
+              <a:rPr lang="en-US" sz="1400" dirty="0">
                 <a:latin typeface="Courier New" panose="02070309020205020404" pitchFamily="49" charset="0"/>
                 <a:cs typeface="Courier New" panose="02070309020205020404" pitchFamily="49" charset="0"/>
               </a:rPr>
@@ -10153,21 +10349,21 @@
               <a:buNone/>
             </a:pPr>
             <a:r>
-              <a:rPr lang="en-US" sz="1400" dirty="0" smtClean="0">
+              <a:rPr lang="en-US" sz="1400" dirty="0">
                 <a:latin typeface="Courier New" panose="02070309020205020404" pitchFamily="49" charset="0"/>
                 <a:cs typeface="Courier New" panose="02070309020205020404" pitchFamily="49" charset="0"/>
               </a:rPr>
               <a:t>      </a:t>
             </a:r>
             <a:r>
-              <a:rPr lang="en-US" sz="1400" dirty="0" err="1" smtClean="0">
+              <a:rPr lang="en-US" sz="1400" dirty="0" err="1">
                 <a:latin typeface="Courier New" panose="02070309020205020404" pitchFamily="49" charset="0"/>
                 <a:cs typeface="Courier New" panose="02070309020205020404" pitchFamily="49" charset="0"/>
               </a:rPr>
               <a:t>System.out.println</a:t>
             </a:r>
             <a:r>
-              <a:rPr lang="en-US" sz="1400" dirty="0" smtClean="0">
+              <a:rPr lang="en-US" sz="1400" dirty="0">
                 <a:latin typeface="Courier New" panose="02070309020205020404" pitchFamily="49" charset="0"/>
                 <a:cs typeface="Courier New" panose="02070309020205020404" pitchFamily="49" charset="0"/>
               </a:rPr>
@@ -10189,21 +10385,21 @@
               <a:buNone/>
             </a:pPr>
             <a:r>
-              <a:rPr lang="en-US" sz="1400" dirty="0" smtClean="0">
+              <a:rPr lang="en-US" sz="1400" dirty="0">
                 <a:latin typeface="Courier New" panose="02070309020205020404" pitchFamily="49" charset="0"/>
                 <a:cs typeface="Courier New" panose="02070309020205020404" pitchFamily="49" charset="0"/>
               </a:rPr>
               <a:t>      </a:t>
             </a:r>
             <a:r>
-              <a:rPr lang="en-US" sz="1400" dirty="0" err="1" smtClean="0">
+              <a:rPr lang="en-US" sz="1400" dirty="0" err="1">
                 <a:latin typeface="Courier New" panose="02070309020205020404" pitchFamily="49" charset="0"/>
                 <a:cs typeface="Courier New" panose="02070309020205020404" pitchFamily="49" charset="0"/>
               </a:rPr>
               <a:t>System.out.println</a:t>
             </a:r>
             <a:r>
-              <a:rPr lang="en-US" sz="1400" dirty="0" smtClean="0">
+              <a:rPr lang="en-US" sz="1400" dirty="0">
                 <a:latin typeface="Courier New" panose="02070309020205020404" pitchFamily="49" charset="0"/>
                 <a:cs typeface="Courier New" panose="02070309020205020404" pitchFamily="49" charset="0"/>
               </a:rPr>
@@ -10225,21 +10421,21 @@
               <a:buNone/>
             </a:pPr>
             <a:r>
-              <a:rPr lang="en-US" sz="1400" dirty="0" smtClean="0">
+              <a:rPr lang="en-US" sz="1400" dirty="0">
                 <a:latin typeface="Courier New" panose="02070309020205020404" pitchFamily="49" charset="0"/>
                 <a:cs typeface="Courier New" panose="02070309020205020404" pitchFamily="49" charset="0"/>
               </a:rPr>
               <a:t>      </a:t>
             </a:r>
             <a:r>
-              <a:rPr lang="en-US" sz="1400" dirty="0" err="1" smtClean="0">
+              <a:rPr lang="en-US" sz="1400" dirty="0" err="1">
                 <a:latin typeface="Courier New" panose="02070309020205020404" pitchFamily="49" charset="0"/>
                 <a:cs typeface="Courier New" panose="02070309020205020404" pitchFamily="49" charset="0"/>
               </a:rPr>
               <a:t>System.out.println</a:t>
             </a:r>
             <a:r>
-              <a:rPr lang="en-US" sz="1400" dirty="0" smtClean="0">
+              <a:rPr lang="en-US" sz="1400" dirty="0">
                 <a:latin typeface="Courier New" panose="02070309020205020404" pitchFamily="49" charset="0"/>
                 <a:cs typeface="Courier New" panose="02070309020205020404" pitchFamily="49" charset="0"/>
               </a:rPr>
@@ -10261,7 +10457,7 @@
               <a:buNone/>
             </a:pPr>
             <a:r>
-              <a:rPr lang="en-US" sz="1400" dirty="0" smtClean="0">
+              <a:rPr lang="en-US" sz="1400" dirty="0">
                 <a:latin typeface="Courier New" panose="02070309020205020404" pitchFamily="49" charset="0"/>
                 <a:cs typeface="Courier New" panose="02070309020205020404" pitchFamily="49" charset="0"/>
               </a:rPr>
@@ -10283,16 +10479,12 @@
               <a:buNone/>
             </a:pPr>
             <a:r>
-              <a:rPr lang="en-US" sz="1400" dirty="0" smtClean="0">
+              <a:rPr lang="en-US" sz="1400" dirty="0">
                 <a:latin typeface="Courier New" panose="02070309020205020404" pitchFamily="49" charset="0"/>
                 <a:cs typeface="Courier New" panose="02070309020205020404" pitchFamily="49" charset="0"/>
               </a:rPr>
               <a:t>}</a:t>
             </a:r>
-            <a:endParaRPr lang="en-US" sz="1400" dirty="0">
-              <a:latin typeface="Courier New" panose="02070309020205020404" pitchFamily="49" charset="0"/>
-              <a:cs typeface="Courier New" panose="02070309020205020404" pitchFamily="49" charset="0"/>
-            </a:endParaRPr>
           </a:p>
         </p:txBody>
       </p:sp>
@@ -10344,7 +10536,7 @@
           <a:p>
             <a:pPr algn="ctr"/>
             <a:r>
-              <a:rPr lang="en-US" dirty="0" smtClean="0">
+              <a:rPr lang="en-US" dirty="0">
                 <a:solidFill>
                   <a:srgbClr val="092529"/>
                 </a:solidFill>
@@ -10405,7 +10597,7 @@
           <a:p>
             <a:pPr algn="ctr"/>
             <a:r>
-              <a:rPr lang="en-US" dirty="0" smtClean="0">
+              <a:rPr lang="en-US" dirty="0">
                 <a:solidFill>
                   <a:srgbClr val="092529"/>
                 </a:solidFill>
@@ -10421,7 +10613,7 @@
               <a:buAutoNum type="arabicPeriod"/>
             </a:pPr>
             <a:r>
-              <a:rPr lang="en-US" dirty="0" smtClean="0">
+              <a:rPr lang="en-US" dirty="0">
                 <a:solidFill>
                   <a:srgbClr val="092529"/>
                 </a:solidFill>
@@ -10437,7 +10629,7 @@
               <a:buAutoNum type="arabicPeriod"/>
             </a:pPr>
             <a:r>
-              <a:rPr lang="en-US" dirty="0" smtClean="0">
+              <a:rPr lang="en-US" dirty="0">
                 <a:solidFill>
                   <a:srgbClr val="092529"/>
                 </a:solidFill>
@@ -10453,7 +10645,7 @@
               <a:buAutoNum type="arabicPeriod"/>
             </a:pPr>
             <a:r>
-              <a:rPr lang="en-US" dirty="0" smtClean="0">
+              <a:rPr lang="en-US" dirty="0">
                 <a:solidFill>
                   <a:srgbClr val="092529"/>
                 </a:solidFill>
@@ -10488,17 +10680,10 @@
       </p:transition>
     </mc:Fallback>
   </mc:AlternateContent>
-  <p:timing>
-    <p:tnLst>
-      <p:par>
-        <p:cTn id="1" dur="indefinite" restart="never" nodeType="tmRoot"/>
-      </p:par>
-    </p:tnLst>
-  </p:timing>
 </p:sld>
 </file>
 
-<file path=ppt/slides/slide15.xml><?xml version="1.0" encoding="utf-8"?>
+<file path=ppt/slides/slide16.xml><?xml version="1.0" encoding="utf-8"?>
 <p:sld xmlns:a="http://schemas.openxmlformats.org/drawingml/2006/main" xmlns:r="http://schemas.openxmlformats.org/officeDocument/2006/relationships" xmlns:p="http://schemas.openxmlformats.org/presentationml/2006/main">
   <p:cSld>
     <p:spTree>
@@ -10542,10 +10727,9 @@
           <a:lstStyle/>
           <a:p>
             <a:r>
-              <a:rPr lang="en-US" dirty="0" smtClean="0"/>
+              <a:rPr lang="en-US" dirty="0"/>
               <a:t>Code Along</a:t>
             </a:r>
-            <a:endParaRPr lang="en-US" dirty="0"/>
           </a:p>
         </p:txBody>
       </p:sp>
@@ -11578,7 +11762,7 @@
           <a:p>
             <a:pPr algn="ctr"/>
             <a:r>
-              <a:rPr lang="en-US" dirty="0" smtClean="0">
+              <a:rPr lang="en-US" dirty="0">
                 <a:solidFill>
                   <a:srgbClr val="092529"/>
                 </a:solidFill>
@@ -11672,7 +11856,7 @@
           <a:p>
             <a:pPr algn="ctr"/>
             <a:r>
-              <a:rPr lang="en-US" dirty="0" smtClean="0">
+              <a:rPr lang="en-US" dirty="0">
                 <a:solidFill>
                   <a:srgbClr val="092529"/>
                 </a:solidFill>
@@ -11799,7 +11983,7 @@
           <a:p>
             <a:pPr algn="ctr"/>
             <a:r>
-              <a:rPr lang="en-US" dirty="0" smtClean="0">
+              <a:rPr lang="en-US" dirty="0">
                 <a:solidFill>
                   <a:srgbClr val="092529"/>
                 </a:solidFill>
@@ -11813,7 +11997,7 @@
           <a:p>
             <a:pPr algn="ctr"/>
             <a:r>
-              <a:rPr lang="en-US" dirty="0" err="1" smtClean="0">
+              <a:rPr lang="en-US" dirty="0" err="1">
                 <a:solidFill>
                   <a:srgbClr val="092529"/>
                 </a:solidFill>
@@ -11823,7 +12007,7 @@
               </a:rPr>
               <a:t>subtractionMethod</a:t>
             </a:r>
-            <a:endParaRPr lang="en-US" dirty="0" smtClean="0">
+            <a:endParaRPr lang="en-US" dirty="0">
               <a:solidFill>
                 <a:srgbClr val="092529"/>
               </a:solidFill>
@@ -11835,7 +12019,7 @@
           <a:p>
             <a:pPr algn="ctr"/>
             <a:r>
-              <a:rPr lang="en-US" dirty="0" err="1" smtClean="0">
+              <a:rPr lang="en-US" dirty="0" err="1">
                 <a:solidFill>
                   <a:srgbClr val="092529"/>
                 </a:solidFill>
@@ -11845,7 +12029,7 @@
               </a:rPr>
               <a:t>multiplicationMethod</a:t>
             </a:r>
-            <a:endParaRPr lang="en-US" dirty="0" smtClean="0">
+            <a:endParaRPr lang="en-US" dirty="0">
               <a:solidFill>
                 <a:srgbClr val="092529"/>
               </a:solidFill>
@@ -11857,7 +12041,7 @@
           <a:p>
             <a:pPr algn="ctr"/>
             <a:r>
-              <a:rPr lang="en-US" dirty="0" err="1" smtClean="0">
+              <a:rPr lang="en-US" dirty="0" err="1">
                 <a:solidFill>
                   <a:srgbClr val="092529"/>
                 </a:solidFill>
@@ -11867,7 +12051,7 @@
               </a:rPr>
               <a:t>divisionMethod</a:t>
             </a:r>
-            <a:endParaRPr lang="en-US" dirty="0" smtClean="0">
+            <a:endParaRPr lang="en-US" dirty="0">
               <a:solidFill>
                 <a:srgbClr val="092529"/>
               </a:solidFill>
@@ -11879,7 +12063,7 @@
           <a:p>
             <a:pPr algn="ctr"/>
             <a:r>
-              <a:rPr lang="en-US" dirty="0" err="1" smtClean="0">
+              <a:rPr lang="en-US" dirty="0" err="1">
                 <a:solidFill>
                   <a:srgbClr val="092529"/>
                 </a:solidFill>
@@ -11889,7 +12073,7 @@
               </a:rPr>
               <a:t>printMethod</a:t>
             </a:r>
-            <a:endParaRPr lang="en-US" dirty="0" smtClean="0">
+            <a:endParaRPr lang="en-US" dirty="0">
               <a:solidFill>
                 <a:srgbClr val="092529"/>
               </a:solidFill>
@@ -12339,7 +12523,7 @@
         <p:spPr>
           <a:xfrm>
             <a:off x="10486045" y="3026858"/>
-            <a:ext cx="3207922" cy="3170099"/>
+            <a:ext cx="3207922" cy="2492990"/>
           </a:xfrm>
           <a:prstGeom prst="rect">
             <a:avLst/>
@@ -12359,21 +12543,17 @@
           </a:p>
           <a:p>
             <a:r>
-              <a:rPr lang="en-US" dirty="0"/>
+              <a:rPr lang="en-US" sz="1600" dirty="0"/>
               <a:t>Success in CS Panel</a:t>
             </a:r>
           </a:p>
           <a:p>
             <a:r>
-              <a:rPr lang="en-US" dirty="0"/>
+              <a:rPr lang="en-US" sz="1600" dirty="0"/>
               <a:t>Wednesday, 6:00 PM CSB 130</a:t>
             </a:r>
           </a:p>
           <a:p>
-            <a:r>
-              <a:rPr lang="en-US" dirty="0"/>
-              <a:t/>
-            </a:r>
             <a:br>
               <a:rPr lang="en-US" dirty="0"/>
             </a:br>
@@ -12384,29 +12564,79 @@
           </a:p>
           <a:p>
             <a:r>
+              <a:rPr lang="en-US" sz="1600" dirty="0"/>
+              <a:t>Hike to </a:t>
+            </a:r>
+            <a:r>
+              <a:rPr lang="en-US" sz="1600" dirty="0" err="1"/>
+              <a:t>Horsetooth</a:t>
+            </a:r>
+            <a:r>
+              <a:rPr lang="en-US" sz="1600" dirty="0"/>
+              <a:t> Falls</a:t>
+            </a:r>
+          </a:p>
+          <a:p>
+            <a:r>
+              <a:rPr lang="en-US" sz="1600" dirty="0"/>
+              <a:t>Thursday, 5:30 PM </a:t>
+            </a:r>
+            <a:br>
+              <a:rPr lang="en-US" sz="1600" dirty="0"/>
+            </a:br>
+            <a:r>
+              <a:rPr lang="en-US" sz="1600" dirty="0"/>
+              <a:t>Meet outside CSB front of building</a:t>
+            </a:r>
+          </a:p>
+        </p:txBody>
+      </p:sp>
+      <p:sp>
+        <p:nvSpPr>
+          <p:cNvPr id="2" name="TextBox 1">
+            <a:extLst>
+              <a:ext uri="{FF2B5EF4-FFF2-40B4-BE49-F238E27FC236}">
+                <a16:creationId xmlns:a16="http://schemas.microsoft.com/office/drawing/2014/main" id="{34DE5FA6-C9AA-7249-905D-C0AC1FB3A833}"/>
+              </a:ext>
+            </a:extLst>
+          </p:cNvPr>
+          <p:cNvSpPr txBox="1"/>
+          <p:nvPr/>
+        </p:nvSpPr>
+        <p:spPr>
+          <a:xfrm>
+            <a:off x="2450770" y="6082507"/>
+            <a:ext cx="9323386" cy="1015663"/>
+          </a:xfrm>
+          <a:prstGeom prst="rect">
+            <a:avLst/>
+          </a:prstGeom>
+          <a:solidFill>
+            <a:schemeClr val="accent2"/>
+          </a:solidFill>
+        </p:spPr>
+        <p:txBody>
+          <a:bodyPr wrap="none" rtlCol="0">
+            <a:spAutoFit/>
+          </a:bodyPr>
+          <a:lstStyle/>
+          <a:p>
+            <a:r>
+              <a:rPr lang="en-US" b="1" dirty="0"/>
+              <a:t>Opening Question: (make sure to talk before class starts)</a:t>
+            </a:r>
+          </a:p>
+          <a:p>
+            <a:r>
               <a:rPr lang="en-US" dirty="0"/>
-              <a:t>Hike to </a:t>
-            </a:r>
-            <a:r>
-              <a:rPr lang="en-US" dirty="0" err="1"/>
-              <a:t>Horsetooth</a:t>
-            </a:r>
-            <a:r>
-              <a:rPr lang="en-US" dirty="0"/>
-              <a:t> Falls</a:t>
-            </a:r>
-          </a:p>
-          <a:p>
-            <a:r>
-              <a:rPr lang="en-US" dirty="0"/>
-              <a:t>Thursday, 5:30 PM </a:t>
+              <a:t>What apps do you use most on your phone? What do they have in common?</a:t>
             </a:r>
             <a:br>
               <a:rPr lang="en-US" dirty="0"/>
             </a:br>
             <a:r>
               <a:rPr lang="en-US" dirty="0"/>
-              <a:t>Meet outside CSB front of building</a:t>
+              <a:t>What problem are they trying to solve? (also – do you know each other’s names!)</a:t>
             </a:r>
           </a:p>
         </p:txBody>
@@ -12424,13 +12654,6 @@
   <p:transition>
     <p:fade/>
   </p:transition>
-  <p:timing>
-    <p:tnLst>
-      <p:par>
-        <p:cTn id="1" dur="indefinite" restart="never" nodeType="tmRoot"/>
-      </p:par>
-    </p:tnLst>
-  </p:timing>
 </p:sld>
 </file>
 
@@ -12478,10 +12701,9 @@
           <a:lstStyle/>
           <a:p>
             <a:r>
-              <a:rPr lang="en-US" dirty="0" smtClean="0"/>
+              <a:rPr lang="en-US" dirty="0"/>
               <a:t>Programming == Problem Solving</a:t>
             </a:r>
-            <a:endParaRPr lang="en-US" dirty="0"/>
           </a:p>
         </p:txBody>
       </p:sp>
@@ -12513,12 +12735,8 @@
           <a:p>
             <a:pPr fontAlgn="base"/>
             <a:r>
-              <a:rPr lang="en-US" dirty="0" smtClean="0"/>
-              <a:t>You </a:t>
-            </a:r>
-            <a:r>
               <a:rPr lang="en-US" dirty="0"/>
-              <a:t>look at the problem to solve</a:t>
+              <a:t>You look at the problem to solve</a:t>
             </a:r>
           </a:p>
           <a:p>
@@ -12560,11 +12778,7 @@
             <a:pPr fontAlgn="base"/>
             <a:r>
               <a:rPr lang="en-US" dirty="0"/>
-              <a:t>Completed </a:t>
-            </a:r>
-            <a:r>
-              <a:rPr lang="en-US" dirty="0" smtClean="0"/>
-              <a:t>program</a:t>
+              <a:t>Completed program</a:t>
             </a:r>
           </a:p>
           <a:p>
@@ -12783,21 +12997,21 @@
               <a:buNone/>
             </a:pPr>
             <a:r>
-              <a:rPr lang="en-US" dirty="0" smtClean="0">
+              <a:rPr lang="en-US" dirty="0">
                 <a:latin typeface="Courier New" panose="02070309020205020404" pitchFamily="49" charset="0"/>
                 <a:cs typeface="Courier New" panose="02070309020205020404" pitchFamily="49" charset="0"/>
               </a:rPr>
               <a:t>public class </a:t>
             </a:r>
             <a:r>
-              <a:rPr lang="en-US" dirty="0" err="1" smtClean="0">
+              <a:rPr lang="en-US" dirty="0" err="1">
                 <a:latin typeface="Courier New" panose="02070309020205020404" pitchFamily="49" charset="0"/>
                 <a:cs typeface="Courier New" panose="02070309020205020404" pitchFamily="49" charset="0"/>
               </a:rPr>
               <a:t>BasicCalculations</a:t>
             </a:r>
             <a:r>
-              <a:rPr lang="en-US" dirty="0" smtClean="0">
+              <a:rPr lang="en-US" dirty="0">
                 <a:latin typeface="Courier New" panose="02070309020205020404" pitchFamily="49" charset="0"/>
                 <a:cs typeface="Courier New" panose="02070309020205020404" pitchFamily="49" charset="0"/>
               </a:rPr>
@@ -12819,21 +13033,21 @@
               <a:buNone/>
             </a:pPr>
             <a:r>
-              <a:rPr lang="en-US" dirty="0" smtClean="0">
+              <a:rPr lang="en-US" dirty="0">
                 <a:latin typeface="Courier New" panose="02070309020205020404" pitchFamily="49" charset="0"/>
                 <a:cs typeface="Courier New" panose="02070309020205020404" pitchFamily="49" charset="0"/>
               </a:rPr>
               <a:t>   public static void main(String[] </a:t>
             </a:r>
             <a:r>
-              <a:rPr lang="en-US" dirty="0" err="1" smtClean="0">
+              <a:rPr lang="en-US" dirty="0" err="1">
                 <a:latin typeface="Courier New" panose="02070309020205020404" pitchFamily="49" charset="0"/>
                 <a:cs typeface="Courier New" panose="02070309020205020404" pitchFamily="49" charset="0"/>
               </a:rPr>
               <a:t>args</a:t>
             </a:r>
             <a:r>
-              <a:rPr lang="en-US" dirty="0" smtClean="0">
+              <a:rPr lang="en-US" dirty="0">
                 <a:latin typeface="Courier New" panose="02070309020205020404" pitchFamily="49" charset="0"/>
                 <a:cs typeface="Courier New" panose="02070309020205020404" pitchFamily="49" charset="0"/>
               </a:rPr>
@@ -12855,7 +13069,7 @@
               <a:buNone/>
             </a:pPr>
             <a:r>
-              <a:rPr lang="en-US" dirty="0" smtClean="0">
+              <a:rPr lang="en-US" dirty="0">
                 <a:latin typeface="Courier New" panose="02070309020205020404" pitchFamily="49" charset="0"/>
                 <a:cs typeface="Courier New" panose="02070309020205020404" pitchFamily="49" charset="0"/>
               </a:rPr>
@@ -12881,14 +13095,7 @@
                 <a:latin typeface="Courier New" panose="02070309020205020404" pitchFamily="49" charset="0"/>
                 <a:cs typeface="Courier New" panose="02070309020205020404" pitchFamily="49" charset="0"/>
               </a:rPr>
-              <a:t> </a:t>
-            </a:r>
-            <a:r>
-              <a:rPr lang="en-US" dirty="0" smtClean="0">
-                <a:latin typeface="Courier New" panose="02070309020205020404" pitchFamily="49" charset="0"/>
-                <a:cs typeface="Courier New" panose="02070309020205020404" pitchFamily="49" charset="0"/>
-              </a:rPr>
-              <a:t>     double multiplication, division;</a:t>
+              <a:t>      double multiplication, division;</a:t>
             </a:r>
           </a:p>
           <a:p>
@@ -12906,7 +13113,7 @@
               <a:buNone/>
             </a:pPr>
             <a:r>
-              <a:rPr lang="en-US" dirty="0" smtClean="0">
+              <a:rPr lang="en-US" dirty="0">
                 <a:latin typeface="Courier New" panose="02070309020205020404" pitchFamily="49" charset="0"/>
                 <a:cs typeface="Courier New" panose="02070309020205020404" pitchFamily="49" charset="0"/>
               </a:rPr>
@@ -12928,7 +13135,7 @@
               <a:buNone/>
             </a:pPr>
             <a:r>
-              <a:rPr lang="en-US" dirty="0" smtClean="0">
+              <a:rPr lang="en-US" dirty="0">
                 <a:latin typeface="Courier New" panose="02070309020205020404" pitchFamily="49" charset="0"/>
                 <a:cs typeface="Courier New" panose="02070309020205020404" pitchFamily="49" charset="0"/>
               </a:rPr>
@@ -12950,7 +13157,7 @@
               <a:buNone/>
             </a:pPr>
             <a:r>
-              <a:rPr lang="en-US" dirty="0" smtClean="0">
+              <a:rPr lang="en-US" dirty="0">
                 <a:latin typeface="Courier New" panose="02070309020205020404" pitchFamily="49" charset="0"/>
                 <a:cs typeface="Courier New" panose="02070309020205020404" pitchFamily="49" charset="0"/>
               </a:rPr>
@@ -12972,7 +13179,7 @@
               <a:buNone/>
             </a:pPr>
             <a:r>
-              <a:rPr lang="en-US" dirty="0" smtClean="0">
+              <a:rPr lang="en-US" dirty="0">
                 <a:latin typeface="Courier New" panose="02070309020205020404" pitchFamily="49" charset="0"/>
                 <a:cs typeface="Courier New" panose="02070309020205020404" pitchFamily="49" charset="0"/>
               </a:rPr>
@@ -12994,7 +13201,7 @@
               <a:buNone/>
             </a:pPr>
             <a:r>
-              <a:rPr lang="en-US" dirty="0" smtClean="0">
+              <a:rPr lang="en-US" dirty="0">
                 <a:latin typeface="Courier New" panose="02070309020205020404" pitchFamily="49" charset="0"/>
                 <a:cs typeface="Courier New" panose="02070309020205020404" pitchFamily="49" charset="0"/>
               </a:rPr>
@@ -13016,7 +13223,7 @@
               <a:buNone/>
             </a:pPr>
             <a:r>
-              <a:rPr lang="en-US" dirty="0" smtClean="0">
+              <a:rPr lang="en-US" dirty="0">
                 <a:latin typeface="Courier New" panose="02070309020205020404" pitchFamily="49" charset="0"/>
                 <a:cs typeface="Courier New" panose="02070309020205020404" pitchFamily="49" charset="0"/>
               </a:rPr>
@@ -13038,21 +13245,21 @@
               <a:buNone/>
             </a:pPr>
             <a:r>
-              <a:rPr lang="en-US" dirty="0" smtClean="0">
+              <a:rPr lang="en-US" dirty="0">
                 <a:latin typeface="Courier New" panose="02070309020205020404" pitchFamily="49" charset="0"/>
                 <a:cs typeface="Courier New" panose="02070309020205020404" pitchFamily="49" charset="0"/>
               </a:rPr>
               <a:t>      </a:t>
             </a:r>
             <a:r>
-              <a:rPr lang="en-US" dirty="0" err="1" smtClean="0">
+              <a:rPr lang="en-US" dirty="0" err="1">
                 <a:latin typeface="Courier New" panose="02070309020205020404" pitchFamily="49" charset="0"/>
                 <a:cs typeface="Courier New" panose="02070309020205020404" pitchFamily="49" charset="0"/>
               </a:rPr>
               <a:t>System.out.println</a:t>
             </a:r>
             <a:r>
-              <a:rPr lang="en-US" dirty="0" smtClean="0">
+              <a:rPr lang="en-US" dirty="0">
                 <a:latin typeface="Courier New" panose="02070309020205020404" pitchFamily="49" charset="0"/>
                 <a:cs typeface="Courier New" panose="02070309020205020404" pitchFamily="49" charset="0"/>
               </a:rPr>
@@ -13078,14 +13285,7 @@
                 <a:latin typeface="Courier New" panose="02070309020205020404" pitchFamily="49" charset="0"/>
                 <a:cs typeface="Courier New" panose="02070309020205020404" pitchFamily="49" charset="0"/>
               </a:rPr>
-              <a:t> </a:t>
-            </a:r>
-            <a:r>
-              <a:rPr lang="en-US" dirty="0" smtClean="0">
-                <a:latin typeface="Courier New" panose="02070309020205020404" pitchFamily="49" charset="0"/>
-                <a:cs typeface="Courier New" panose="02070309020205020404" pitchFamily="49" charset="0"/>
-              </a:rPr>
-              <a:t>                        value2 + " = " + sum); </a:t>
+              <a:t>                         value2 + " = " + sum); </a:t>
             </a:r>
           </a:p>
           <a:p>
@@ -13103,21 +13303,21 @@
               <a:buNone/>
             </a:pPr>
             <a:r>
-              <a:rPr lang="en-US" dirty="0" smtClean="0">
+              <a:rPr lang="en-US" dirty="0">
                 <a:latin typeface="Courier New" panose="02070309020205020404" pitchFamily="49" charset="0"/>
                 <a:cs typeface="Courier New" panose="02070309020205020404" pitchFamily="49" charset="0"/>
               </a:rPr>
               <a:t>	 </a:t>
             </a:r>
             <a:r>
-              <a:rPr lang="en-US" dirty="0" err="1" smtClean="0">
+              <a:rPr lang="en-US" dirty="0" err="1">
                 <a:latin typeface="Courier New" panose="02070309020205020404" pitchFamily="49" charset="0"/>
                 <a:cs typeface="Courier New" panose="02070309020205020404" pitchFamily="49" charset="0"/>
               </a:rPr>
               <a:t>System.out.println</a:t>
             </a:r>
             <a:r>
-              <a:rPr lang="en-US" dirty="0" smtClean="0">
+              <a:rPr lang="en-US" dirty="0">
                 <a:latin typeface="Courier New" panose="02070309020205020404" pitchFamily="49" charset="0"/>
                 <a:cs typeface="Courier New" panose="02070309020205020404" pitchFamily="49" charset="0"/>
               </a:rPr>
@@ -13143,14 +13343,7 @@
                 <a:latin typeface="Courier New" panose="02070309020205020404" pitchFamily="49" charset="0"/>
                 <a:cs typeface="Courier New" panose="02070309020205020404" pitchFamily="49" charset="0"/>
               </a:rPr>
-              <a:t> </a:t>
-            </a:r>
-            <a:r>
-              <a:rPr lang="en-US" dirty="0" smtClean="0">
-                <a:latin typeface="Courier New" panose="02070309020205020404" pitchFamily="49" charset="0"/>
-                <a:cs typeface="Courier New" panose="02070309020205020404" pitchFamily="49" charset="0"/>
-              </a:rPr>
-              <a:t>                        value2 + " = " + subtraction); </a:t>
+              <a:t>                         value2 + " = " + subtraction); </a:t>
             </a:r>
           </a:p>
           <a:p>
@@ -13168,21 +13361,21 @@
               <a:buNone/>
             </a:pPr>
             <a:r>
-              <a:rPr lang="en-US" dirty="0" smtClean="0">
+              <a:rPr lang="en-US" dirty="0">
                 <a:latin typeface="Courier New" panose="02070309020205020404" pitchFamily="49" charset="0"/>
                 <a:cs typeface="Courier New" panose="02070309020205020404" pitchFamily="49" charset="0"/>
               </a:rPr>
               <a:t>	 </a:t>
             </a:r>
             <a:r>
-              <a:rPr lang="en-US" dirty="0" err="1" smtClean="0">
+              <a:rPr lang="en-US" dirty="0" err="1">
                 <a:latin typeface="Courier New" panose="02070309020205020404" pitchFamily="49" charset="0"/>
                 <a:cs typeface="Courier New" panose="02070309020205020404" pitchFamily="49" charset="0"/>
               </a:rPr>
               <a:t>System.out.println</a:t>
             </a:r>
             <a:r>
-              <a:rPr lang="en-US" dirty="0" smtClean="0">
+              <a:rPr lang="en-US" dirty="0">
                 <a:latin typeface="Courier New" panose="02070309020205020404" pitchFamily="49" charset="0"/>
                 <a:cs typeface="Courier New" panose="02070309020205020404" pitchFamily="49" charset="0"/>
               </a:rPr>
@@ -13208,14 +13401,7 @@
                 <a:latin typeface="Courier New" panose="02070309020205020404" pitchFamily="49" charset="0"/>
                 <a:cs typeface="Courier New" panose="02070309020205020404" pitchFamily="49" charset="0"/>
               </a:rPr>
-              <a:t> </a:t>
-            </a:r>
-            <a:r>
-              <a:rPr lang="en-US" dirty="0" smtClean="0">
-                <a:latin typeface="Courier New" panose="02070309020205020404" pitchFamily="49" charset="0"/>
-                <a:cs typeface="Courier New" panose="02070309020205020404" pitchFamily="49" charset="0"/>
-              </a:rPr>
-              <a:t>                        value2 + " = " + multiplication);</a:t>
+              <a:t>                         value2 + " = " + multiplication);</a:t>
             </a:r>
           </a:p>
           <a:p>
@@ -13233,21 +13419,21 @@
               <a:buNone/>
             </a:pPr>
             <a:r>
-              <a:rPr lang="en-US" dirty="0" smtClean="0">
+              <a:rPr lang="en-US" dirty="0">
                 <a:latin typeface="Courier New" panose="02070309020205020404" pitchFamily="49" charset="0"/>
                 <a:cs typeface="Courier New" panose="02070309020205020404" pitchFamily="49" charset="0"/>
               </a:rPr>
               <a:t>	 </a:t>
             </a:r>
             <a:r>
-              <a:rPr lang="en-US" dirty="0" err="1" smtClean="0">
+              <a:rPr lang="en-US" dirty="0" err="1">
                 <a:latin typeface="Courier New" panose="02070309020205020404" pitchFamily="49" charset="0"/>
                 <a:cs typeface="Courier New" panose="02070309020205020404" pitchFamily="49" charset="0"/>
               </a:rPr>
               <a:t>System.out.println</a:t>
             </a:r>
             <a:r>
-              <a:rPr lang="en-US" dirty="0" smtClean="0">
+              <a:rPr lang="en-US" dirty="0">
                 <a:latin typeface="Courier New" panose="02070309020205020404" pitchFamily="49" charset="0"/>
                 <a:cs typeface="Courier New" panose="02070309020205020404" pitchFamily="49" charset="0"/>
               </a:rPr>
@@ -13273,14 +13459,7 @@
                 <a:latin typeface="Courier New" panose="02070309020205020404" pitchFamily="49" charset="0"/>
                 <a:cs typeface="Courier New" panose="02070309020205020404" pitchFamily="49" charset="0"/>
               </a:rPr>
-              <a:t> </a:t>
-            </a:r>
-            <a:r>
-              <a:rPr lang="en-US" dirty="0" smtClean="0">
-                <a:latin typeface="Courier New" panose="02070309020205020404" pitchFamily="49" charset="0"/>
-                <a:cs typeface="Courier New" panose="02070309020205020404" pitchFamily="49" charset="0"/>
-              </a:rPr>
-              <a:t>                        value2 + " = " + division);</a:t>
+              <a:t>                         value2 + " = " + division);</a:t>
             </a:r>
           </a:p>
           <a:p>
@@ -13298,7 +13477,7 @@
               <a:buNone/>
             </a:pPr>
             <a:r>
-              <a:rPr lang="en-US" dirty="0" smtClean="0">
+              <a:rPr lang="en-US" dirty="0">
                 <a:latin typeface="Courier New" panose="02070309020205020404" pitchFamily="49" charset="0"/>
                 <a:cs typeface="Courier New" panose="02070309020205020404" pitchFamily="49" charset="0"/>
               </a:rPr>
@@ -13326,10 +13505,6 @@
               </a:rPr>
               <a:t>}</a:t>
             </a:r>
-            <a:endParaRPr lang="en-US" dirty="0" smtClean="0">
-              <a:latin typeface="Courier New" panose="02070309020205020404" pitchFamily="49" charset="0"/>
-              <a:cs typeface="Courier New" panose="02070309020205020404" pitchFamily="49" charset="0"/>
-            </a:endParaRPr>
           </a:p>
         </p:txBody>
       </p:sp>
@@ -13381,7 +13556,7 @@
           <a:p>
             <a:pPr algn="ctr"/>
             <a:r>
-              <a:rPr lang="en-US" dirty="0" smtClean="0">
+              <a:rPr lang="en-US" dirty="0">
                 <a:solidFill>
                   <a:srgbClr val="092529"/>
                 </a:solidFill>
@@ -13391,14 +13566,6 @@
               </a:rPr>
               <a:t>What if we want to do the same set of instructions again?</a:t>
             </a:r>
-            <a:endParaRPr lang="en-US" dirty="0">
-              <a:solidFill>
-                <a:srgbClr val="092529"/>
-              </a:solidFill>
-              <a:latin typeface="Proxima Nova" charset="0"/>
-              <a:ea typeface="Proxima Nova" charset="0"/>
-              <a:cs typeface="Proxima Nova" charset="0"/>
-            </a:endParaRPr>
           </a:p>
         </p:txBody>
       </p:sp>
@@ -13453,7 +13620,7 @@
           <a:p>
             <a:pPr algn="ctr"/>
             <a:r>
-              <a:rPr lang="en-US" dirty="0" smtClean="0">
+              <a:rPr lang="en-US" dirty="0">
                 <a:solidFill>
                   <a:srgbClr val="092529"/>
                 </a:solidFill>
@@ -13463,14 +13630,6 @@
               </a:rPr>
               <a:t>REUSE CODE</a:t>
             </a:r>
-            <a:endParaRPr lang="en-US" dirty="0">
-              <a:solidFill>
-                <a:srgbClr val="092529"/>
-              </a:solidFill>
-              <a:latin typeface="Proxima Nova" charset="0"/>
-              <a:ea typeface="Proxima Nova" charset="0"/>
-              <a:cs typeface="Proxima Nova" charset="0"/>
-            </a:endParaRPr>
           </a:p>
         </p:txBody>
       </p:sp>
@@ -13747,18 +13906,9 @@
           <a:p>
             <a:pPr fontAlgn="base"/>
             <a:r>
-              <a:rPr lang="en-US" dirty="0" smtClean="0"/>
-              <a:t>The </a:t>
-            </a:r>
-            <a:r>
               <a:rPr lang="en-US" dirty="0"/>
-              <a:t>ENIAC women pioneered reusable </a:t>
-            </a:r>
-            <a:r>
-              <a:rPr lang="en-US" dirty="0" smtClean="0"/>
-              <a:t>code</a:t>
-            </a:r>
-            <a:endParaRPr lang="en-US" dirty="0"/>
+              <a:t>The ENIAC women pioneered reusable code</a:t>
+            </a:r>
           </a:p>
         </p:txBody>
       </p:sp>
@@ -14088,21 +14238,21 @@
               <a:buNone/>
             </a:pPr>
             <a:r>
-              <a:rPr lang="en-US" sz="1400" dirty="0" smtClean="0">
+              <a:rPr lang="en-US" sz="1400" dirty="0">
                 <a:latin typeface="Courier New" panose="02070309020205020404" pitchFamily="49" charset="0"/>
                 <a:cs typeface="Courier New" panose="02070309020205020404" pitchFamily="49" charset="0"/>
               </a:rPr>
               <a:t>public class </a:t>
             </a:r>
             <a:r>
-              <a:rPr lang="en-US" sz="1400" dirty="0" err="1" smtClean="0">
+              <a:rPr lang="en-US" sz="1400" dirty="0" err="1">
                 <a:latin typeface="Courier New" panose="02070309020205020404" pitchFamily="49" charset="0"/>
                 <a:cs typeface="Courier New" panose="02070309020205020404" pitchFamily="49" charset="0"/>
               </a:rPr>
               <a:t>BasicCalculations</a:t>
             </a:r>
             <a:r>
-              <a:rPr lang="en-US" sz="1400" dirty="0" smtClean="0">
+              <a:rPr lang="en-US" sz="1400" dirty="0">
                 <a:latin typeface="Courier New" panose="02070309020205020404" pitchFamily="49" charset="0"/>
                 <a:cs typeface="Courier New" panose="02070309020205020404" pitchFamily="49" charset="0"/>
               </a:rPr>
@@ -14124,21 +14274,21 @@
               <a:buNone/>
             </a:pPr>
             <a:r>
-              <a:rPr lang="en-US" sz="1400" dirty="0" smtClean="0">
+              <a:rPr lang="en-US" sz="1400" dirty="0">
                 <a:latin typeface="Courier New" panose="02070309020205020404" pitchFamily="49" charset="0"/>
                 <a:cs typeface="Courier New" panose="02070309020205020404" pitchFamily="49" charset="0"/>
               </a:rPr>
               <a:t>   public static void main(String[] </a:t>
             </a:r>
             <a:r>
-              <a:rPr lang="en-US" sz="1400" dirty="0" err="1" smtClean="0">
+              <a:rPr lang="en-US" sz="1400" dirty="0" err="1">
                 <a:latin typeface="Courier New" panose="02070309020205020404" pitchFamily="49" charset="0"/>
                 <a:cs typeface="Courier New" panose="02070309020205020404" pitchFamily="49" charset="0"/>
               </a:rPr>
               <a:t>args</a:t>
             </a:r>
             <a:r>
-              <a:rPr lang="en-US" sz="1400" dirty="0" smtClean="0">
+              <a:rPr lang="en-US" sz="1400" dirty="0">
                 <a:latin typeface="Courier New" panose="02070309020205020404" pitchFamily="49" charset="0"/>
                 <a:cs typeface="Courier New" panose="02070309020205020404" pitchFamily="49" charset="0"/>
               </a:rPr>
@@ -14160,7 +14310,7 @@
               <a:buNone/>
             </a:pPr>
             <a:r>
-              <a:rPr lang="en-US" sz="1400" dirty="0" smtClean="0">
+              <a:rPr lang="en-US" sz="1400" dirty="0">
                 <a:latin typeface="Courier New" panose="02070309020205020404" pitchFamily="49" charset="0"/>
                 <a:cs typeface="Courier New" panose="02070309020205020404" pitchFamily="49" charset="0"/>
               </a:rPr>
@@ -14182,7 +14332,7 @@
               <a:buNone/>
             </a:pPr>
             <a:r>
-              <a:rPr lang="en-US" sz="1400" dirty="0" smtClean="0">
+              <a:rPr lang="en-US" sz="1400" dirty="0">
                 <a:latin typeface="Courier New" panose="02070309020205020404" pitchFamily="49" charset="0"/>
                 <a:cs typeface="Courier New" panose="02070309020205020404" pitchFamily="49" charset="0"/>
               </a:rPr>
@@ -14204,7 +14354,7 @@
               <a:buNone/>
             </a:pPr>
             <a:r>
-              <a:rPr lang="en-US" sz="1400" dirty="0" smtClean="0">
+              <a:rPr lang="en-US" sz="1400" dirty="0">
                 <a:latin typeface="Courier New" panose="02070309020205020404" pitchFamily="49" charset="0"/>
                 <a:cs typeface="Courier New" panose="02070309020205020404" pitchFamily="49" charset="0"/>
               </a:rPr>
@@ -14226,7 +14376,7 @@
               <a:buNone/>
             </a:pPr>
             <a:r>
-              <a:rPr lang="en-US" sz="1400" dirty="0" smtClean="0">
+              <a:rPr lang="en-US" sz="1400" dirty="0">
                 <a:latin typeface="Courier New" panose="02070309020205020404" pitchFamily="49" charset="0"/>
                 <a:cs typeface="Courier New" panose="02070309020205020404" pitchFamily="49" charset="0"/>
               </a:rPr>
@@ -14248,7 +14398,7 @@
               <a:buNone/>
             </a:pPr>
             <a:r>
-              <a:rPr lang="en-US" sz="1400" dirty="0" smtClean="0">
+              <a:rPr lang="en-US" sz="1400" dirty="0">
                 <a:latin typeface="Courier New" panose="02070309020205020404" pitchFamily="49" charset="0"/>
                 <a:cs typeface="Courier New" panose="02070309020205020404" pitchFamily="49" charset="0"/>
               </a:rPr>
@@ -14270,7 +14420,7 @@
               <a:buNone/>
             </a:pPr>
             <a:r>
-              <a:rPr lang="en-US" sz="1400" dirty="0" smtClean="0">
+              <a:rPr lang="en-US" sz="1400" dirty="0">
                 <a:latin typeface="Courier New" panose="02070309020205020404" pitchFamily="49" charset="0"/>
                 <a:cs typeface="Courier New" panose="02070309020205020404" pitchFamily="49" charset="0"/>
               </a:rPr>
@@ -14292,7 +14442,7 @@
               <a:buNone/>
             </a:pPr>
             <a:r>
-              <a:rPr lang="en-US" sz="1400" dirty="0" smtClean="0">
+              <a:rPr lang="en-US" sz="1400" dirty="0">
                 <a:latin typeface="Courier New" panose="02070309020205020404" pitchFamily="49" charset="0"/>
                 <a:cs typeface="Courier New" panose="02070309020205020404" pitchFamily="49" charset="0"/>
               </a:rPr>
@@ -14314,21 +14464,21 @@
               <a:buNone/>
             </a:pPr>
             <a:r>
-              <a:rPr lang="en-US" sz="1400" dirty="0" smtClean="0">
+              <a:rPr lang="en-US" sz="1400" dirty="0">
                 <a:latin typeface="Courier New" panose="02070309020205020404" pitchFamily="49" charset="0"/>
                 <a:cs typeface="Courier New" panose="02070309020205020404" pitchFamily="49" charset="0"/>
               </a:rPr>
               <a:t>      </a:t>
             </a:r>
             <a:r>
-              <a:rPr lang="en-US" sz="1400" dirty="0" err="1" smtClean="0">
+              <a:rPr lang="en-US" sz="1400" dirty="0" err="1">
                 <a:latin typeface="Courier New" panose="02070309020205020404" pitchFamily="49" charset="0"/>
                 <a:cs typeface="Courier New" panose="02070309020205020404" pitchFamily="49" charset="0"/>
               </a:rPr>
               <a:t>System.out.println</a:t>
             </a:r>
             <a:r>
-              <a:rPr lang="en-US" sz="1400" dirty="0" smtClean="0">
+              <a:rPr lang="en-US" sz="1400" dirty="0">
                 <a:latin typeface="Courier New" panose="02070309020205020404" pitchFamily="49" charset="0"/>
                 <a:cs typeface="Courier New" panose="02070309020205020404" pitchFamily="49" charset="0"/>
               </a:rPr>
@@ -14354,24 +14504,17 @@
                 <a:latin typeface="Courier New" panose="02070309020205020404" pitchFamily="49" charset="0"/>
                 <a:cs typeface="Courier New" panose="02070309020205020404" pitchFamily="49" charset="0"/>
               </a:rPr>
-              <a:t> </a:t>
-            </a:r>
-            <a:r>
-              <a:rPr lang="en-US" sz="1400" dirty="0" smtClean="0">
-                <a:latin typeface="Courier New" panose="02070309020205020404" pitchFamily="49" charset="0"/>
-                <a:cs typeface="Courier New" panose="02070309020205020404" pitchFamily="49" charset="0"/>
-              </a:rPr>
-              <a:t>     </a:t>
-            </a:r>
-            <a:r>
-              <a:rPr lang="en-US" sz="1400" dirty="0" err="1" smtClean="0">
+              <a:t>      </a:t>
+            </a:r>
+            <a:r>
+              <a:rPr lang="en-US" sz="1400" dirty="0" err="1">
                 <a:latin typeface="Courier New" panose="02070309020205020404" pitchFamily="49" charset="0"/>
                 <a:cs typeface="Courier New" panose="02070309020205020404" pitchFamily="49" charset="0"/>
               </a:rPr>
               <a:t>System.out.println</a:t>
             </a:r>
             <a:r>
-              <a:rPr lang="en-US" sz="1400" dirty="0" smtClean="0">
+              <a:rPr lang="en-US" sz="1400" dirty="0">
                 <a:latin typeface="Courier New" panose="02070309020205020404" pitchFamily="49" charset="0"/>
                 <a:cs typeface="Courier New" panose="02070309020205020404" pitchFamily="49" charset="0"/>
               </a:rPr>
@@ -14397,24 +14540,17 @@
                 <a:latin typeface="Courier New" panose="02070309020205020404" pitchFamily="49" charset="0"/>
                 <a:cs typeface="Courier New" panose="02070309020205020404" pitchFamily="49" charset="0"/>
               </a:rPr>
-              <a:t> </a:t>
-            </a:r>
-            <a:r>
-              <a:rPr lang="en-US" sz="1400" dirty="0" smtClean="0">
-                <a:latin typeface="Courier New" panose="02070309020205020404" pitchFamily="49" charset="0"/>
-                <a:cs typeface="Courier New" panose="02070309020205020404" pitchFamily="49" charset="0"/>
-              </a:rPr>
-              <a:t>     </a:t>
-            </a:r>
-            <a:r>
-              <a:rPr lang="en-US" sz="1400" dirty="0" err="1" smtClean="0">
+              <a:t>      </a:t>
+            </a:r>
+            <a:r>
+              <a:rPr lang="en-US" sz="1400" dirty="0" err="1">
                 <a:latin typeface="Courier New" panose="02070309020205020404" pitchFamily="49" charset="0"/>
                 <a:cs typeface="Courier New" panose="02070309020205020404" pitchFamily="49" charset="0"/>
               </a:rPr>
               <a:t>System.out.println</a:t>
             </a:r>
             <a:r>
-              <a:rPr lang="en-US" sz="1400" dirty="0" smtClean="0">
+              <a:rPr lang="en-US" sz="1400" dirty="0">
                 <a:latin typeface="Courier New" panose="02070309020205020404" pitchFamily="49" charset="0"/>
                 <a:cs typeface="Courier New" panose="02070309020205020404" pitchFamily="49" charset="0"/>
               </a:rPr>
@@ -14440,24 +14576,17 @@
                 <a:latin typeface="Courier New" panose="02070309020205020404" pitchFamily="49" charset="0"/>
                 <a:cs typeface="Courier New" panose="02070309020205020404" pitchFamily="49" charset="0"/>
               </a:rPr>
-              <a:t> </a:t>
-            </a:r>
-            <a:r>
-              <a:rPr lang="en-US" sz="1400" dirty="0" smtClean="0">
-                <a:latin typeface="Courier New" panose="02070309020205020404" pitchFamily="49" charset="0"/>
-                <a:cs typeface="Courier New" panose="02070309020205020404" pitchFamily="49" charset="0"/>
-              </a:rPr>
-              <a:t>     </a:t>
-            </a:r>
-            <a:r>
-              <a:rPr lang="en-US" sz="1400" dirty="0" err="1" smtClean="0">
+              <a:t>      </a:t>
+            </a:r>
+            <a:r>
+              <a:rPr lang="en-US" sz="1400" dirty="0" err="1">
                 <a:latin typeface="Courier New" panose="02070309020205020404" pitchFamily="49" charset="0"/>
                 <a:cs typeface="Courier New" panose="02070309020205020404" pitchFamily="49" charset="0"/>
               </a:rPr>
               <a:t>System.out.println</a:t>
             </a:r>
             <a:r>
-              <a:rPr lang="en-US" sz="1400" dirty="0" smtClean="0">
+              <a:rPr lang="en-US" sz="1400" dirty="0">
                 <a:latin typeface="Courier New" panose="02070309020205020404" pitchFamily="49" charset="0"/>
                 <a:cs typeface="Courier New" panose="02070309020205020404" pitchFamily="49" charset="0"/>
               </a:rPr>
@@ -14479,7 +14608,7 @@
               <a:buNone/>
             </a:pPr>
             <a:r>
-              <a:rPr lang="en-US" sz="1400" dirty="0" smtClean="0">
+              <a:rPr lang="en-US" sz="1400" dirty="0">
                 <a:latin typeface="Courier New" panose="02070309020205020404" pitchFamily="49" charset="0"/>
                 <a:cs typeface="Courier New" panose="02070309020205020404" pitchFamily="49" charset="0"/>
               </a:rPr>
@@ -14501,7 +14630,7 @@
               <a:buNone/>
             </a:pPr>
             <a:r>
-              <a:rPr lang="en-US" sz="1400" dirty="0" smtClean="0">
+              <a:rPr lang="en-US" sz="1400" dirty="0">
                 <a:latin typeface="Courier New" panose="02070309020205020404" pitchFamily="49" charset="0"/>
                 <a:cs typeface="Courier New" panose="02070309020205020404" pitchFamily="49" charset="0"/>
               </a:rPr>
@@ -14523,7 +14652,7 @@
               <a:buNone/>
             </a:pPr>
             <a:r>
-              <a:rPr lang="en-US" sz="1400" dirty="0" smtClean="0">
+              <a:rPr lang="en-US" sz="1400" dirty="0">
                 <a:latin typeface="Courier New" panose="02070309020205020404" pitchFamily="49" charset="0"/>
                 <a:cs typeface="Courier New" panose="02070309020205020404" pitchFamily="49" charset="0"/>
               </a:rPr>
@@ -14545,7 +14674,7 @@
               <a:buNone/>
             </a:pPr>
             <a:r>
-              <a:rPr lang="en-US" sz="1400" dirty="0" smtClean="0">
+              <a:rPr lang="en-US" sz="1400" dirty="0">
                 <a:latin typeface="Courier New" panose="02070309020205020404" pitchFamily="49" charset="0"/>
                 <a:cs typeface="Courier New" panose="02070309020205020404" pitchFamily="49" charset="0"/>
               </a:rPr>
@@ -14567,7 +14696,7 @@
               <a:buNone/>
             </a:pPr>
             <a:r>
-              <a:rPr lang="en-US" sz="1400" dirty="0" smtClean="0">
+              <a:rPr lang="en-US" sz="1400" dirty="0">
                 <a:latin typeface="Courier New" panose="02070309020205020404" pitchFamily="49" charset="0"/>
                 <a:cs typeface="Courier New" panose="02070309020205020404" pitchFamily="49" charset="0"/>
               </a:rPr>
@@ -14589,7 +14718,7 @@
               <a:buNone/>
             </a:pPr>
             <a:r>
-              <a:rPr lang="en-US" sz="1400" dirty="0" smtClean="0">
+              <a:rPr lang="en-US" sz="1400" dirty="0">
                 <a:latin typeface="Courier New" panose="02070309020205020404" pitchFamily="49" charset="0"/>
                 <a:cs typeface="Courier New" panose="02070309020205020404" pitchFamily="49" charset="0"/>
               </a:rPr>
@@ -14611,21 +14740,21 @@
               <a:buNone/>
             </a:pPr>
             <a:r>
-              <a:rPr lang="en-US" sz="1400" dirty="0" smtClean="0">
+              <a:rPr lang="en-US" sz="1400" dirty="0">
                 <a:latin typeface="Courier New" panose="02070309020205020404" pitchFamily="49" charset="0"/>
                 <a:cs typeface="Courier New" panose="02070309020205020404" pitchFamily="49" charset="0"/>
               </a:rPr>
               <a:t>      </a:t>
             </a:r>
             <a:r>
-              <a:rPr lang="en-US" sz="1400" dirty="0" err="1" smtClean="0">
+              <a:rPr lang="en-US" sz="1400" dirty="0" err="1">
                 <a:latin typeface="Courier New" panose="02070309020205020404" pitchFamily="49" charset="0"/>
                 <a:cs typeface="Courier New" panose="02070309020205020404" pitchFamily="49" charset="0"/>
               </a:rPr>
               <a:t>System.out.println</a:t>
             </a:r>
             <a:r>
-              <a:rPr lang="en-US" sz="1400" dirty="0" smtClean="0">
+              <a:rPr lang="en-US" sz="1400" dirty="0">
                 <a:latin typeface="Courier New" panose="02070309020205020404" pitchFamily="49" charset="0"/>
                 <a:cs typeface="Courier New" panose="02070309020205020404" pitchFamily="49" charset="0"/>
               </a:rPr>
@@ -14647,21 +14776,21 @@
               <a:buNone/>
             </a:pPr>
             <a:r>
-              <a:rPr lang="en-US" sz="1400" dirty="0" smtClean="0">
+              <a:rPr lang="en-US" sz="1400" dirty="0">
                 <a:latin typeface="Courier New" panose="02070309020205020404" pitchFamily="49" charset="0"/>
                 <a:cs typeface="Courier New" panose="02070309020205020404" pitchFamily="49" charset="0"/>
               </a:rPr>
               <a:t>      </a:t>
             </a:r>
             <a:r>
-              <a:rPr lang="en-US" sz="1400" dirty="0" err="1" smtClean="0">
+              <a:rPr lang="en-US" sz="1400" dirty="0" err="1">
                 <a:latin typeface="Courier New" panose="02070309020205020404" pitchFamily="49" charset="0"/>
                 <a:cs typeface="Courier New" panose="02070309020205020404" pitchFamily="49" charset="0"/>
               </a:rPr>
               <a:t>System.out.println</a:t>
             </a:r>
             <a:r>
-              <a:rPr lang="en-US" sz="1400" dirty="0" smtClean="0">
+              <a:rPr lang="en-US" sz="1400" dirty="0">
                 <a:latin typeface="Courier New" panose="02070309020205020404" pitchFamily="49" charset="0"/>
                 <a:cs typeface="Courier New" panose="02070309020205020404" pitchFamily="49" charset="0"/>
               </a:rPr>
@@ -14683,21 +14812,21 @@
               <a:buNone/>
             </a:pPr>
             <a:r>
-              <a:rPr lang="en-US" sz="1400" dirty="0" smtClean="0">
+              <a:rPr lang="en-US" sz="1400" dirty="0">
                 <a:latin typeface="Courier New" panose="02070309020205020404" pitchFamily="49" charset="0"/>
                 <a:cs typeface="Courier New" panose="02070309020205020404" pitchFamily="49" charset="0"/>
               </a:rPr>
               <a:t>      </a:t>
             </a:r>
             <a:r>
-              <a:rPr lang="en-US" sz="1400" dirty="0" err="1" smtClean="0">
+              <a:rPr lang="en-US" sz="1400" dirty="0" err="1">
                 <a:latin typeface="Courier New" panose="02070309020205020404" pitchFamily="49" charset="0"/>
                 <a:cs typeface="Courier New" panose="02070309020205020404" pitchFamily="49" charset="0"/>
               </a:rPr>
               <a:t>System.out.println</a:t>
             </a:r>
             <a:r>
-              <a:rPr lang="en-US" sz="1400" dirty="0" smtClean="0">
+              <a:rPr lang="en-US" sz="1400" dirty="0">
                 <a:latin typeface="Courier New" panose="02070309020205020404" pitchFamily="49" charset="0"/>
                 <a:cs typeface="Courier New" panose="02070309020205020404" pitchFamily="49" charset="0"/>
               </a:rPr>
@@ -14719,21 +14848,21 @@
               <a:buNone/>
             </a:pPr>
             <a:r>
-              <a:rPr lang="en-US" sz="1400" dirty="0" smtClean="0">
+              <a:rPr lang="en-US" sz="1400" dirty="0">
                 <a:latin typeface="Courier New" panose="02070309020205020404" pitchFamily="49" charset="0"/>
                 <a:cs typeface="Courier New" panose="02070309020205020404" pitchFamily="49" charset="0"/>
               </a:rPr>
               <a:t>      </a:t>
             </a:r>
             <a:r>
-              <a:rPr lang="en-US" sz="1400" dirty="0" err="1" smtClean="0">
+              <a:rPr lang="en-US" sz="1400" dirty="0" err="1">
                 <a:latin typeface="Courier New" panose="02070309020205020404" pitchFamily="49" charset="0"/>
                 <a:cs typeface="Courier New" panose="02070309020205020404" pitchFamily="49" charset="0"/>
               </a:rPr>
               <a:t>System.out.println</a:t>
             </a:r>
             <a:r>
-              <a:rPr lang="en-US" sz="1400" dirty="0" smtClean="0">
+              <a:rPr lang="en-US" sz="1400" dirty="0">
                 <a:latin typeface="Courier New" panose="02070309020205020404" pitchFamily="49" charset="0"/>
                 <a:cs typeface="Courier New" panose="02070309020205020404" pitchFamily="49" charset="0"/>
               </a:rPr>
@@ -14755,7 +14884,7 @@
               <a:buNone/>
             </a:pPr>
             <a:r>
-              <a:rPr lang="en-US" sz="1400" dirty="0" smtClean="0">
+              <a:rPr lang="en-US" sz="1400" dirty="0">
                 <a:latin typeface="Courier New" panose="02070309020205020404" pitchFamily="49" charset="0"/>
                 <a:cs typeface="Courier New" panose="02070309020205020404" pitchFamily="49" charset="0"/>
               </a:rPr>
@@ -14777,16 +14906,12 @@
               <a:buNone/>
             </a:pPr>
             <a:r>
-              <a:rPr lang="en-US" sz="1400" dirty="0" smtClean="0">
+              <a:rPr lang="en-US" sz="1400" dirty="0">
                 <a:latin typeface="Courier New" panose="02070309020205020404" pitchFamily="49" charset="0"/>
                 <a:cs typeface="Courier New" panose="02070309020205020404" pitchFamily="49" charset="0"/>
               </a:rPr>
               <a:t>}</a:t>
             </a:r>
-            <a:endParaRPr lang="en-US" sz="1400" dirty="0">
-              <a:latin typeface="Courier New" panose="02070309020205020404" pitchFamily="49" charset="0"/>
-              <a:cs typeface="Courier New" panose="02070309020205020404" pitchFamily="49" charset="0"/>
-            </a:endParaRPr>
           </a:p>
         </p:txBody>
       </p:sp>
@@ -14838,7 +14963,7 @@
           <a:p>
             <a:pPr algn="ctr"/>
             <a:r>
-              <a:rPr lang="en-US" dirty="0" smtClean="0">
+              <a:rPr lang="en-US" dirty="0">
                 <a:solidFill>
                   <a:srgbClr val="092529"/>
                 </a:solidFill>
@@ -14848,14 +14973,6 @@
               </a:rPr>
               <a:t>Is this a good way to reuse code?</a:t>
             </a:r>
-            <a:endParaRPr lang="en-US" dirty="0">
-              <a:solidFill>
-                <a:srgbClr val="092529"/>
-              </a:solidFill>
-              <a:latin typeface="Proxima Nova" charset="0"/>
-              <a:ea typeface="Proxima Nova" charset="0"/>
-              <a:cs typeface="Proxima Nova" charset="0"/>
-            </a:endParaRPr>
           </a:p>
         </p:txBody>
       </p:sp>
@@ -14910,7 +15027,7 @@
           <a:p>
             <a:pPr algn="ctr" fontAlgn="base"/>
             <a:r>
-              <a:rPr lang="en-US" dirty="0" smtClean="0">
+              <a:rPr lang="en-US" dirty="0">
                 <a:solidFill>
                   <a:srgbClr val="092529"/>
                 </a:solidFill>
@@ -14920,14 +15037,6 @@
               </a:rPr>
               <a:t>Modularize code</a:t>
             </a:r>
-            <a:endParaRPr lang="en-US" dirty="0">
-              <a:solidFill>
-                <a:srgbClr val="092529"/>
-              </a:solidFill>
-              <a:latin typeface="Proxima Nova" charset="0"/>
-              <a:ea typeface="Proxima Nova" charset="0"/>
-              <a:cs typeface="Proxima Nova" charset="0"/>
-            </a:endParaRPr>
           </a:p>
         </p:txBody>
       </p:sp>
@@ -14982,7 +15091,7 @@
           <a:p>
             <a:pPr algn="ctr" fontAlgn="base"/>
             <a:r>
-              <a:rPr lang="en-US" dirty="0" smtClean="0">
+              <a:rPr lang="en-US" dirty="0">
                 <a:solidFill>
                   <a:srgbClr val="092529"/>
                 </a:solidFill>
@@ -14992,14 +15101,6 @@
               </a:rPr>
               <a:t>Object-Oriented Design</a:t>
             </a:r>
-            <a:endParaRPr lang="en-US" dirty="0">
-              <a:solidFill>
-                <a:srgbClr val="092529"/>
-              </a:solidFill>
-              <a:latin typeface="Proxima Nova" charset="0"/>
-              <a:ea typeface="Proxima Nova" charset="0"/>
-              <a:cs typeface="Proxima Nova" charset="0"/>
-            </a:endParaRPr>
           </a:p>
         </p:txBody>
       </p:sp>
@@ -15197,13 +15298,8 @@
           <a:p>
             <a:r>
               <a:rPr lang="en-US" dirty="0"/>
-              <a:t>Why </a:t>
-            </a:r>
-            <a:r>
-              <a:rPr lang="en-US" dirty="0" smtClean="0"/>
-              <a:t>Objects and Methods?</a:t>
-            </a:r>
-            <a:endParaRPr lang="en-US" dirty="0"/>
+              <a:t>Why Objects and Methods?</a:t>
+            </a:r>
           </a:p>
         </p:txBody>
       </p:sp>
@@ -15229,13 +15325,6 @@
       </p:transition>
     </mc:Fallback>
   </mc:AlternateContent>
-  <p:timing>
-    <p:tnLst>
-      <p:par>
-        <p:cTn id="1" dur="indefinite" restart="never" nodeType="tmRoot"/>
-      </p:par>
-    </p:tnLst>
-  </p:timing>
 </p:sld>
 </file>
 
@@ -15308,7 +15397,7 @@
         <p:spPr>
           <a:xfrm>
             <a:off x="628073" y="1520872"/>
-            <a:ext cx="7910138" cy="5668283"/>
+            <a:ext cx="7910138" cy="5668218"/>
           </a:xfrm>
         </p:spPr>
         <p:txBody>
@@ -15401,6 +15490,13 @@
             <a:pPr lvl="1" fontAlgn="base"/>
             <a:r>
               <a:rPr lang="en-US" dirty="0"/>
+              <a:t>Objects are blocks of information, with reusable code / methods</a:t>
+            </a:r>
+          </a:p>
+          <a:p>
+            <a:pPr lvl="1" fontAlgn="base"/>
+            <a:r>
+              <a:rPr lang="en-US" dirty="0"/>
               <a:t>Methods are blocks of reusable code</a:t>
             </a:r>
           </a:p>
@@ -15409,13 +15505,6 @@
             <a:r>
               <a:rPr lang="en-US" dirty="0"/>
               <a:t>Ideally,  no more than 20 instructions</a:t>
-            </a:r>
-          </a:p>
-          <a:p>
-            <a:pPr lvl="1" fontAlgn="base"/>
-            <a:r>
-              <a:rPr lang="en-US" dirty="0"/>
-              <a:t>Objects are blocks of information, with reusable code / methods</a:t>
             </a:r>
           </a:p>
           <a:p>
@@ -15452,7 +15541,7 @@
         </p:nvSpPr>
         <p:spPr>
           <a:xfrm>
-            <a:off x="9440470" y="3886200"/>
+            <a:off x="9479659" y="3032104"/>
             <a:ext cx="2387450" cy="854096"/>
           </a:xfrm>
           <a:prstGeom prst="rect">
@@ -15513,7 +15602,7 @@
         </p:nvSpPr>
         <p:spPr>
           <a:xfrm>
-            <a:off x="7644523" y="4858646"/>
+            <a:off x="7683712" y="4004550"/>
             <a:ext cx="1931670" cy="731520"/>
           </a:xfrm>
           <a:prstGeom prst="rect">
@@ -15574,7 +15663,7 @@
         </p:nvSpPr>
         <p:spPr>
           <a:xfrm>
-            <a:off x="9668360" y="4858646"/>
+            <a:off x="9707549" y="4004550"/>
             <a:ext cx="1931670" cy="731520"/>
           </a:xfrm>
           <a:prstGeom prst="rect">
@@ -15635,7 +15724,7 @@
         </p:nvSpPr>
         <p:spPr>
           <a:xfrm>
-            <a:off x="11692197" y="4858646"/>
+            <a:off x="11731386" y="4004550"/>
             <a:ext cx="1931670" cy="731520"/>
           </a:xfrm>
           <a:prstGeom prst="rect">
@@ -15696,7 +15785,7 @@
         </p:nvSpPr>
         <p:spPr>
           <a:xfrm>
-            <a:off x="9440469" y="5668436"/>
+            <a:off x="9479658" y="4814340"/>
             <a:ext cx="2387449" cy="817822"/>
           </a:xfrm>
           <a:prstGeom prst="rect">
@@ -15849,17 +15938,471 @@
       </p:transition>
     </mc:Fallback>
   </mc:AlternateContent>
-  <p:timing>
-    <p:tnLst>
-      <p:par>
-        <p:cTn id="1" dur="indefinite" restart="never" nodeType="tmRoot"/>
-      </p:par>
-    </p:tnLst>
-  </p:timing>
 </p:sld>
 </file>
 
 <file path=ppt/slides/slide7.xml><?xml version="1.0" encoding="utf-8"?>
+<p:sld xmlns:a="http://schemas.openxmlformats.org/drawingml/2006/main" xmlns:r="http://schemas.openxmlformats.org/officeDocument/2006/relationships" xmlns:p="http://schemas.openxmlformats.org/presentationml/2006/main">
+  <p:cSld>
+    <p:spTree>
+      <p:nvGrpSpPr>
+        <p:cNvPr id="1" name=""/>
+        <p:cNvGrpSpPr/>
+        <p:nvPr/>
+      </p:nvGrpSpPr>
+      <p:grpSpPr>
+        <a:xfrm>
+          <a:off x="0" y="0"/>
+          <a:ext cx="0" cy="0"/>
+          <a:chOff x="0" y="0"/>
+          <a:chExt cx="0" cy="0"/>
+        </a:xfrm>
+      </p:grpSpPr>
+      <p:sp>
+        <p:nvSpPr>
+          <p:cNvPr id="2" name="Title 1">
+            <a:extLst>
+              <a:ext uri="{FF2B5EF4-FFF2-40B4-BE49-F238E27FC236}">
+                <a16:creationId xmlns:a16="http://schemas.microsoft.com/office/drawing/2014/main" id="{0AC91572-99FC-2C40-9123-5231EE43E34F}"/>
+              </a:ext>
+            </a:extLst>
+          </p:cNvPr>
+          <p:cNvSpPr>
+            <a:spLocks noGrp="1"/>
+          </p:cNvSpPr>
+          <p:nvPr>
+            <p:ph type="title"/>
+          </p:nvPr>
+        </p:nvSpPr>
+        <p:spPr>
+          <a:xfrm>
+            <a:off x="628072" y="656904"/>
+            <a:ext cx="12561453" cy="1015663"/>
+          </a:xfrm>
+        </p:spPr>
+        <p:txBody>
+          <a:bodyPr/>
+          <a:lstStyle/>
+          <a:p>
+            <a:r>
+              <a:rPr lang="en-US" dirty="0"/>
+              <a:t>Objects are Building Blocks</a:t>
+            </a:r>
+          </a:p>
+        </p:txBody>
+      </p:sp>
+      <p:sp>
+        <p:nvSpPr>
+          <p:cNvPr id="3" name="Text Placeholder 2">
+            <a:extLst>
+              <a:ext uri="{FF2B5EF4-FFF2-40B4-BE49-F238E27FC236}">
+                <a16:creationId xmlns:a16="http://schemas.microsoft.com/office/drawing/2014/main" id="{A4FEB9CE-D22E-304F-98BA-26309D98AD8F}"/>
+              </a:ext>
+            </a:extLst>
+          </p:cNvPr>
+          <p:cNvSpPr>
+            <a:spLocks noGrp="1"/>
+          </p:cNvSpPr>
+          <p:nvPr>
+            <p:ph type="body" sz="quarter" idx="10"/>
+          </p:nvPr>
+        </p:nvSpPr>
+        <p:spPr>
+          <a:xfrm>
+            <a:off x="628072" y="1800240"/>
+            <a:ext cx="12561453" cy="5905591"/>
+          </a:xfrm>
+        </p:spPr>
+        <p:txBody>
+          <a:bodyPr/>
+          <a:lstStyle/>
+          <a:p>
+            <a:pPr fontAlgn="base"/>
+            <a:r>
+              <a:rPr lang="en-US" dirty="0"/>
+              <a:t>Think of LEGOs </a:t>
+            </a:r>
+          </a:p>
+          <a:p>
+            <a:pPr lvl="1" fontAlgn="base"/>
+            <a:r>
+              <a:rPr lang="en-US" dirty="0"/>
+              <a:t>Blocks </a:t>
+            </a:r>
+          </a:p>
+          <a:p>
+            <a:pPr lvl="1" fontAlgn="base"/>
+            <a:r>
+              <a:rPr lang="en-US" dirty="0"/>
+              <a:t>Assembled in different ways - creates new and interesting things</a:t>
+            </a:r>
+          </a:p>
+          <a:p>
+            <a:pPr fontAlgn="base"/>
+            <a:r>
+              <a:rPr lang="en-US" dirty="0"/>
+              <a:t>Objects contain information in a logical order </a:t>
+            </a:r>
+          </a:p>
+          <a:p>
+            <a:pPr fontAlgn="base"/>
+            <a:r>
+              <a:rPr lang="en-US" dirty="0"/>
+              <a:t>Example: </a:t>
+            </a:r>
+            <a:r>
+              <a:rPr lang="en-US" u="sng" dirty="0"/>
+              <a:t>Strings are objects</a:t>
+            </a:r>
+          </a:p>
+          <a:p>
+            <a:pPr lvl="1"/>
+            <a:r>
+              <a:rPr lang="en-US" dirty="0">
+                <a:latin typeface="Consolas" panose="020B0609020204030204" pitchFamily="49" charset="0"/>
+                <a:cs typeface="Consolas" panose="020B0609020204030204" pitchFamily="49" charset="0"/>
+              </a:rPr>
+              <a:t>String companion = “Clara”; // note, Strings are so common, they have this shortcut</a:t>
+            </a:r>
+          </a:p>
+          <a:p>
+            <a:pPr lvl="1"/>
+            <a:r>
+              <a:rPr lang="en-US" dirty="0" err="1">
+                <a:latin typeface="Consolas" panose="020B0609020204030204" pitchFamily="49" charset="0"/>
+                <a:cs typeface="Consolas" panose="020B0609020204030204" pitchFamily="49" charset="0"/>
+              </a:rPr>
+              <a:t>companion.length</a:t>
+            </a:r>
+            <a:r>
+              <a:rPr lang="en-US" dirty="0">
+                <a:latin typeface="Consolas" panose="020B0609020204030204" pitchFamily="49" charset="0"/>
+                <a:cs typeface="Consolas" panose="020B0609020204030204" pitchFamily="49" charset="0"/>
+              </a:rPr>
+              <a:t>(); // returns 5</a:t>
+            </a:r>
+          </a:p>
+          <a:p>
+            <a:pPr fontAlgn="base"/>
+            <a:r>
+              <a:rPr lang="en-US" dirty="0"/>
+              <a:t>Most objects use the </a:t>
+            </a:r>
+            <a:r>
+              <a:rPr lang="en-US" b="1" dirty="0"/>
+              <a:t>new</a:t>
+            </a:r>
+            <a:r>
+              <a:rPr lang="en-US" dirty="0"/>
+              <a:t> keyword</a:t>
+            </a:r>
+          </a:p>
+          <a:p>
+            <a:pPr lvl="1"/>
+            <a:r>
+              <a:rPr lang="en-US" dirty="0" err="1">
+                <a:latin typeface="Consolas" panose="020B0609020204030204" pitchFamily="49" charset="0"/>
+                <a:cs typeface="Consolas" panose="020B0609020204030204" pitchFamily="49" charset="0"/>
+              </a:rPr>
+              <a:t>MyCoolObject</a:t>
+            </a:r>
+            <a:r>
+              <a:rPr lang="en-US" dirty="0">
+                <a:latin typeface="Consolas" panose="020B0609020204030204" pitchFamily="49" charset="0"/>
+                <a:cs typeface="Consolas" panose="020B0609020204030204" pitchFamily="49" charset="0"/>
+              </a:rPr>
+              <a:t> obj = new </a:t>
+            </a:r>
+            <a:r>
+              <a:rPr lang="en-US" dirty="0" err="1">
+                <a:latin typeface="Consolas" panose="020B0609020204030204" pitchFamily="49" charset="0"/>
+                <a:cs typeface="Consolas" panose="020B0609020204030204" pitchFamily="49" charset="0"/>
+              </a:rPr>
+              <a:t>MyCoolObject</a:t>
+            </a:r>
+            <a:r>
+              <a:rPr lang="en-US" dirty="0">
+                <a:latin typeface="Consolas" panose="020B0609020204030204" pitchFamily="49" charset="0"/>
+                <a:cs typeface="Consolas" panose="020B0609020204030204" pitchFamily="49" charset="0"/>
+              </a:rPr>
+              <a:t>(); // this reserves room in memory</a:t>
+            </a:r>
+          </a:p>
+          <a:p>
+            <a:pPr lvl="1"/>
+            <a:r>
+              <a:rPr lang="en-US" dirty="0" err="1">
+                <a:latin typeface="Consolas" panose="020B0609020204030204" pitchFamily="49" charset="0"/>
+                <a:cs typeface="Consolas" panose="020B0609020204030204" pitchFamily="49" charset="0"/>
+              </a:rPr>
+              <a:t>obj.myCoolMethod</a:t>
+            </a:r>
+            <a:r>
+              <a:rPr lang="en-US" dirty="0">
+                <a:latin typeface="Consolas" panose="020B0609020204030204" pitchFamily="49" charset="0"/>
+                <a:cs typeface="Consolas" panose="020B0609020204030204" pitchFamily="49" charset="0"/>
+              </a:rPr>
+              <a:t>();</a:t>
+            </a:r>
+          </a:p>
+          <a:p>
+            <a:pPr fontAlgn="base"/>
+            <a:r>
+              <a:rPr lang="en-US" dirty="0"/>
+              <a:t>We will keep coming back to this</a:t>
+            </a:r>
+          </a:p>
+          <a:p>
+            <a:pPr lvl="1" fontAlgn="base"/>
+            <a:r>
+              <a:rPr lang="en-US" dirty="0"/>
+              <a:t>Important to know - </a:t>
+            </a:r>
+            <a:r>
+              <a:rPr lang="en-US" u="sng" dirty="0"/>
+              <a:t>methods belong to Objects</a:t>
+            </a:r>
+          </a:p>
+          <a:p>
+            <a:pPr lvl="1" fontAlgn="base"/>
+            <a:r>
+              <a:rPr lang="en-US" dirty="0"/>
+              <a:t>Even methods that </a:t>
+            </a:r>
+            <a:r>
+              <a:rPr lang="en-US" b="1" dirty="0"/>
+              <a:t>you</a:t>
+            </a:r>
+            <a:r>
+              <a:rPr lang="en-US" dirty="0"/>
+              <a:t> write</a:t>
+            </a:r>
+          </a:p>
+          <a:p>
+            <a:endParaRPr lang="en-US" dirty="0"/>
+          </a:p>
+        </p:txBody>
+      </p:sp>
+      <p:sp>
+        <p:nvSpPr>
+          <p:cNvPr id="5" name="Rectangle 3">
+            <a:extLst>
+              <a:ext uri="{FF2B5EF4-FFF2-40B4-BE49-F238E27FC236}">
+                <a16:creationId xmlns:a16="http://schemas.microsoft.com/office/drawing/2014/main" id="{1B52B995-A490-EF4B-81C8-8848A14EA2C6}"/>
+              </a:ext>
+            </a:extLst>
+          </p:cNvPr>
+          <p:cNvSpPr>
+            <a:spLocks noChangeArrowheads="1"/>
+          </p:cNvSpPr>
+          <p:nvPr/>
+        </p:nvSpPr>
+        <p:spPr bwMode="auto">
+          <a:xfrm>
+            <a:off x="10398100" y="2365663"/>
+            <a:ext cx="3328155" cy="184666"/>
+          </a:xfrm>
+          <a:prstGeom prst="rect">
+            <a:avLst/>
+          </a:prstGeom>
+          <a:noFill/>
+          <a:ln>
+            <a:noFill/>
+          </a:ln>
+          <a:effectLst/>
+          <a:extLst>
+            <a:ext uri="{909E8E84-426E-40DD-AFC4-6F175D3DCCD1}">
+              <a14:hiddenFill xmlns:a14="http://schemas.microsoft.com/office/drawing/2010/main">
+                <a:solidFill>
+                  <a:schemeClr val="accent1"/>
+                </a:solidFill>
+              </a14:hiddenFill>
+            </a:ext>
+            <a:ext uri="{91240B29-F687-4F45-9708-019B960494DF}">
+              <a14:hiddenLine xmlns:a14="http://schemas.microsoft.com/office/drawing/2010/main" w="9525">
+                <a:solidFill>
+                  <a:schemeClr val="tx1"/>
+                </a:solidFill>
+                <a:miter lim="800000"/>
+                <a:headEnd/>
+                <a:tailEnd/>
+              </a14:hiddenLine>
+            </a:ext>
+            <a:ext uri="{AF507438-7753-43E0-B8FC-AC1667EBCBE1}">
+              <a14:hiddenEffects xmlns:a14="http://schemas.microsoft.com/office/drawing/2010/main">
+                <a:effectLst>
+                  <a:outerShdw dist="35921" dir="2700000" algn="ctr" rotWithShape="0">
+                    <a:schemeClr val="bg2"/>
+                  </a:outerShdw>
+                </a:effectLst>
+              </a14:hiddenEffects>
+            </a:ext>
+          </a:extLst>
+        </p:spPr>
+        <p:txBody>
+          <a:bodyPr vert="horz" wrap="none" lIns="91440" tIns="45720" rIns="91440" bIns="45720" numCol="1" anchor="ctr" anchorCtr="0" compatLnSpc="1">
+            <a:prstTxWarp prst="textNoShape">
+              <a:avLst/>
+            </a:prstTxWarp>
+            <a:spAutoFit/>
+          </a:bodyPr>
+          <a:lstStyle/>
+          <a:p>
+            <a:pPr marL="0" marR="0" lvl="0" indent="0" algn="l" defTabSz="914400" rtl="0" eaLnBrk="0" fontAlgn="base" latinLnBrk="0" hangingPunct="0">
+              <a:lnSpc>
+                <a:spcPct val="100000"/>
+              </a:lnSpc>
+              <a:spcBef>
+                <a:spcPct val="0"/>
+              </a:spcBef>
+              <a:spcAft>
+                <a:spcPct val="0"/>
+              </a:spcAft>
+              <a:buClrTx/>
+              <a:buSzTx/>
+              <a:buFontTx/>
+              <a:buNone/>
+              <a:tabLst/>
+            </a:pPr>
+            <a:r>
+              <a:rPr kumimoji="0" lang="en-US" altLang="en-US" sz="600" b="0" i="0" u="sng" strike="noStrike" cap="none" normalizeH="0" baseline="0" dirty="0">
+                <a:ln>
+                  <a:noFill/>
+                </a:ln>
+                <a:solidFill>
+                  <a:srgbClr val="3246A4"/>
+                </a:solidFill>
+                <a:effectLst/>
+                <a:latin typeface="Proxima Nova"/>
+                <a:hlinkClick r:id="rId2"/>
+              </a:rPr>
+              <a:t>© Ralf Roletschek</a:t>
+            </a:r>
+            <a:r>
+              <a:rPr kumimoji="0" lang="en-US" altLang="en-US" sz="600" b="0" i="0" u="none" strike="noStrike" cap="none" normalizeH="0" baseline="0" dirty="0">
+                <a:ln>
+                  <a:noFill/>
+                </a:ln>
+                <a:solidFill>
+                  <a:srgbClr val="000000"/>
+                </a:solidFill>
+                <a:effectLst/>
+                <a:latin typeface="Proxima Nova"/>
+              </a:rPr>
+              <a:t> - Published with permission. Read full copy information on </a:t>
+            </a:r>
+            <a:r>
+              <a:rPr kumimoji="0" lang="en-US" altLang="en-US" sz="600" b="0" i="0" u="sng" strike="noStrike" cap="none" normalizeH="0" baseline="0" dirty="0">
+                <a:ln>
+                  <a:noFill/>
+                </a:ln>
+                <a:solidFill>
+                  <a:srgbClr val="3246A4"/>
+                </a:solidFill>
+                <a:effectLst/>
+                <a:latin typeface="Proxima Nova"/>
+                <a:hlinkClick r:id="rId3"/>
+              </a:rPr>
+              <a:t>wikicommons</a:t>
+            </a:r>
+            <a:r>
+              <a:rPr kumimoji="0" lang="en-US" altLang="en-US" sz="600" b="0" i="0" u="none" strike="noStrike" cap="none" normalizeH="0" baseline="0" dirty="0">
+                <a:ln>
+                  <a:noFill/>
+                </a:ln>
+                <a:solidFill>
+                  <a:srgbClr val="000000"/>
+                </a:solidFill>
+                <a:effectLst/>
+                <a:latin typeface="Proxima Nova"/>
+              </a:rPr>
+              <a:t>. </a:t>
+            </a:r>
+            <a:endParaRPr kumimoji="0" lang="en-US" altLang="en-US" sz="1000" b="0" i="0" u="none" strike="noStrike" cap="none" normalizeH="0" baseline="0" dirty="0">
+              <a:ln>
+                <a:noFill/>
+              </a:ln>
+              <a:solidFill>
+                <a:schemeClr val="tx1"/>
+              </a:solidFill>
+              <a:effectLst/>
+            </a:endParaRPr>
+          </a:p>
+        </p:txBody>
+      </p:sp>
+      <p:pic>
+        <p:nvPicPr>
+          <p:cNvPr id="2052" name="Picture 4">
+            <a:extLst>
+              <a:ext uri="{FF2B5EF4-FFF2-40B4-BE49-F238E27FC236}">
+                <a16:creationId xmlns:a16="http://schemas.microsoft.com/office/drawing/2014/main" id="{D16D9799-4DC8-2C49-A07F-263769ED541E}"/>
+              </a:ext>
+            </a:extLst>
+          </p:cNvPr>
+          <p:cNvPicPr>
+            <a:picLocks noChangeAspect="1" noChangeArrowheads="1"/>
+          </p:cNvPicPr>
+          <p:nvPr/>
+        </p:nvPicPr>
+        <p:blipFill>
+          <a:blip r:embed="rId4">
+            <a:extLst>
+              <a:ext uri="{28A0092B-C50C-407E-A947-70E740481C1C}">
+                <a14:useLocalDpi xmlns:a14="http://schemas.microsoft.com/office/drawing/2010/main" val="0"/>
+              </a:ext>
+            </a:extLst>
+          </a:blip>
+          <a:srcRect/>
+          <a:stretch>
+            <a:fillRect/>
+          </a:stretch>
+        </p:blipFill>
+        <p:spPr bwMode="auto">
+          <a:xfrm>
+            <a:off x="10306756" y="0"/>
+            <a:ext cx="3510844" cy="2330323"/>
+          </a:xfrm>
+          <a:prstGeom prst="rect">
+            <a:avLst/>
+          </a:prstGeom>
+          <a:noFill/>
+          <a:extLst>
+            <a:ext uri="{909E8E84-426E-40DD-AFC4-6F175D3DCCD1}">
+              <a14:hiddenFill xmlns:a14="http://schemas.microsoft.com/office/drawing/2010/main">
+                <a:solidFill>
+                  <a:srgbClr val="FFFFFF"/>
+                </a:solidFill>
+              </a14:hiddenFill>
+            </a:ext>
+          </a:extLst>
+        </p:spPr>
+      </p:pic>
+    </p:spTree>
+    <p:extLst>
+      <p:ext uri="{BB962C8B-B14F-4D97-AF65-F5344CB8AC3E}">
+        <p14:creationId xmlns:p14="http://schemas.microsoft.com/office/powerpoint/2010/main" val="991584921"/>
+      </p:ext>
+    </p:extLst>
+  </p:cSld>
+  <p:clrMapOvr>
+    <a:masterClrMapping/>
+  </p:clrMapOvr>
+  <mc:AlternateContent xmlns:mc="http://schemas.openxmlformats.org/markup-compatibility/2006" xmlns:p14="http://schemas.microsoft.com/office/powerpoint/2010/main">
+    <mc:Choice Requires="p14">
+      <p:transition p14:dur="300">
+        <p:fade/>
+      </p:transition>
+    </mc:Choice>
+    <mc:Fallback xmlns="">
+      <p:transition>
+        <p:fade/>
+      </p:transition>
+    </mc:Fallback>
+  </mc:AlternateContent>
+</p:sld>
+</file>
+
+<file path=ppt/slides/slide8.xml><?xml version="1.0" encoding="utf-8"?>
 <p:sld xmlns:a="http://schemas.openxmlformats.org/drawingml/2006/main" xmlns:r="http://schemas.openxmlformats.org/officeDocument/2006/relationships" xmlns:p="http://schemas.openxmlformats.org/presentationml/2006/main">
   <p:cSld>
     <p:spTree>
@@ -15903,10 +16446,9 @@
           <a:lstStyle/>
           <a:p>
             <a:r>
-              <a:rPr lang="en-US" dirty="0" smtClean="0"/>
+              <a:rPr lang="en-US" dirty="0"/>
               <a:t>Reusing code</a:t>
             </a:r>
-            <a:endParaRPr lang="en-US" dirty="0"/>
           </a:p>
         </p:txBody>
       </p:sp>
@@ -16113,21 +16655,21 @@
               <a:buNone/>
             </a:pPr>
             <a:r>
-              <a:rPr lang="en-US" sz="1400" dirty="0" smtClean="0">
+              <a:rPr lang="en-US" sz="1400" dirty="0">
                 <a:latin typeface="Courier New" panose="02070309020205020404" pitchFamily="49" charset="0"/>
                 <a:cs typeface="Courier New" panose="02070309020205020404" pitchFamily="49" charset="0"/>
               </a:rPr>
               <a:t>public class </a:t>
             </a:r>
             <a:r>
-              <a:rPr lang="en-US" sz="1400" dirty="0" err="1" smtClean="0">
+              <a:rPr lang="en-US" sz="1400" dirty="0" err="1">
                 <a:latin typeface="Courier New" panose="02070309020205020404" pitchFamily="49" charset="0"/>
                 <a:cs typeface="Courier New" panose="02070309020205020404" pitchFamily="49" charset="0"/>
               </a:rPr>
               <a:t>BasicCalculations</a:t>
             </a:r>
             <a:r>
-              <a:rPr lang="en-US" sz="1400" dirty="0" smtClean="0">
+              <a:rPr lang="en-US" sz="1400" dirty="0">
                 <a:latin typeface="Courier New" panose="02070309020205020404" pitchFamily="49" charset="0"/>
                 <a:cs typeface="Courier New" panose="02070309020205020404" pitchFamily="49" charset="0"/>
               </a:rPr>
@@ -16149,21 +16691,21 @@
               <a:buNone/>
             </a:pPr>
             <a:r>
-              <a:rPr lang="en-US" sz="1400" dirty="0" smtClean="0">
+              <a:rPr lang="en-US" sz="1400" dirty="0">
                 <a:latin typeface="Courier New" panose="02070309020205020404" pitchFamily="49" charset="0"/>
                 <a:cs typeface="Courier New" panose="02070309020205020404" pitchFamily="49" charset="0"/>
               </a:rPr>
               <a:t>   public static void main(String[] </a:t>
             </a:r>
             <a:r>
-              <a:rPr lang="en-US" sz="1400" dirty="0" err="1" smtClean="0">
+              <a:rPr lang="en-US" sz="1400" dirty="0" err="1">
                 <a:latin typeface="Courier New" panose="02070309020205020404" pitchFamily="49" charset="0"/>
                 <a:cs typeface="Courier New" panose="02070309020205020404" pitchFamily="49" charset="0"/>
               </a:rPr>
               <a:t>args</a:t>
             </a:r>
             <a:r>
-              <a:rPr lang="en-US" sz="1400" dirty="0" smtClean="0">
+              <a:rPr lang="en-US" sz="1400" dirty="0">
                 <a:latin typeface="Courier New" panose="02070309020205020404" pitchFamily="49" charset="0"/>
                 <a:cs typeface="Courier New" panose="02070309020205020404" pitchFamily="49" charset="0"/>
               </a:rPr>
@@ -16185,7 +16727,7 @@
               <a:buNone/>
             </a:pPr>
             <a:r>
-              <a:rPr lang="en-US" sz="1400" dirty="0" smtClean="0">
+              <a:rPr lang="en-US" sz="1400" dirty="0">
                 <a:latin typeface="Courier New" panose="02070309020205020404" pitchFamily="49" charset="0"/>
                 <a:cs typeface="Courier New" panose="02070309020205020404" pitchFamily="49" charset="0"/>
               </a:rPr>
@@ -16207,7 +16749,7 @@
               <a:buNone/>
             </a:pPr>
             <a:r>
-              <a:rPr lang="en-US" sz="1400" dirty="0" smtClean="0">
+              <a:rPr lang="en-US" sz="1400" dirty="0">
                 <a:latin typeface="Courier New" panose="02070309020205020404" pitchFamily="49" charset="0"/>
                 <a:cs typeface="Courier New" panose="02070309020205020404" pitchFamily="49" charset="0"/>
               </a:rPr>
@@ -16229,7 +16771,7 @@
               <a:buNone/>
             </a:pPr>
             <a:r>
-              <a:rPr lang="en-US" sz="1400" dirty="0" smtClean="0">
+              <a:rPr lang="en-US" sz="1400" dirty="0">
                 <a:latin typeface="Courier New" panose="02070309020205020404" pitchFamily="49" charset="0"/>
                 <a:cs typeface="Courier New" panose="02070309020205020404" pitchFamily="49" charset="0"/>
               </a:rPr>
@@ -16251,7 +16793,7 @@
               <a:buNone/>
             </a:pPr>
             <a:r>
-              <a:rPr lang="en-US" sz="1400" dirty="0" smtClean="0">
+              <a:rPr lang="en-US" sz="1400" dirty="0">
                 <a:latin typeface="Courier New" panose="02070309020205020404" pitchFamily="49" charset="0"/>
                 <a:cs typeface="Courier New" panose="02070309020205020404" pitchFamily="49" charset="0"/>
               </a:rPr>
@@ -16273,7 +16815,7 @@
               <a:buNone/>
             </a:pPr>
             <a:r>
-              <a:rPr lang="en-US" sz="1400" dirty="0" smtClean="0">
+              <a:rPr lang="en-US" sz="1400" dirty="0">
                 <a:latin typeface="Courier New" panose="02070309020205020404" pitchFamily="49" charset="0"/>
                 <a:cs typeface="Courier New" panose="02070309020205020404" pitchFamily="49" charset="0"/>
               </a:rPr>
@@ -16295,7 +16837,7 @@
               <a:buNone/>
             </a:pPr>
             <a:r>
-              <a:rPr lang="en-US" sz="1400" dirty="0" smtClean="0">
+              <a:rPr lang="en-US" sz="1400" dirty="0">
                 <a:latin typeface="Courier New" panose="02070309020205020404" pitchFamily="49" charset="0"/>
                 <a:cs typeface="Courier New" panose="02070309020205020404" pitchFamily="49" charset="0"/>
               </a:rPr>
@@ -16317,7 +16859,7 @@
               <a:buNone/>
             </a:pPr>
             <a:r>
-              <a:rPr lang="en-US" sz="1400" dirty="0" smtClean="0">
+              <a:rPr lang="en-US" sz="1400" dirty="0">
                 <a:latin typeface="Courier New" panose="02070309020205020404" pitchFamily="49" charset="0"/>
                 <a:cs typeface="Courier New" panose="02070309020205020404" pitchFamily="49" charset="0"/>
               </a:rPr>
@@ -16339,21 +16881,21 @@
               <a:buNone/>
             </a:pPr>
             <a:r>
-              <a:rPr lang="en-US" sz="1400" dirty="0" smtClean="0">
+              <a:rPr lang="en-US" sz="1400" dirty="0">
                 <a:latin typeface="Courier New" panose="02070309020205020404" pitchFamily="49" charset="0"/>
                 <a:cs typeface="Courier New" panose="02070309020205020404" pitchFamily="49" charset="0"/>
               </a:rPr>
               <a:t>      </a:t>
             </a:r>
             <a:r>
-              <a:rPr lang="en-US" sz="1400" dirty="0" err="1" smtClean="0">
+              <a:rPr lang="en-US" sz="1400" dirty="0" err="1">
                 <a:latin typeface="Courier New" panose="02070309020205020404" pitchFamily="49" charset="0"/>
                 <a:cs typeface="Courier New" panose="02070309020205020404" pitchFamily="49" charset="0"/>
               </a:rPr>
               <a:t>System.out.println</a:t>
             </a:r>
             <a:r>
-              <a:rPr lang="en-US" sz="1400" dirty="0" smtClean="0">
+              <a:rPr lang="en-US" sz="1400" dirty="0">
                 <a:latin typeface="Courier New" panose="02070309020205020404" pitchFamily="49" charset="0"/>
                 <a:cs typeface="Courier New" panose="02070309020205020404" pitchFamily="49" charset="0"/>
               </a:rPr>
@@ -16379,24 +16921,17 @@
                 <a:latin typeface="Courier New" panose="02070309020205020404" pitchFamily="49" charset="0"/>
                 <a:cs typeface="Courier New" panose="02070309020205020404" pitchFamily="49" charset="0"/>
               </a:rPr>
-              <a:t> </a:t>
-            </a:r>
-            <a:r>
-              <a:rPr lang="en-US" sz="1400" dirty="0" smtClean="0">
-                <a:latin typeface="Courier New" panose="02070309020205020404" pitchFamily="49" charset="0"/>
-                <a:cs typeface="Courier New" panose="02070309020205020404" pitchFamily="49" charset="0"/>
-              </a:rPr>
-              <a:t>     </a:t>
-            </a:r>
-            <a:r>
-              <a:rPr lang="en-US" sz="1400" dirty="0" err="1" smtClean="0">
+              <a:t>      </a:t>
+            </a:r>
+            <a:r>
+              <a:rPr lang="en-US" sz="1400" dirty="0" err="1">
                 <a:latin typeface="Courier New" panose="02070309020205020404" pitchFamily="49" charset="0"/>
                 <a:cs typeface="Courier New" panose="02070309020205020404" pitchFamily="49" charset="0"/>
               </a:rPr>
               <a:t>System.out.println</a:t>
             </a:r>
             <a:r>
-              <a:rPr lang="en-US" sz="1400" dirty="0" smtClean="0">
+              <a:rPr lang="en-US" sz="1400" dirty="0">
                 <a:latin typeface="Courier New" panose="02070309020205020404" pitchFamily="49" charset="0"/>
                 <a:cs typeface="Courier New" panose="02070309020205020404" pitchFamily="49" charset="0"/>
               </a:rPr>
@@ -16422,24 +16957,17 @@
                 <a:latin typeface="Courier New" panose="02070309020205020404" pitchFamily="49" charset="0"/>
                 <a:cs typeface="Courier New" panose="02070309020205020404" pitchFamily="49" charset="0"/>
               </a:rPr>
-              <a:t> </a:t>
-            </a:r>
-            <a:r>
-              <a:rPr lang="en-US" sz="1400" dirty="0" smtClean="0">
-                <a:latin typeface="Courier New" panose="02070309020205020404" pitchFamily="49" charset="0"/>
-                <a:cs typeface="Courier New" panose="02070309020205020404" pitchFamily="49" charset="0"/>
-              </a:rPr>
-              <a:t>     </a:t>
-            </a:r>
-            <a:r>
-              <a:rPr lang="en-US" sz="1400" dirty="0" err="1" smtClean="0">
+              <a:t>      </a:t>
+            </a:r>
+            <a:r>
+              <a:rPr lang="en-US" sz="1400" dirty="0" err="1">
                 <a:latin typeface="Courier New" panose="02070309020205020404" pitchFamily="49" charset="0"/>
                 <a:cs typeface="Courier New" panose="02070309020205020404" pitchFamily="49" charset="0"/>
               </a:rPr>
               <a:t>System.out.println</a:t>
             </a:r>
             <a:r>
-              <a:rPr lang="en-US" sz="1400" dirty="0" smtClean="0">
+              <a:rPr lang="en-US" sz="1400" dirty="0">
                 <a:latin typeface="Courier New" panose="02070309020205020404" pitchFamily="49" charset="0"/>
                 <a:cs typeface="Courier New" panose="02070309020205020404" pitchFamily="49" charset="0"/>
               </a:rPr>
@@ -16465,24 +16993,17 @@
                 <a:latin typeface="Courier New" panose="02070309020205020404" pitchFamily="49" charset="0"/>
                 <a:cs typeface="Courier New" panose="02070309020205020404" pitchFamily="49" charset="0"/>
               </a:rPr>
-              <a:t> </a:t>
-            </a:r>
-            <a:r>
-              <a:rPr lang="en-US" sz="1400" dirty="0" smtClean="0">
-                <a:latin typeface="Courier New" panose="02070309020205020404" pitchFamily="49" charset="0"/>
-                <a:cs typeface="Courier New" panose="02070309020205020404" pitchFamily="49" charset="0"/>
-              </a:rPr>
-              <a:t>     </a:t>
-            </a:r>
-            <a:r>
-              <a:rPr lang="en-US" sz="1400" dirty="0" err="1" smtClean="0">
+              <a:t>      </a:t>
+            </a:r>
+            <a:r>
+              <a:rPr lang="en-US" sz="1400" dirty="0" err="1">
                 <a:latin typeface="Courier New" panose="02070309020205020404" pitchFamily="49" charset="0"/>
                 <a:cs typeface="Courier New" panose="02070309020205020404" pitchFamily="49" charset="0"/>
               </a:rPr>
               <a:t>System.out.println</a:t>
             </a:r>
             <a:r>
-              <a:rPr lang="en-US" sz="1400" dirty="0" smtClean="0">
+              <a:rPr lang="en-US" sz="1400" dirty="0">
                 <a:latin typeface="Courier New" panose="02070309020205020404" pitchFamily="49" charset="0"/>
                 <a:cs typeface="Courier New" panose="02070309020205020404" pitchFamily="49" charset="0"/>
               </a:rPr>
@@ -16504,7 +17025,7 @@
               <a:buNone/>
             </a:pPr>
             <a:r>
-              <a:rPr lang="en-US" sz="1400" dirty="0" smtClean="0">
+              <a:rPr lang="en-US" sz="1400" dirty="0">
                 <a:latin typeface="Courier New" panose="02070309020205020404" pitchFamily="49" charset="0"/>
                 <a:cs typeface="Courier New" panose="02070309020205020404" pitchFamily="49" charset="0"/>
               </a:rPr>
@@ -16526,7 +17047,7 @@
               <a:buNone/>
             </a:pPr>
             <a:r>
-              <a:rPr lang="en-US" sz="1400" dirty="0" smtClean="0">
+              <a:rPr lang="en-US" sz="1400" dirty="0">
                 <a:latin typeface="Courier New" panose="02070309020205020404" pitchFamily="49" charset="0"/>
                 <a:cs typeface="Courier New" panose="02070309020205020404" pitchFamily="49" charset="0"/>
               </a:rPr>
@@ -16548,7 +17069,7 @@
               <a:buNone/>
             </a:pPr>
             <a:r>
-              <a:rPr lang="en-US" sz="1400" dirty="0" smtClean="0">
+              <a:rPr lang="en-US" sz="1400" dirty="0">
                 <a:latin typeface="Courier New" panose="02070309020205020404" pitchFamily="49" charset="0"/>
                 <a:cs typeface="Courier New" panose="02070309020205020404" pitchFamily="49" charset="0"/>
               </a:rPr>
@@ -16570,7 +17091,7 @@
               <a:buNone/>
             </a:pPr>
             <a:r>
-              <a:rPr lang="en-US" sz="1400" dirty="0" smtClean="0">
+              <a:rPr lang="en-US" sz="1400" dirty="0">
                 <a:latin typeface="Courier New" panose="02070309020205020404" pitchFamily="49" charset="0"/>
                 <a:cs typeface="Courier New" panose="02070309020205020404" pitchFamily="49" charset="0"/>
               </a:rPr>
@@ -16592,7 +17113,7 @@
               <a:buNone/>
             </a:pPr>
             <a:r>
-              <a:rPr lang="en-US" sz="1400" dirty="0" smtClean="0">
+              <a:rPr lang="en-US" sz="1400" dirty="0">
                 <a:latin typeface="Courier New" panose="02070309020205020404" pitchFamily="49" charset="0"/>
                 <a:cs typeface="Courier New" panose="02070309020205020404" pitchFamily="49" charset="0"/>
               </a:rPr>
@@ -16614,7 +17135,7 @@
               <a:buNone/>
             </a:pPr>
             <a:r>
-              <a:rPr lang="en-US" sz="1400" dirty="0" smtClean="0">
+              <a:rPr lang="en-US" sz="1400" dirty="0">
                 <a:latin typeface="Courier New" panose="02070309020205020404" pitchFamily="49" charset="0"/>
                 <a:cs typeface="Courier New" panose="02070309020205020404" pitchFamily="49" charset="0"/>
               </a:rPr>
@@ -16636,21 +17157,21 @@
               <a:buNone/>
             </a:pPr>
             <a:r>
-              <a:rPr lang="en-US" sz="1400" dirty="0" smtClean="0">
+              <a:rPr lang="en-US" sz="1400" dirty="0">
                 <a:latin typeface="Courier New" panose="02070309020205020404" pitchFamily="49" charset="0"/>
                 <a:cs typeface="Courier New" panose="02070309020205020404" pitchFamily="49" charset="0"/>
               </a:rPr>
               <a:t>      </a:t>
             </a:r>
             <a:r>
-              <a:rPr lang="en-US" sz="1400" dirty="0" err="1" smtClean="0">
+              <a:rPr lang="en-US" sz="1400" dirty="0" err="1">
                 <a:latin typeface="Courier New" panose="02070309020205020404" pitchFamily="49" charset="0"/>
                 <a:cs typeface="Courier New" panose="02070309020205020404" pitchFamily="49" charset="0"/>
               </a:rPr>
               <a:t>System.out.println</a:t>
             </a:r>
             <a:r>
-              <a:rPr lang="en-US" sz="1400" dirty="0" smtClean="0">
+              <a:rPr lang="en-US" sz="1400" dirty="0">
                 <a:latin typeface="Courier New" panose="02070309020205020404" pitchFamily="49" charset="0"/>
                 <a:cs typeface="Courier New" panose="02070309020205020404" pitchFamily="49" charset="0"/>
               </a:rPr>
@@ -16672,21 +17193,21 @@
               <a:buNone/>
             </a:pPr>
             <a:r>
-              <a:rPr lang="en-US" sz="1400" dirty="0" smtClean="0">
+              <a:rPr lang="en-US" sz="1400" dirty="0">
                 <a:latin typeface="Courier New" panose="02070309020205020404" pitchFamily="49" charset="0"/>
                 <a:cs typeface="Courier New" panose="02070309020205020404" pitchFamily="49" charset="0"/>
               </a:rPr>
               <a:t>      </a:t>
             </a:r>
             <a:r>
-              <a:rPr lang="en-US" sz="1400" dirty="0" err="1" smtClean="0">
+              <a:rPr lang="en-US" sz="1400" dirty="0" err="1">
                 <a:latin typeface="Courier New" panose="02070309020205020404" pitchFamily="49" charset="0"/>
                 <a:cs typeface="Courier New" panose="02070309020205020404" pitchFamily="49" charset="0"/>
               </a:rPr>
               <a:t>System.out.println</a:t>
             </a:r>
             <a:r>
-              <a:rPr lang="en-US" sz="1400" dirty="0" smtClean="0">
+              <a:rPr lang="en-US" sz="1400" dirty="0">
                 <a:latin typeface="Courier New" panose="02070309020205020404" pitchFamily="49" charset="0"/>
                 <a:cs typeface="Courier New" panose="02070309020205020404" pitchFamily="49" charset="0"/>
               </a:rPr>
@@ -16708,21 +17229,21 @@
               <a:buNone/>
             </a:pPr>
             <a:r>
-              <a:rPr lang="en-US" sz="1400" dirty="0" smtClean="0">
+              <a:rPr lang="en-US" sz="1400" dirty="0">
                 <a:latin typeface="Courier New" panose="02070309020205020404" pitchFamily="49" charset="0"/>
                 <a:cs typeface="Courier New" panose="02070309020205020404" pitchFamily="49" charset="0"/>
               </a:rPr>
               <a:t>      </a:t>
             </a:r>
             <a:r>
-              <a:rPr lang="en-US" sz="1400" dirty="0" err="1" smtClean="0">
+              <a:rPr lang="en-US" sz="1400" dirty="0" err="1">
                 <a:latin typeface="Courier New" panose="02070309020205020404" pitchFamily="49" charset="0"/>
                 <a:cs typeface="Courier New" panose="02070309020205020404" pitchFamily="49" charset="0"/>
               </a:rPr>
               <a:t>System.out.println</a:t>
             </a:r>
             <a:r>
-              <a:rPr lang="en-US" sz="1400" dirty="0" smtClean="0">
+              <a:rPr lang="en-US" sz="1400" dirty="0">
                 <a:latin typeface="Courier New" panose="02070309020205020404" pitchFamily="49" charset="0"/>
                 <a:cs typeface="Courier New" panose="02070309020205020404" pitchFamily="49" charset="0"/>
               </a:rPr>
@@ -16744,21 +17265,21 @@
               <a:buNone/>
             </a:pPr>
             <a:r>
-              <a:rPr lang="en-US" sz="1400" dirty="0" smtClean="0">
+              <a:rPr lang="en-US" sz="1400" dirty="0">
                 <a:latin typeface="Courier New" panose="02070309020205020404" pitchFamily="49" charset="0"/>
                 <a:cs typeface="Courier New" panose="02070309020205020404" pitchFamily="49" charset="0"/>
               </a:rPr>
               <a:t>      </a:t>
             </a:r>
             <a:r>
-              <a:rPr lang="en-US" sz="1400" dirty="0" err="1" smtClean="0">
+              <a:rPr lang="en-US" sz="1400" dirty="0" err="1">
                 <a:latin typeface="Courier New" panose="02070309020205020404" pitchFamily="49" charset="0"/>
                 <a:cs typeface="Courier New" panose="02070309020205020404" pitchFamily="49" charset="0"/>
               </a:rPr>
               <a:t>System.out.println</a:t>
             </a:r>
             <a:r>
-              <a:rPr lang="en-US" sz="1400" dirty="0" smtClean="0">
+              <a:rPr lang="en-US" sz="1400" dirty="0">
                 <a:latin typeface="Courier New" panose="02070309020205020404" pitchFamily="49" charset="0"/>
                 <a:cs typeface="Courier New" panose="02070309020205020404" pitchFamily="49" charset="0"/>
               </a:rPr>
@@ -16780,7 +17301,7 @@
               <a:buNone/>
             </a:pPr>
             <a:r>
-              <a:rPr lang="en-US" sz="1400" dirty="0" smtClean="0">
+              <a:rPr lang="en-US" sz="1400" dirty="0">
                 <a:latin typeface="Courier New" panose="02070309020205020404" pitchFamily="49" charset="0"/>
                 <a:cs typeface="Courier New" panose="02070309020205020404" pitchFamily="49" charset="0"/>
               </a:rPr>
@@ -16802,16 +17323,12 @@
               <a:buNone/>
             </a:pPr>
             <a:r>
-              <a:rPr lang="en-US" sz="1400" dirty="0" smtClean="0">
+              <a:rPr lang="en-US" sz="1400" dirty="0">
                 <a:latin typeface="Courier New" panose="02070309020205020404" pitchFamily="49" charset="0"/>
                 <a:cs typeface="Courier New" panose="02070309020205020404" pitchFamily="49" charset="0"/>
               </a:rPr>
               <a:t>}</a:t>
             </a:r>
-            <a:endParaRPr lang="en-US" sz="1400" dirty="0">
-              <a:latin typeface="Courier New" panose="02070309020205020404" pitchFamily="49" charset="0"/>
-              <a:cs typeface="Courier New" panose="02070309020205020404" pitchFamily="49" charset="0"/>
-            </a:endParaRPr>
           </a:p>
         </p:txBody>
       </p:sp>
@@ -16863,7 +17380,7 @@
           <a:p>
             <a:pPr algn="ctr"/>
             <a:r>
-              <a:rPr lang="en-US" dirty="0" smtClean="0">
+              <a:rPr lang="en-US" dirty="0">
                 <a:solidFill>
                   <a:srgbClr val="092529"/>
                 </a:solidFill>
@@ -16873,14 +17390,6 @@
               </a:rPr>
               <a:t>How many different concepts are in the main method?</a:t>
             </a:r>
-            <a:endParaRPr lang="en-US" dirty="0">
-              <a:solidFill>
-                <a:srgbClr val="092529"/>
-              </a:solidFill>
-              <a:latin typeface="Proxima Nova" charset="0"/>
-              <a:ea typeface="Proxima Nova" charset="0"/>
-              <a:cs typeface="Proxima Nova" charset="0"/>
-            </a:endParaRPr>
           </a:p>
         </p:txBody>
       </p:sp>
@@ -16932,7 +17441,7 @@
           <a:p>
             <a:pPr algn="ctr"/>
             <a:r>
-              <a:rPr lang="en-US" dirty="0" smtClean="0">
+              <a:rPr lang="en-US" dirty="0">
                 <a:solidFill>
                   <a:srgbClr val="092529"/>
                 </a:solidFill>
@@ -16942,14 +17451,6 @@
               </a:rPr>
               <a:t>Sum</a:t>
             </a:r>
-            <a:endParaRPr lang="en-US" dirty="0">
-              <a:solidFill>
-                <a:srgbClr val="092529"/>
-              </a:solidFill>
-              <a:latin typeface="Proxima Nova" charset="0"/>
-              <a:ea typeface="Proxima Nova" charset="0"/>
-              <a:cs typeface="Proxima Nova" charset="0"/>
-            </a:endParaRPr>
           </a:p>
         </p:txBody>
       </p:sp>
@@ -17001,7 +17502,7 @@
           <a:p>
             <a:pPr algn="ctr"/>
             <a:r>
-              <a:rPr lang="en-US" dirty="0" smtClean="0">
+              <a:rPr lang="en-US" dirty="0">
                 <a:solidFill>
                   <a:srgbClr val="092529"/>
                 </a:solidFill>
@@ -17011,14 +17512,6 @@
               </a:rPr>
               <a:t>Subtraction</a:t>
             </a:r>
-            <a:endParaRPr lang="en-US" dirty="0">
-              <a:solidFill>
-                <a:srgbClr val="092529"/>
-              </a:solidFill>
-              <a:latin typeface="Proxima Nova" charset="0"/>
-              <a:ea typeface="Proxima Nova" charset="0"/>
-              <a:cs typeface="Proxima Nova" charset="0"/>
-            </a:endParaRPr>
           </a:p>
         </p:txBody>
       </p:sp>
@@ -17070,7 +17563,7 @@
           <a:p>
             <a:pPr algn="ctr"/>
             <a:r>
-              <a:rPr lang="en-US" dirty="0" smtClean="0">
+              <a:rPr lang="en-US" dirty="0">
                 <a:solidFill>
                   <a:srgbClr val="092529"/>
                 </a:solidFill>
@@ -17080,14 +17573,6 @@
               </a:rPr>
               <a:t>Multiplication</a:t>
             </a:r>
-            <a:endParaRPr lang="en-US" dirty="0">
-              <a:solidFill>
-                <a:srgbClr val="092529"/>
-              </a:solidFill>
-              <a:latin typeface="Proxima Nova" charset="0"/>
-              <a:ea typeface="Proxima Nova" charset="0"/>
-              <a:cs typeface="Proxima Nova" charset="0"/>
-            </a:endParaRPr>
           </a:p>
         </p:txBody>
       </p:sp>
@@ -17139,7 +17624,7 @@
           <a:p>
             <a:pPr algn="ctr"/>
             <a:r>
-              <a:rPr lang="en-US" dirty="0" smtClean="0">
+              <a:rPr lang="en-US" dirty="0">
                 <a:solidFill>
                   <a:srgbClr val="092529"/>
                 </a:solidFill>
@@ -17149,14 +17634,6 @@
               </a:rPr>
               <a:t>Division</a:t>
             </a:r>
-            <a:endParaRPr lang="en-US" dirty="0">
-              <a:solidFill>
-                <a:srgbClr val="092529"/>
-              </a:solidFill>
-              <a:latin typeface="Proxima Nova" charset="0"/>
-              <a:ea typeface="Proxima Nova" charset="0"/>
-              <a:cs typeface="Proxima Nova" charset="0"/>
-            </a:endParaRPr>
           </a:p>
         </p:txBody>
       </p:sp>
@@ -17208,7 +17685,7 @@
           <a:p>
             <a:pPr algn="ctr"/>
             <a:r>
-              <a:rPr lang="en-US" dirty="0" smtClean="0">
+              <a:rPr lang="en-US" dirty="0">
                 <a:solidFill>
                   <a:srgbClr val="092529"/>
                 </a:solidFill>
@@ -17218,14 +17695,6 @@
               </a:rPr>
               <a:t>Print</a:t>
             </a:r>
-            <a:endParaRPr lang="en-US" dirty="0">
-              <a:solidFill>
-                <a:srgbClr val="092529"/>
-              </a:solidFill>
-              <a:latin typeface="Proxima Nova" charset="0"/>
-              <a:ea typeface="Proxima Nova" charset="0"/>
-              <a:cs typeface="Proxima Nova" charset="0"/>
-            </a:endParaRPr>
           </a:p>
         </p:txBody>
       </p:sp>
@@ -17822,470 +18291,6 @@
 </p:sld>
 </file>
 
-<file path=ppt/slides/slide8.xml><?xml version="1.0" encoding="utf-8"?>
-<p:sld xmlns:a="http://schemas.openxmlformats.org/drawingml/2006/main" xmlns:r="http://schemas.openxmlformats.org/officeDocument/2006/relationships" xmlns:p="http://schemas.openxmlformats.org/presentationml/2006/main">
-  <p:cSld>
-    <p:spTree>
-      <p:nvGrpSpPr>
-        <p:cNvPr id="1" name=""/>
-        <p:cNvGrpSpPr/>
-        <p:nvPr/>
-      </p:nvGrpSpPr>
-      <p:grpSpPr>
-        <a:xfrm>
-          <a:off x="0" y="0"/>
-          <a:ext cx="0" cy="0"/>
-          <a:chOff x="0" y="0"/>
-          <a:chExt cx="0" cy="0"/>
-        </a:xfrm>
-      </p:grpSpPr>
-      <p:sp>
-        <p:nvSpPr>
-          <p:cNvPr id="2" name="Title 1">
-            <a:extLst>
-              <a:ext uri="{FF2B5EF4-FFF2-40B4-BE49-F238E27FC236}">
-                <a16:creationId xmlns:a16="http://schemas.microsoft.com/office/drawing/2014/main" id="{0AC91572-99FC-2C40-9123-5231EE43E34F}"/>
-              </a:ext>
-            </a:extLst>
-          </p:cNvPr>
-          <p:cNvSpPr>
-            <a:spLocks noGrp="1"/>
-          </p:cNvSpPr>
-          <p:nvPr>
-            <p:ph type="title"/>
-          </p:nvPr>
-        </p:nvSpPr>
-        <p:spPr>
-          <a:xfrm>
-            <a:off x="628072" y="656904"/>
-            <a:ext cx="12561453" cy="1015663"/>
-          </a:xfrm>
-        </p:spPr>
-        <p:txBody>
-          <a:bodyPr/>
-          <a:lstStyle/>
-          <a:p>
-            <a:r>
-              <a:rPr lang="en-US" dirty="0"/>
-              <a:t>Objects are Building Blocks</a:t>
-            </a:r>
-          </a:p>
-        </p:txBody>
-      </p:sp>
-      <p:sp>
-        <p:nvSpPr>
-          <p:cNvPr id="3" name="Text Placeholder 2">
-            <a:extLst>
-              <a:ext uri="{FF2B5EF4-FFF2-40B4-BE49-F238E27FC236}">
-                <a16:creationId xmlns:a16="http://schemas.microsoft.com/office/drawing/2014/main" id="{A4FEB9CE-D22E-304F-98BA-26309D98AD8F}"/>
-              </a:ext>
-            </a:extLst>
-          </p:cNvPr>
-          <p:cNvSpPr>
-            <a:spLocks noGrp="1"/>
-          </p:cNvSpPr>
-          <p:nvPr>
-            <p:ph type="body" sz="quarter" idx="10"/>
-          </p:nvPr>
-        </p:nvSpPr>
-        <p:spPr>
-          <a:xfrm>
-            <a:off x="628072" y="1800240"/>
-            <a:ext cx="12561453" cy="5905591"/>
-          </a:xfrm>
-        </p:spPr>
-        <p:txBody>
-          <a:bodyPr/>
-          <a:lstStyle/>
-          <a:p>
-            <a:pPr fontAlgn="base"/>
-            <a:r>
-              <a:rPr lang="en-US" dirty="0"/>
-              <a:t>Think of LEGOs </a:t>
-            </a:r>
-          </a:p>
-          <a:p>
-            <a:pPr lvl="1" fontAlgn="base"/>
-            <a:r>
-              <a:rPr lang="en-US" dirty="0"/>
-              <a:t>Blocks </a:t>
-            </a:r>
-          </a:p>
-          <a:p>
-            <a:pPr lvl="1" fontAlgn="base"/>
-            <a:r>
-              <a:rPr lang="en-US" dirty="0"/>
-              <a:t>Assembled in different ways - creates new and interesting things</a:t>
-            </a:r>
-          </a:p>
-          <a:p>
-            <a:pPr fontAlgn="base"/>
-            <a:r>
-              <a:rPr lang="en-US" dirty="0"/>
-              <a:t>Objects contain information in a logical order </a:t>
-            </a:r>
-          </a:p>
-          <a:p>
-            <a:pPr fontAlgn="base"/>
-            <a:r>
-              <a:rPr lang="en-US" dirty="0"/>
-              <a:t>Example: </a:t>
-            </a:r>
-            <a:r>
-              <a:rPr lang="en-US" u="sng" dirty="0"/>
-              <a:t>Strings are objects</a:t>
-            </a:r>
-          </a:p>
-          <a:p>
-            <a:pPr lvl="1"/>
-            <a:r>
-              <a:rPr lang="en-US" dirty="0">
-                <a:latin typeface="Consolas" panose="020B0609020204030204" pitchFamily="49" charset="0"/>
-                <a:cs typeface="Consolas" panose="020B0609020204030204" pitchFamily="49" charset="0"/>
-              </a:rPr>
-              <a:t>String companion = “Clara”; // note, Strings are so common, they have this shortcut</a:t>
-            </a:r>
-          </a:p>
-          <a:p>
-            <a:pPr lvl="1"/>
-            <a:r>
-              <a:rPr lang="en-US" dirty="0" err="1">
-                <a:latin typeface="Consolas" panose="020B0609020204030204" pitchFamily="49" charset="0"/>
-                <a:cs typeface="Consolas" panose="020B0609020204030204" pitchFamily="49" charset="0"/>
-              </a:rPr>
-              <a:t>companion.length</a:t>
-            </a:r>
-            <a:r>
-              <a:rPr lang="en-US" dirty="0">
-                <a:latin typeface="Consolas" panose="020B0609020204030204" pitchFamily="49" charset="0"/>
-                <a:cs typeface="Consolas" panose="020B0609020204030204" pitchFamily="49" charset="0"/>
-              </a:rPr>
-              <a:t>(); // returns 5</a:t>
-            </a:r>
-          </a:p>
-          <a:p>
-            <a:pPr fontAlgn="base"/>
-            <a:r>
-              <a:rPr lang="en-US" dirty="0"/>
-              <a:t>Most objects use the </a:t>
-            </a:r>
-            <a:r>
-              <a:rPr lang="en-US" b="1" dirty="0"/>
-              <a:t>new</a:t>
-            </a:r>
-            <a:r>
-              <a:rPr lang="en-US" dirty="0"/>
-              <a:t> keyword</a:t>
-            </a:r>
-          </a:p>
-          <a:p>
-            <a:pPr lvl="1"/>
-            <a:r>
-              <a:rPr lang="en-US" dirty="0" err="1">
-                <a:latin typeface="Consolas" panose="020B0609020204030204" pitchFamily="49" charset="0"/>
-                <a:cs typeface="Consolas" panose="020B0609020204030204" pitchFamily="49" charset="0"/>
-              </a:rPr>
-              <a:t>MyCoolObject</a:t>
-            </a:r>
-            <a:r>
-              <a:rPr lang="en-US" dirty="0">
-                <a:latin typeface="Consolas" panose="020B0609020204030204" pitchFamily="49" charset="0"/>
-                <a:cs typeface="Consolas" panose="020B0609020204030204" pitchFamily="49" charset="0"/>
-              </a:rPr>
-              <a:t> obj = new </a:t>
-            </a:r>
-            <a:r>
-              <a:rPr lang="en-US" dirty="0" err="1">
-                <a:latin typeface="Consolas" panose="020B0609020204030204" pitchFamily="49" charset="0"/>
-                <a:cs typeface="Consolas" panose="020B0609020204030204" pitchFamily="49" charset="0"/>
-              </a:rPr>
-              <a:t>MyCoolObject</a:t>
-            </a:r>
-            <a:r>
-              <a:rPr lang="en-US" dirty="0">
-                <a:latin typeface="Consolas" panose="020B0609020204030204" pitchFamily="49" charset="0"/>
-                <a:cs typeface="Consolas" panose="020B0609020204030204" pitchFamily="49" charset="0"/>
-              </a:rPr>
-              <a:t>(); // this reserves room in memory</a:t>
-            </a:r>
-          </a:p>
-          <a:p>
-            <a:pPr lvl="1"/>
-            <a:r>
-              <a:rPr lang="en-US" dirty="0" err="1">
-                <a:latin typeface="Consolas" panose="020B0609020204030204" pitchFamily="49" charset="0"/>
-                <a:cs typeface="Consolas" panose="020B0609020204030204" pitchFamily="49" charset="0"/>
-              </a:rPr>
-              <a:t>obj.myCoolMethod</a:t>
-            </a:r>
-            <a:r>
-              <a:rPr lang="en-US" dirty="0">
-                <a:latin typeface="Consolas" panose="020B0609020204030204" pitchFamily="49" charset="0"/>
-                <a:cs typeface="Consolas" panose="020B0609020204030204" pitchFamily="49" charset="0"/>
-              </a:rPr>
-              <a:t>();</a:t>
-            </a:r>
-          </a:p>
-          <a:p>
-            <a:pPr fontAlgn="base"/>
-            <a:r>
-              <a:rPr lang="en-US" dirty="0"/>
-              <a:t>We will keep coming back to this</a:t>
-            </a:r>
-          </a:p>
-          <a:p>
-            <a:pPr lvl="1" fontAlgn="base"/>
-            <a:r>
-              <a:rPr lang="en-US" dirty="0"/>
-              <a:t>Important to know - methods belong to Objects</a:t>
-            </a:r>
-          </a:p>
-          <a:p>
-            <a:pPr lvl="1" fontAlgn="base"/>
-            <a:r>
-              <a:rPr lang="en-US" dirty="0"/>
-              <a:t>Even methods that </a:t>
-            </a:r>
-            <a:r>
-              <a:rPr lang="en-US" b="1" dirty="0"/>
-              <a:t>you</a:t>
-            </a:r>
-            <a:r>
-              <a:rPr lang="en-US" dirty="0"/>
-              <a:t> write</a:t>
-            </a:r>
-          </a:p>
-          <a:p>
-            <a:endParaRPr lang="en-US" dirty="0"/>
-          </a:p>
-        </p:txBody>
-      </p:sp>
-      <p:sp>
-        <p:nvSpPr>
-          <p:cNvPr id="5" name="Rectangle 3">
-            <a:extLst>
-              <a:ext uri="{FF2B5EF4-FFF2-40B4-BE49-F238E27FC236}">
-                <a16:creationId xmlns:a16="http://schemas.microsoft.com/office/drawing/2014/main" id="{1B52B995-A490-EF4B-81C8-8848A14EA2C6}"/>
-              </a:ext>
-            </a:extLst>
-          </p:cNvPr>
-          <p:cNvSpPr>
-            <a:spLocks noChangeArrowheads="1"/>
-          </p:cNvSpPr>
-          <p:nvPr/>
-        </p:nvSpPr>
-        <p:spPr bwMode="auto">
-          <a:xfrm>
-            <a:off x="10398100" y="2365663"/>
-            <a:ext cx="3328155" cy="184666"/>
-          </a:xfrm>
-          <a:prstGeom prst="rect">
-            <a:avLst/>
-          </a:prstGeom>
-          <a:noFill/>
-          <a:ln>
-            <a:noFill/>
-          </a:ln>
-          <a:effectLst/>
-          <a:extLst>
-            <a:ext uri="{909E8E84-426E-40DD-AFC4-6F175D3DCCD1}">
-              <a14:hiddenFill xmlns:a14="http://schemas.microsoft.com/office/drawing/2010/main">
-                <a:solidFill>
-                  <a:schemeClr val="accent1"/>
-                </a:solidFill>
-              </a14:hiddenFill>
-            </a:ext>
-            <a:ext uri="{91240B29-F687-4F45-9708-019B960494DF}">
-              <a14:hiddenLine xmlns:a14="http://schemas.microsoft.com/office/drawing/2010/main" w="9525">
-                <a:solidFill>
-                  <a:schemeClr val="tx1"/>
-                </a:solidFill>
-                <a:miter lim="800000"/>
-                <a:headEnd/>
-                <a:tailEnd/>
-              </a14:hiddenLine>
-            </a:ext>
-            <a:ext uri="{AF507438-7753-43E0-B8FC-AC1667EBCBE1}">
-              <a14:hiddenEffects xmlns:a14="http://schemas.microsoft.com/office/drawing/2010/main">
-                <a:effectLst>
-                  <a:outerShdw dist="35921" dir="2700000" algn="ctr" rotWithShape="0">
-                    <a:schemeClr val="bg2"/>
-                  </a:outerShdw>
-                </a:effectLst>
-              </a14:hiddenEffects>
-            </a:ext>
-          </a:extLst>
-        </p:spPr>
-        <p:txBody>
-          <a:bodyPr vert="horz" wrap="none" lIns="91440" tIns="45720" rIns="91440" bIns="45720" numCol="1" anchor="ctr" anchorCtr="0" compatLnSpc="1">
-            <a:prstTxWarp prst="textNoShape">
-              <a:avLst/>
-            </a:prstTxWarp>
-            <a:spAutoFit/>
-          </a:bodyPr>
-          <a:lstStyle/>
-          <a:p>
-            <a:pPr marL="0" marR="0" lvl="0" indent="0" algn="l" defTabSz="914400" rtl="0" eaLnBrk="0" fontAlgn="base" latinLnBrk="0" hangingPunct="0">
-              <a:lnSpc>
-                <a:spcPct val="100000"/>
-              </a:lnSpc>
-              <a:spcBef>
-                <a:spcPct val="0"/>
-              </a:spcBef>
-              <a:spcAft>
-                <a:spcPct val="0"/>
-              </a:spcAft>
-              <a:buClrTx/>
-              <a:buSzTx/>
-              <a:buFontTx/>
-              <a:buNone/>
-              <a:tabLst/>
-            </a:pPr>
-            <a:r>
-              <a:rPr kumimoji="0" lang="en-US" altLang="en-US" sz="600" b="0" i="0" u="sng" strike="noStrike" cap="none" normalizeH="0" baseline="0" dirty="0">
-                <a:ln>
-                  <a:noFill/>
-                </a:ln>
-                <a:solidFill>
-                  <a:srgbClr val="3246A4"/>
-                </a:solidFill>
-                <a:effectLst/>
-                <a:latin typeface="Proxima Nova"/>
-                <a:hlinkClick r:id="rId2"/>
-              </a:rPr>
-              <a:t>© Ralf Roletschek</a:t>
-            </a:r>
-            <a:r>
-              <a:rPr kumimoji="0" lang="en-US" altLang="en-US" sz="600" b="0" i="0" u="none" strike="noStrike" cap="none" normalizeH="0" baseline="0" dirty="0">
-                <a:ln>
-                  <a:noFill/>
-                </a:ln>
-                <a:solidFill>
-                  <a:srgbClr val="000000"/>
-                </a:solidFill>
-                <a:effectLst/>
-                <a:latin typeface="Proxima Nova"/>
-              </a:rPr>
-              <a:t> - Published with permission. Read full copy information on </a:t>
-            </a:r>
-            <a:r>
-              <a:rPr kumimoji="0" lang="en-US" altLang="en-US" sz="600" b="0" i="0" u="sng" strike="noStrike" cap="none" normalizeH="0" baseline="0" dirty="0">
-                <a:ln>
-                  <a:noFill/>
-                </a:ln>
-                <a:solidFill>
-                  <a:srgbClr val="3246A4"/>
-                </a:solidFill>
-                <a:effectLst/>
-                <a:latin typeface="Proxima Nova"/>
-                <a:hlinkClick r:id="rId3"/>
-              </a:rPr>
-              <a:t>wikicommons</a:t>
-            </a:r>
-            <a:r>
-              <a:rPr kumimoji="0" lang="en-US" altLang="en-US" sz="600" b="0" i="0" u="none" strike="noStrike" cap="none" normalizeH="0" baseline="0" dirty="0">
-                <a:ln>
-                  <a:noFill/>
-                </a:ln>
-                <a:solidFill>
-                  <a:srgbClr val="000000"/>
-                </a:solidFill>
-                <a:effectLst/>
-                <a:latin typeface="Proxima Nova"/>
-              </a:rPr>
-              <a:t>. </a:t>
-            </a:r>
-            <a:endParaRPr kumimoji="0" lang="en-US" altLang="en-US" sz="1000" b="0" i="0" u="none" strike="noStrike" cap="none" normalizeH="0" baseline="0" dirty="0">
-              <a:ln>
-                <a:noFill/>
-              </a:ln>
-              <a:solidFill>
-                <a:schemeClr val="tx1"/>
-              </a:solidFill>
-              <a:effectLst/>
-            </a:endParaRPr>
-          </a:p>
-        </p:txBody>
-      </p:sp>
-      <p:pic>
-        <p:nvPicPr>
-          <p:cNvPr id="2052" name="Picture 4">
-            <a:extLst>
-              <a:ext uri="{FF2B5EF4-FFF2-40B4-BE49-F238E27FC236}">
-                <a16:creationId xmlns:a16="http://schemas.microsoft.com/office/drawing/2014/main" id="{D16D9799-4DC8-2C49-A07F-263769ED541E}"/>
-              </a:ext>
-            </a:extLst>
-          </p:cNvPr>
-          <p:cNvPicPr>
-            <a:picLocks noChangeAspect="1" noChangeArrowheads="1"/>
-          </p:cNvPicPr>
-          <p:nvPr/>
-        </p:nvPicPr>
-        <p:blipFill>
-          <a:blip r:embed="rId4">
-            <a:extLst>
-              <a:ext uri="{28A0092B-C50C-407E-A947-70E740481C1C}">
-                <a14:useLocalDpi xmlns:a14="http://schemas.microsoft.com/office/drawing/2010/main" val="0"/>
-              </a:ext>
-            </a:extLst>
-          </a:blip>
-          <a:srcRect/>
-          <a:stretch>
-            <a:fillRect/>
-          </a:stretch>
-        </p:blipFill>
-        <p:spPr bwMode="auto">
-          <a:xfrm>
-            <a:off x="10306756" y="0"/>
-            <a:ext cx="3510844" cy="2330323"/>
-          </a:xfrm>
-          <a:prstGeom prst="rect">
-            <a:avLst/>
-          </a:prstGeom>
-          <a:noFill/>
-          <a:extLst>
-            <a:ext uri="{909E8E84-426E-40DD-AFC4-6F175D3DCCD1}">
-              <a14:hiddenFill xmlns:a14="http://schemas.microsoft.com/office/drawing/2010/main">
-                <a:solidFill>
-                  <a:srgbClr val="FFFFFF"/>
-                </a:solidFill>
-              </a14:hiddenFill>
-            </a:ext>
-          </a:extLst>
-        </p:spPr>
-      </p:pic>
-    </p:spTree>
-    <p:extLst>
-      <p:ext uri="{BB962C8B-B14F-4D97-AF65-F5344CB8AC3E}">
-        <p14:creationId xmlns:p14="http://schemas.microsoft.com/office/powerpoint/2010/main" val="991584921"/>
-      </p:ext>
-    </p:extLst>
-  </p:cSld>
-  <p:clrMapOvr>
-    <a:masterClrMapping/>
-  </p:clrMapOvr>
-  <mc:AlternateContent xmlns:mc="http://schemas.openxmlformats.org/markup-compatibility/2006" xmlns:p14="http://schemas.microsoft.com/office/powerpoint/2010/main">
-    <mc:Choice Requires="p14">
-      <p:transition p14:dur="300">
-        <p:fade/>
-      </p:transition>
-    </mc:Choice>
-    <mc:Fallback xmlns="">
-      <p:transition>
-        <p:fade/>
-      </p:transition>
-    </mc:Fallback>
-  </mc:AlternateContent>
-  <p:timing>
-    <p:tnLst>
-      <p:par>
-        <p:cTn id="1" dur="indefinite" restart="never" nodeType="tmRoot"/>
-      </p:par>
-    </p:tnLst>
-  </p:timing>
-</p:sld>
-</file>
-
 <file path=ppt/slides/slide9.xml><?xml version="1.0" encoding="utf-8"?>
 <p:sld xmlns:a="http://schemas.openxmlformats.org/drawingml/2006/main" xmlns:r="http://schemas.openxmlformats.org/officeDocument/2006/relationships" xmlns:p="http://schemas.openxmlformats.org/presentationml/2006/main">
   <p:cSld>
@@ -18308,7 +18313,7 @@
           <p:cNvPr id="2" name="Title 1">
             <a:extLst>
               <a:ext uri="{FF2B5EF4-FFF2-40B4-BE49-F238E27FC236}">
-                <a16:creationId xmlns:a16="http://schemas.microsoft.com/office/drawing/2014/main" id="{EAD74ED9-56BF-3F4A-8E26-0C10999B1A0C}"/>
+                <a16:creationId xmlns:a16="http://schemas.microsoft.com/office/drawing/2014/main" id="{63A11866-F6CA-8E4A-B84A-EDF0EF478F9E}"/>
               </a:ext>
             </a:extLst>
           </p:cNvPr>
@@ -18326,7 +18331,7 @@
           <a:p>
             <a:r>
               <a:rPr lang="en-US" dirty="0"/>
-              <a:t>Reading Check-in </a:t>
+              <a:t>Quick Practice One</a:t>
             </a:r>
           </a:p>
         </p:txBody>
@@ -18336,7 +18341,7 @@
           <p:cNvPr id="3" name="Text Placeholder 2">
             <a:extLst>
               <a:ext uri="{FF2B5EF4-FFF2-40B4-BE49-F238E27FC236}">
-                <a16:creationId xmlns:a16="http://schemas.microsoft.com/office/drawing/2014/main" id="{B28E42E1-569F-B347-A47A-1501D7874CF8}"/>
+                <a16:creationId xmlns:a16="http://schemas.microsoft.com/office/drawing/2014/main" id="{CFFEA6B1-16B0-644E-9D4D-563305EEA4D8}"/>
               </a:ext>
             </a:extLst>
           </p:cNvPr>
@@ -18350,104 +18355,381 @@
         <p:spPr>
           <a:xfrm>
             <a:off x="628075" y="2487883"/>
-            <a:ext cx="12561453" cy="3412601"/>
+            <a:ext cx="12561453" cy="1453924"/>
           </a:xfrm>
         </p:spPr>
         <p:txBody>
           <a:bodyPr/>
           <a:lstStyle/>
           <a:p>
-            <a:pPr marL="0" indent="0">
-              <a:buNone/>
-            </a:pPr>
+            <a:r>
+              <a:rPr lang="en-US" dirty="0"/>
+              <a:t>As a group, block out / outline what you need to do for the </a:t>
+            </a:r>
             <a:r>
               <a:rPr lang="en-US" b="1" dirty="0"/>
-              <a:t>Which of the following are valid method “signatures”</a:t>
-            </a:r>
-          </a:p>
-          <a:p>
-            <a:pPr>
-              <a:buFont typeface="+mj-lt"/>
-              <a:buAutoNum type="alphaUcPeriod"/>
-            </a:pPr>
+              <a:t>multiplication </a:t>
+            </a:r>
             <a:r>
               <a:rPr lang="en-US" dirty="0"/>
-              <a:t>public double </a:t>
-            </a:r>
-            <a:r>
-              <a:rPr lang="en-US" dirty="0" err="1"/>
-              <a:t>calcArea</a:t>
-            </a:r>
+              <a:t>method.</a:t>
+            </a:r>
+          </a:p>
+          <a:p>
             <a:r>
               <a:rPr lang="en-US" dirty="0"/>
-              <a:t>(double width, double height) {}</a:t>
-            </a:r>
-          </a:p>
-          <a:p>
-            <a:pPr>
-              <a:buFont typeface="+mj-lt"/>
-              <a:buAutoNum type="alphaUcPeriod"/>
-            </a:pPr>
-            <a:r>
+              <a:t>For example:</a:t>
+            </a:r>
+          </a:p>
+          <a:p>
+            <a:endParaRPr lang="en-US" dirty="0"/>
+          </a:p>
+        </p:txBody>
+      </p:sp>
+      <p:sp>
+        <p:nvSpPr>
+          <p:cNvPr id="4" name="TextBox 3">
+            <a:extLst>
+              <a:ext uri="{FF2B5EF4-FFF2-40B4-BE49-F238E27FC236}">
+                <a16:creationId xmlns:a16="http://schemas.microsoft.com/office/drawing/2014/main" id="{C942D972-EB81-F94E-8B57-AB6BAD18B850}"/>
+              </a:ext>
+            </a:extLst>
+          </p:cNvPr>
+          <p:cNvSpPr txBox="1"/>
+          <p:nvPr/>
+        </p:nvSpPr>
+        <p:spPr>
+          <a:xfrm>
+            <a:off x="2128117" y="3599095"/>
+            <a:ext cx="10623421" cy="2246769"/>
+          </a:xfrm>
+          <a:prstGeom prst="rect">
+            <a:avLst/>
+          </a:prstGeom>
+          <a:noFill/>
+        </p:spPr>
+        <p:txBody>
+          <a:bodyPr wrap="none" rtlCol="0">
+            <a:spAutoFit/>
+          </a:bodyPr>
+          <a:lstStyle/>
+          <a:p>
+            <a:r>
+              <a:rPr lang="en-US" dirty="0">
+                <a:latin typeface="Consolas" panose="020B0609020204030204" pitchFamily="49" charset="0"/>
+                <a:cs typeface="Consolas" panose="020B0609020204030204" pitchFamily="49" charset="0"/>
+              </a:rPr>
+              <a:t>// what do I need to work? – values to add, so takes in two parameters</a:t>
+            </a:r>
+          </a:p>
+          <a:p>
+            <a:r>
+              <a:rPr lang="en-US" dirty="0">
+                <a:latin typeface="Consolas" panose="020B0609020204030204" pitchFamily="49" charset="0"/>
+                <a:cs typeface="Consolas" panose="020B0609020204030204" pitchFamily="49" charset="0"/>
+              </a:rPr>
+              <a:t>// what do I need to do? (quest!) Add the two values and return the result</a:t>
+            </a:r>
+          </a:p>
+          <a:p>
+            <a:r>
+              <a:rPr lang="en-US" dirty="0">
+                <a:latin typeface="Consolas" panose="020B0609020204030204" pitchFamily="49" charset="0"/>
+                <a:cs typeface="Consolas" panose="020B0609020204030204" pitchFamily="49" charset="0"/>
+              </a:rPr>
+              <a:t>// what is my return type then? double if my params are double..</a:t>
+            </a:r>
+          </a:p>
+          <a:p>
+            <a:r>
+              <a:rPr lang="en-US" dirty="0">
+                <a:latin typeface="Consolas" panose="020B0609020204030204" pitchFamily="49" charset="0"/>
+                <a:cs typeface="Consolas" panose="020B0609020204030204" pitchFamily="49" charset="0"/>
+              </a:rPr>
+              <a:t>// what else do I know / what else can I work with?</a:t>
+            </a:r>
+            <a:br>
+              <a:rPr lang="en-US" dirty="0">
+                <a:latin typeface="Consolas" panose="020B0609020204030204" pitchFamily="49" charset="0"/>
+                <a:cs typeface="Consolas" panose="020B0609020204030204" pitchFamily="49" charset="0"/>
+              </a:rPr>
+            </a:br>
+            <a:r>
+              <a:rPr lang="en-US" dirty="0">
+                <a:latin typeface="Consolas" panose="020B0609020204030204" pitchFamily="49" charset="0"/>
+                <a:cs typeface="Consolas" panose="020B0609020204030204" pitchFamily="49" charset="0"/>
+              </a:rPr>
+              <a:t>//  ---method is self contained,  no need to add anything else</a:t>
+            </a:r>
+          </a:p>
+          <a:p>
+            <a:r>
+              <a:rPr lang="en-US" dirty="0">
+                <a:latin typeface="Consolas" panose="020B0609020204030204" pitchFamily="49" charset="0"/>
+                <a:cs typeface="Consolas" panose="020B0609020204030204" pitchFamily="49" charset="0"/>
+              </a:rPr>
+              <a:t>//  --- self contained – good place to make it static</a:t>
+            </a:r>
+          </a:p>
+          <a:p>
+            <a:endParaRPr lang="en-US" dirty="0">
+              <a:latin typeface="Consolas" panose="020B0609020204030204" pitchFamily="49" charset="0"/>
+              <a:cs typeface="Consolas" panose="020B0609020204030204" pitchFamily="49" charset="0"/>
+            </a:endParaRPr>
+          </a:p>
+        </p:txBody>
+      </p:sp>
+      <p:sp>
+        <p:nvSpPr>
+          <p:cNvPr id="6" name="TextBox 5">
+            <a:extLst>
+              <a:ext uri="{FF2B5EF4-FFF2-40B4-BE49-F238E27FC236}">
+                <a16:creationId xmlns:a16="http://schemas.microsoft.com/office/drawing/2014/main" id="{0E633542-4261-2845-9C92-F1E1FAC64D55}"/>
+              </a:ext>
+            </a:extLst>
+          </p:cNvPr>
+          <p:cNvSpPr txBox="1"/>
+          <p:nvPr/>
+        </p:nvSpPr>
+        <p:spPr>
+          <a:xfrm>
+            <a:off x="2521132" y="5543702"/>
+            <a:ext cx="8223067" cy="1323439"/>
+          </a:xfrm>
+          <a:prstGeom prst="rect">
+            <a:avLst/>
+          </a:prstGeom>
+          <a:noFill/>
+        </p:spPr>
+        <p:txBody>
+          <a:bodyPr wrap="square">
+            <a:spAutoFit/>
+          </a:bodyPr>
+          <a:lstStyle/>
+          <a:p>
+            <a:r>
+              <a:rPr lang="en-US" dirty="0">
+                <a:solidFill>
+                  <a:srgbClr val="CC7832"/>
+                </a:solidFill>
+                <a:effectLst/>
+                <a:latin typeface="Consolas" panose="020B0609020204030204" pitchFamily="49" charset="0"/>
+                <a:cs typeface="Consolas" panose="020B0609020204030204" pitchFamily="49" charset="0"/>
+              </a:rPr>
+              <a:t>public static double </a:t>
+            </a:r>
+            <a:r>
+              <a:rPr lang="en-US" dirty="0">
+                <a:solidFill>
+                  <a:srgbClr val="FFC66D"/>
+                </a:solidFill>
+                <a:effectLst/>
+                <a:latin typeface="Consolas" panose="020B0609020204030204" pitchFamily="49" charset="0"/>
+                <a:cs typeface="Consolas" panose="020B0609020204030204" pitchFamily="49" charset="0"/>
+              </a:rPr>
+              <a:t>sum</a:t>
+            </a:r>
+            <a:r>
+              <a:rPr lang="en-US" dirty="0">
+                <a:latin typeface="Consolas" panose="020B0609020204030204" pitchFamily="49" charset="0"/>
+                <a:cs typeface="Consolas" panose="020B0609020204030204" pitchFamily="49" charset="0"/>
+              </a:rPr>
+              <a:t>(</a:t>
+            </a:r>
+            <a:r>
+              <a:rPr lang="en-US" dirty="0">
+                <a:solidFill>
+                  <a:srgbClr val="CC7832"/>
+                </a:solidFill>
+                <a:effectLst/>
+                <a:latin typeface="Consolas" panose="020B0609020204030204" pitchFamily="49" charset="0"/>
+                <a:cs typeface="Consolas" panose="020B0609020204030204" pitchFamily="49" charset="0"/>
+              </a:rPr>
+              <a:t>double </a:t>
+            </a:r>
+            <a:r>
+              <a:rPr lang="en-US" i="1" dirty="0">
+                <a:solidFill>
+                  <a:srgbClr val="9876AA"/>
+                </a:solidFill>
+                <a:effectLst/>
+                <a:latin typeface="Consolas" panose="020B0609020204030204" pitchFamily="49" charset="0"/>
+                <a:cs typeface="Consolas" panose="020B0609020204030204" pitchFamily="49" charset="0"/>
+              </a:rPr>
+              <a:t>val1</a:t>
+            </a:r>
+            <a:r>
+              <a:rPr lang="en-US" dirty="0">
+                <a:solidFill>
+                  <a:srgbClr val="CC7832"/>
+                </a:solidFill>
+                <a:effectLst/>
+                <a:latin typeface="Consolas" panose="020B0609020204030204" pitchFamily="49" charset="0"/>
+                <a:cs typeface="Consolas" panose="020B0609020204030204" pitchFamily="49" charset="0"/>
+              </a:rPr>
+              <a:t>, double </a:t>
+            </a:r>
+            <a:r>
+              <a:rPr lang="en-US" i="1" dirty="0">
+                <a:solidFill>
+                  <a:srgbClr val="9876AA"/>
+                </a:solidFill>
+                <a:effectLst/>
+                <a:latin typeface="Consolas" panose="020B0609020204030204" pitchFamily="49" charset="0"/>
+                <a:cs typeface="Consolas" panose="020B0609020204030204" pitchFamily="49" charset="0"/>
+              </a:rPr>
+              <a:t>val2</a:t>
+            </a:r>
+            <a:r>
+              <a:rPr lang="en-US" dirty="0">
+                <a:latin typeface="Consolas" panose="020B0609020204030204" pitchFamily="49" charset="0"/>
+                <a:cs typeface="Consolas" panose="020B0609020204030204" pitchFamily="49" charset="0"/>
+              </a:rPr>
+              <a:t>) {</a:t>
+            </a:r>
+            <a:br>
+              <a:rPr lang="en-US" dirty="0">
+                <a:latin typeface="Consolas" panose="020B0609020204030204" pitchFamily="49" charset="0"/>
+                <a:cs typeface="Consolas" panose="020B0609020204030204" pitchFamily="49" charset="0"/>
+              </a:rPr>
+            </a:br>
+            <a:r>
+              <a:rPr lang="en-US" dirty="0">
+                <a:latin typeface="Consolas" panose="020B0609020204030204" pitchFamily="49" charset="0"/>
+                <a:cs typeface="Consolas" panose="020B0609020204030204" pitchFamily="49" charset="0"/>
+              </a:rPr>
+              <a:t>    </a:t>
+            </a:r>
+            <a:r>
+              <a:rPr lang="en-US" dirty="0">
+                <a:solidFill>
+                  <a:srgbClr val="CC7832"/>
+                </a:solidFill>
+                <a:effectLst/>
+                <a:latin typeface="Consolas" panose="020B0609020204030204" pitchFamily="49" charset="0"/>
+                <a:cs typeface="Consolas" panose="020B0609020204030204" pitchFamily="49" charset="0"/>
+              </a:rPr>
+              <a:t>return </a:t>
+            </a:r>
+            <a:r>
+              <a:rPr lang="en-US" dirty="0">
+                <a:solidFill>
+                  <a:srgbClr val="6897BB"/>
+                </a:solidFill>
+                <a:effectLst/>
+                <a:latin typeface="Consolas" panose="020B0609020204030204" pitchFamily="49" charset="0"/>
+                <a:cs typeface="Consolas" panose="020B0609020204030204" pitchFamily="49" charset="0"/>
+              </a:rPr>
+              <a:t>0</a:t>
+            </a:r>
+            <a:r>
+              <a:rPr lang="en-US" dirty="0">
+                <a:solidFill>
+                  <a:srgbClr val="CC7832"/>
+                </a:solidFill>
+                <a:effectLst/>
+                <a:latin typeface="Consolas" panose="020B0609020204030204" pitchFamily="49" charset="0"/>
+                <a:cs typeface="Consolas" panose="020B0609020204030204" pitchFamily="49" charset="0"/>
+              </a:rPr>
+              <a:t>; </a:t>
+            </a:r>
+            <a:r>
+              <a:rPr lang="en-US" dirty="0">
+                <a:solidFill>
+                  <a:srgbClr val="808080"/>
+                </a:solidFill>
+                <a:effectLst/>
+                <a:latin typeface="Consolas" panose="020B0609020204030204" pitchFamily="49" charset="0"/>
+                <a:cs typeface="Consolas" panose="020B0609020204030204" pitchFamily="49" charset="0"/>
+              </a:rPr>
+              <a:t>// TODO: see comments above</a:t>
+            </a:r>
+            <a:br>
+              <a:rPr lang="en-US" dirty="0">
+                <a:solidFill>
+                  <a:srgbClr val="808080"/>
+                </a:solidFill>
+                <a:effectLst/>
+                <a:latin typeface="Consolas" panose="020B0609020204030204" pitchFamily="49" charset="0"/>
+                <a:cs typeface="Consolas" panose="020B0609020204030204" pitchFamily="49" charset="0"/>
+              </a:rPr>
+            </a:br>
+            <a:r>
+              <a:rPr lang="en-US" dirty="0">
+                <a:latin typeface="Consolas" panose="020B0609020204030204" pitchFamily="49" charset="0"/>
+                <a:cs typeface="Consolas" panose="020B0609020204030204" pitchFamily="49" charset="0"/>
+              </a:rPr>
+              <a:t>}</a:t>
+            </a:r>
+            <a:br>
               <a:rPr lang="en-US" dirty="0"/>
-              <a:t>Public static </a:t>
-            </a:r>
-            <a:r>
-              <a:rPr lang="en-US" dirty="0" err="1"/>
-              <a:t>my_method</a:t>
-            </a:r>
-            <a:r>
-              <a:rPr lang="en-US" dirty="0"/>
-              <a:t>(int x, boolean y) {}</a:t>
-            </a:r>
-          </a:p>
-          <a:p>
-            <a:pPr>
-              <a:buFont typeface="+mj-lt"/>
-              <a:buAutoNum type="alphaUcPeriod"/>
-            </a:pPr>
-            <a:r>
-              <a:rPr lang="en-US" dirty="0"/>
-              <a:t>public static void main(String </a:t>
-            </a:r>
-            <a:r>
-              <a:rPr lang="en-US" dirty="0" err="1"/>
-              <a:t>args</a:t>
-            </a:r>
-            <a:r>
-              <a:rPr lang="en-US" dirty="0"/>
-              <a:t>[]); </a:t>
-            </a:r>
-          </a:p>
-          <a:p>
-            <a:pPr>
-              <a:buFont typeface="+mj-lt"/>
-              <a:buAutoNum type="alphaUcPeriod"/>
-            </a:pPr>
-            <a:r>
-              <a:rPr lang="en-US" dirty="0"/>
-              <a:t> All listed</a:t>
-            </a:r>
-          </a:p>
-          <a:p>
-            <a:pPr>
-              <a:buFont typeface="+mj-lt"/>
-              <a:buAutoNum type="alphaUcPeriod"/>
-            </a:pPr>
-            <a:r>
-              <a:rPr lang="en-US" dirty="0"/>
-              <a:t> None listed </a:t>
-            </a:r>
-          </a:p>
-          <a:p>
+            </a:br>
             <a:endParaRPr lang="en-US" dirty="0"/>
+          </a:p>
+        </p:txBody>
+      </p:sp>
+      <p:sp>
+        <p:nvSpPr>
+          <p:cNvPr id="8" name="Left Arrow 7">
+            <a:extLst>
+              <a:ext uri="{FF2B5EF4-FFF2-40B4-BE49-F238E27FC236}">
+                <a16:creationId xmlns:a16="http://schemas.microsoft.com/office/drawing/2014/main" id="{40F5B08E-E543-6D4D-A32B-A7C7DC8CF326}"/>
+              </a:ext>
+            </a:extLst>
+          </p:cNvPr>
+          <p:cNvSpPr/>
+          <p:nvPr/>
+        </p:nvSpPr>
+        <p:spPr>
+          <a:xfrm rot="625571">
+            <a:off x="9897815" y="6153640"/>
+            <a:ext cx="3713171" cy="818848"/>
+          </a:xfrm>
+          <a:prstGeom prst="leftArrow">
+            <a:avLst/>
+          </a:prstGeom>
+          <a:solidFill>
+            <a:schemeClr val="tx2"/>
+          </a:solidFill>
+          <a:ln>
+            <a:noFill/>
+          </a:ln>
+          <a:effectLst/>
+        </p:spPr>
+        <p:style>
+          <a:lnRef idx="1">
+            <a:schemeClr val="accent1"/>
+          </a:lnRef>
+          <a:fillRef idx="3">
+            <a:schemeClr val="accent1"/>
+          </a:fillRef>
+          <a:effectRef idx="2">
+            <a:schemeClr val="accent1"/>
+          </a:effectRef>
+          <a:fontRef idx="minor">
+            <a:schemeClr val="lt1"/>
+          </a:fontRef>
+        </p:style>
+        <p:txBody>
+          <a:bodyPr lIns="274320" tIns="182880" rIns="274320" bIns="182880" rtlCol="0" anchor="ctr"/>
+          <a:lstStyle/>
+          <a:p>
+            <a:pPr algn="ctr"/>
+            <a:r>
+              <a:rPr lang="en-US" dirty="0">
+                <a:solidFill>
+                  <a:schemeClr val="bg1"/>
+                </a:solidFill>
+              </a:rPr>
+              <a:t>Called a method stub!</a:t>
+            </a:r>
           </a:p>
         </p:txBody>
       </p:sp>
     </p:spTree>
     <p:extLst>
       <p:ext uri="{BB962C8B-B14F-4D97-AF65-F5344CB8AC3E}">
-        <p14:creationId xmlns:p14="http://schemas.microsoft.com/office/powerpoint/2010/main" val="547128411"/>
+        <p14:creationId xmlns:p14="http://schemas.microsoft.com/office/powerpoint/2010/main" val="3150544655"/>
       </p:ext>
     </p:extLst>
   </p:cSld>
@@ -18466,81 +18748,6 @@
       </p:transition>
     </mc:Fallback>
   </mc:AlternateContent>
-  <p:timing>
-    <p:tnLst>
-      <p:par>
-        <p:cTn id="1" dur="indefinite" restart="never" nodeType="tmRoot">
-          <p:childTnLst>
-            <p:seq concurrent="1" nextAc="seek">
-              <p:cTn id="2" dur="indefinite" nodeType="mainSeq">
-                <p:childTnLst>
-                  <p:par>
-                    <p:cTn id="3" fill="hold">
-                      <p:stCondLst>
-                        <p:cond delay="indefinite"/>
-                      </p:stCondLst>
-                      <p:childTnLst>
-                        <p:par>
-                          <p:cTn id="4" fill="hold">
-                            <p:stCondLst>
-                              <p:cond delay="0"/>
-                            </p:stCondLst>
-                            <p:childTnLst>
-                              <p:par>
-                                <p:cTn id="5" presetID="3" presetClass="emph" presetSubtype="2" fill="hold" nodeType="clickEffect">
-                                  <p:stCondLst>
-                                    <p:cond delay="0"/>
-                                  </p:stCondLst>
-                                  <p:childTnLst>
-                                    <p:animClr clrSpc="rgb" dir="cw">
-                                      <p:cBhvr override="childStyle">
-                                        <p:cTn id="6" dur="2000" fill="hold"/>
-                                        <p:tgtEl>
-                                          <p:spTgt spid="3">
-                                            <p:txEl>
-                                              <p:pRg st="1" end="1"/>
-                                            </p:txEl>
-                                          </p:spTgt>
-                                        </p:tgtEl>
-                                        <p:attrNameLst>
-                                          <p:attrName>style.color</p:attrName>
-                                        </p:attrNameLst>
-                                      </p:cBhvr>
-                                      <p:to>
-                                        <a:schemeClr val="accent1"/>
-                                      </p:to>
-                                    </p:animClr>
-                                  </p:childTnLst>
-                                </p:cTn>
-                              </p:par>
-                            </p:childTnLst>
-                          </p:cTn>
-                        </p:par>
-                      </p:childTnLst>
-                    </p:cTn>
-                  </p:par>
-                </p:childTnLst>
-              </p:cTn>
-              <p:prevCondLst>
-                <p:cond evt="onPrev" delay="0">
-                  <p:tgtEl>
-                    <p:sldTgt/>
-                  </p:tgtEl>
-                </p:cond>
-              </p:prevCondLst>
-              <p:nextCondLst>
-                <p:cond evt="onNext" delay="0">
-                  <p:tgtEl>
-                    <p:sldTgt/>
-                  </p:tgtEl>
-                </p:cond>
-              </p:nextCondLst>
-            </p:seq>
-          </p:childTnLst>
-        </p:cTn>
-      </p:par>
-    </p:tnLst>
-  </p:timing>
 </p:sld>
 </file>
 

--- a/slides/On-Campus/02_02_ObjectsMethods.pptx
+++ b/slides/On-Campus/02_02_ObjectsMethods.pptx
@@ -241,7 +241,7 @@
           <a:p>
             <a:fld id="{4D7E51A5-B478-1E40-8CBB-0DAA8831E99D}" type="datetimeFigureOut">
               <a:rPr lang="en-US" smtClean="0"/>
-              <a:t>1/25/2022</a:t>
+              <a:t>1/26/22</a:t>
             </a:fld>
             <a:endParaRPr lang="en-US"/>
           </a:p>
@@ -406,7 +406,7 @@
           <a:p>
             <a:fld id="{D0ED587F-861E-6740-9643-E3DDAE89B8D6}" type="datetimeFigureOut">
               <a:rPr lang="en-US" smtClean="0"/>
-              <a:t>1/25/2022</a:t>
+              <a:t>1/25/22</a:t>
             </a:fld>
             <a:endParaRPr lang="en-US"/>
           </a:p>
@@ -8163,7 +8163,7 @@
               <a:t> = </a:t>
             </a:r>
             <a:r>
-              <a:rPr lang="en-US" b="0" dirty="0">
+              <a:rPr lang="en-US" b="0">
                 <a:solidFill>
                   <a:srgbClr val="001080"/>
                 </a:solidFill>
@@ -8173,14 +8173,14 @@
               <a:t>value1</a:t>
             </a:r>
             <a:r>
-              <a:rPr lang="en-US" b="0" dirty="0">
+              <a:rPr lang="en-US" b="0">
                 <a:solidFill>
                   <a:srgbClr val="000000"/>
                 </a:solidFill>
                 <a:effectLst/>
                 <a:latin typeface="Consolas" panose="020B0609020204030204" pitchFamily="49" charset="0"/>
               </a:rPr>
-              <a:t> / </a:t>
+              <a:t> % </a:t>
             </a:r>
             <a:r>
               <a:rPr lang="en-US" b="0" dirty="0">
@@ -16963,13 +16963,13 @@
   <p:clrMapOvr>
     <a:masterClrMapping/>
   </p:clrMapOvr>
-  <mc:AlternateContent xmlns:mc="http://schemas.openxmlformats.org/markup-compatibility/2006">
-    <mc:Choice xmlns:p14="http://schemas.microsoft.com/office/powerpoint/2010/main" Requires="p14">
+  <mc:AlternateContent xmlns:mc="http://schemas.openxmlformats.org/markup-compatibility/2006" xmlns:p14="http://schemas.microsoft.com/office/powerpoint/2010/main">
+    <mc:Choice Requires="p14">
       <p:transition p14:dur="300">
         <p:fade/>
       </p:transition>
     </mc:Choice>
-    <mc:Fallback>
+    <mc:Fallback xmlns="">
       <p:transition>
         <p:fade/>
       </p:transition>
@@ -18455,13 +18455,13 @@
   <p:clrMapOvr>
     <a:masterClrMapping/>
   </p:clrMapOvr>
-  <mc:AlternateContent xmlns:mc="http://schemas.openxmlformats.org/markup-compatibility/2006">
-    <mc:Choice xmlns:p14="http://schemas.microsoft.com/office/powerpoint/2010/main" Requires="p14">
+  <mc:AlternateContent xmlns:mc="http://schemas.openxmlformats.org/markup-compatibility/2006" xmlns:p14="http://schemas.microsoft.com/office/powerpoint/2010/main">
+    <mc:Choice Requires="p14">
       <p:transition p14:dur="300">
         <p:fade/>
       </p:transition>
     </mc:Choice>
-    <mc:Fallback>
+    <mc:Fallback xmlns="">
       <p:transition>
         <p:fade/>
       </p:transition>
@@ -19035,13 +19035,13 @@
   <p:clrMapOvr>
     <a:masterClrMapping/>
   </p:clrMapOvr>
-  <mc:AlternateContent xmlns:mc="http://schemas.openxmlformats.org/markup-compatibility/2006">
-    <mc:Choice xmlns:p14="http://schemas.microsoft.com/office/powerpoint/2010/main" Requires="p14">
+  <mc:AlternateContent xmlns:mc="http://schemas.openxmlformats.org/markup-compatibility/2006" xmlns:p14="http://schemas.microsoft.com/office/powerpoint/2010/main">
+    <mc:Choice Requires="p14">
       <p:transition p14:dur="300">
         <p:fade/>
       </p:transition>
     </mc:Choice>
-    <mc:Fallback>
+    <mc:Fallback xmlns="">
       <p:transition>
         <p:fade/>
       </p:transition>
@@ -19653,13 +19653,13 @@
   <p:clrMapOvr>
     <a:masterClrMapping/>
   </p:clrMapOvr>
-  <mc:AlternateContent xmlns:mc="http://schemas.openxmlformats.org/markup-compatibility/2006">
-    <mc:Choice xmlns:p14="http://schemas.microsoft.com/office/powerpoint/2010/main" Requires="p14">
+  <mc:AlternateContent xmlns:mc="http://schemas.openxmlformats.org/markup-compatibility/2006" xmlns:p14="http://schemas.microsoft.com/office/powerpoint/2010/main">
+    <mc:Choice Requires="p14">
       <p:transition p14:dur="300">
         <p:fade/>
       </p:transition>
     </mc:Choice>
-    <mc:Fallback>
+    <mc:Fallback xmlns="">
       <p:transition>
         <p:fade/>
       </p:transition>
@@ -19841,13 +19841,13 @@
   <p:clrMapOvr>
     <a:masterClrMapping/>
   </p:clrMapOvr>
-  <mc:AlternateContent xmlns:mc="http://schemas.openxmlformats.org/markup-compatibility/2006">
-    <mc:Choice xmlns:p14="http://schemas.microsoft.com/office/powerpoint/2010/main" Requires="p14">
+  <mc:AlternateContent xmlns:mc="http://schemas.openxmlformats.org/markup-compatibility/2006" xmlns:p14="http://schemas.microsoft.com/office/powerpoint/2010/main">
+    <mc:Choice Requires="p14">
       <p:transition p14:dur="300">
         <p:fade/>
       </p:transition>
     </mc:Choice>
-    <mc:Fallback>
+    <mc:Fallback xmlns="">
       <p:transition>
         <p:fade/>
       </p:transition>
@@ -20195,13 +20195,13 @@
   <p:clrMapOvr>
     <a:masterClrMapping/>
   </p:clrMapOvr>
-  <mc:AlternateContent xmlns:mc="http://schemas.openxmlformats.org/markup-compatibility/2006">
-    <mc:Choice xmlns:p14="http://schemas.microsoft.com/office/powerpoint/2010/main" Requires="p14">
+  <mc:AlternateContent xmlns:mc="http://schemas.openxmlformats.org/markup-compatibility/2006" xmlns:p14="http://schemas.microsoft.com/office/powerpoint/2010/main">
+    <mc:Choice Requires="p14">
       <p:transition p14:dur="300">
         <p:fade/>
       </p:transition>
     </mc:Choice>
-    <mc:Fallback>
+    <mc:Fallback xmlns="">
       <p:transition>
         <p:fade/>
       </p:transition>
@@ -20826,13 +20826,13 @@
   <p:clrMapOvr>
     <a:masterClrMapping/>
   </p:clrMapOvr>
-  <mc:AlternateContent xmlns:mc="http://schemas.openxmlformats.org/markup-compatibility/2006">
-    <mc:Choice xmlns:p14="http://schemas.microsoft.com/office/powerpoint/2010/main" Requires="p14">
+  <mc:AlternateContent xmlns:mc="http://schemas.openxmlformats.org/markup-compatibility/2006" xmlns:p14="http://schemas.microsoft.com/office/powerpoint/2010/main">
+    <mc:Choice Requires="p14">
       <p:transition p14:dur="300">
         <p:fade/>
       </p:transition>
     </mc:Choice>
-    <mc:Fallback>
+    <mc:Fallback xmlns="">
       <p:transition>
         <p:fade/>
       </p:transition>
@@ -22220,13 +22220,13 @@
   <p:clrMapOvr>
     <a:masterClrMapping/>
   </p:clrMapOvr>
-  <mc:AlternateContent xmlns:mc="http://schemas.openxmlformats.org/markup-compatibility/2006">
-    <mc:Choice xmlns:p14="http://schemas.microsoft.com/office/powerpoint/2010/main" Requires="p14">
+  <mc:AlternateContent xmlns:mc="http://schemas.openxmlformats.org/markup-compatibility/2006" xmlns:p14="http://schemas.microsoft.com/office/powerpoint/2010/main">
+    <mc:Choice Requires="p14">
       <p:transition p14:dur="300">
         <p:fade/>
       </p:transition>
     </mc:Choice>
-    <mc:Fallback>
+    <mc:Fallback xmlns="">
       <p:transition>
         <p:fade/>
       </p:transition>
@@ -23646,13 +23646,13 @@
   <p:clrMapOvr>
     <a:masterClrMapping/>
   </p:clrMapOvr>
-  <mc:AlternateContent xmlns:mc="http://schemas.openxmlformats.org/markup-compatibility/2006">
-    <mc:Choice xmlns:p14="http://schemas.microsoft.com/office/powerpoint/2010/main" Requires="p14">
+  <mc:AlternateContent xmlns:mc="http://schemas.openxmlformats.org/markup-compatibility/2006" xmlns:p14="http://schemas.microsoft.com/office/powerpoint/2010/main">
+    <mc:Choice Requires="p14">
       <p:transition p14:dur="300">
         <p:fade/>
       </p:transition>
     </mc:Choice>
-    <mc:Fallback>
+    <mc:Fallback xmlns="">
       <p:transition>
         <p:fade/>
       </p:transition>
@@ -24007,13 +24007,13 @@
   <p:clrMapOvr>
     <a:masterClrMapping/>
   </p:clrMapOvr>
-  <mc:AlternateContent xmlns:mc="http://schemas.openxmlformats.org/markup-compatibility/2006">
-    <mc:Choice xmlns:p14="http://schemas.microsoft.com/office/powerpoint/2010/main" Requires="p14">
+  <mc:AlternateContent xmlns:mc="http://schemas.openxmlformats.org/markup-compatibility/2006" xmlns:p14="http://schemas.microsoft.com/office/powerpoint/2010/main">
+    <mc:Choice Requires="p14">
       <p:transition p14:dur="300">
         <p:fade/>
       </p:transition>
     </mc:Choice>
-    <mc:Fallback>
+    <mc:Fallback xmlns="">
       <p:transition>
         <p:fade/>
       </p:transition>
@@ -25083,13 +25083,13 @@
   <p:clrMapOvr>
     <a:masterClrMapping/>
   </p:clrMapOvr>
-  <mc:AlternateContent xmlns:mc="http://schemas.openxmlformats.org/markup-compatibility/2006">
-    <mc:Choice xmlns:p14="http://schemas.microsoft.com/office/powerpoint/2010/main" Requires="p14">
+  <mc:AlternateContent xmlns:mc="http://schemas.openxmlformats.org/markup-compatibility/2006" xmlns:p14="http://schemas.microsoft.com/office/powerpoint/2010/main">
+    <mc:Choice Requires="p14">
       <p:transition p14:dur="300">
         <p:fade/>
       </p:transition>
     </mc:Choice>
-    <mc:Fallback>
+    <mc:Fallback xmlns="">
       <p:transition>
         <p:fade/>
       </p:transition>
@@ -29513,13 +29513,13 @@
   <p:clrMapOvr>
     <a:masterClrMapping/>
   </p:clrMapOvr>
-  <mc:AlternateContent xmlns:mc="http://schemas.openxmlformats.org/markup-compatibility/2006">
-    <mc:Choice xmlns:p14="http://schemas.microsoft.com/office/powerpoint/2010/main" Requires="p14">
+  <mc:AlternateContent xmlns:mc="http://schemas.openxmlformats.org/markup-compatibility/2006" xmlns:p14="http://schemas.microsoft.com/office/powerpoint/2010/main">
+    <mc:Choice Requires="p14">
       <p:transition p14:dur="300">
         <p:fade/>
       </p:transition>
     </mc:Choice>
-    <mc:Fallback>
+    <mc:Fallback xmlns="">
       <p:transition>
         <p:fade/>
       </p:transition>
@@ -30144,13 +30144,13 @@
   <p:clrMapOvr>
     <a:masterClrMapping/>
   </p:clrMapOvr>
-  <mc:AlternateContent xmlns:mc="http://schemas.openxmlformats.org/markup-compatibility/2006">
-    <mc:Choice xmlns:p14="http://schemas.microsoft.com/office/powerpoint/2010/main" Requires="p14">
+  <mc:AlternateContent xmlns:mc="http://schemas.openxmlformats.org/markup-compatibility/2006" xmlns:p14="http://schemas.microsoft.com/office/powerpoint/2010/main">
+    <mc:Choice Requires="p14">
       <p:transition p14:dur="300">
         <p:fade/>
       </p:transition>
     </mc:Choice>
-    <mc:Fallback>
+    <mc:Fallback xmlns="">
       <p:transition>
         <p:fade/>
       </p:transition>

--- a/slides/On-Campus/02_02_ObjectsMethods.pptx
+++ b/slides/On-Campus/02_02_ObjectsMethods.pptx
@@ -159,6 +159,35 @@
 </p:presentation>
 </file>
 
+<file path=ppt/changesInfos/changesInfo1.xml><?xml version="1.0" encoding="utf-8"?>
+<pc:chgInfo xmlns:a="http://schemas.openxmlformats.org/drawingml/2006/main" xmlns:r="http://schemas.openxmlformats.org/officeDocument/2006/relationships" xmlns:ac="http://schemas.microsoft.com/office/drawing/2013/main/command" xmlns:pc="http://schemas.microsoft.com/office/powerpoint/2013/main/command">
+  <pc:docChgLst>
+    <pc:chgData name="Moraes,Marcia" userId="c9c67e8a-58e2-4733-9a1c-5d44fec4775b" providerId="ADAL" clId="{5E738101-1AEB-479F-AB0B-B65888F01BDC}"/>
+    <pc:docChg chg="custSel modSld">
+      <pc:chgData name="Moraes,Marcia" userId="c9c67e8a-58e2-4733-9a1c-5d44fec4775b" providerId="ADAL" clId="{5E738101-1AEB-479F-AB0B-B65888F01BDC}" dt="2022-08-19T01:42:11.971" v="0" actId="478"/>
+      <pc:docMkLst>
+        <pc:docMk/>
+      </pc:docMkLst>
+      <pc:sldChg chg="delSp mod">
+        <pc:chgData name="Moraes,Marcia" userId="c9c67e8a-58e2-4733-9a1c-5d44fec4775b" providerId="ADAL" clId="{5E738101-1AEB-479F-AB0B-B65888F01BDC}" dt="2022-08-19T01:42:11.971" v="0" actId="478"/>
+        <pc:sldMkLst>
+          <pc:docMk/>
+          <pc:sldMk cId="2801241116" sldId="270"/>
+        </pc:sldMkLst>
+        <pc:spChg chg="del">
+          <ac:chgData name="Moraes,Marcia" userId="c9c67e8a-58e2-4733-9a1c-5d44fec4775b" providerId="ADAL" clId="{5E738101-1AEB-479F-AB0B-B65888F01BDC}" dt="2022-08-19T01:42:11.971" v="0" actId="478"/>
+          <ac:spMkLst>
+            <pc:docMk/>
+            <pc:sldMk cId="2801241116" sldId="270"/>
+            <ac:spMk id="9" creationId="{0AE4994E-F0C4-1A4D-A400-16F3B108C434}"/>
+          </ac:spMkLst>
+        </pc:spChg>
+      </pc:sldChg>
+    </pc:docChg>
+  </pc:docChgLst>
+</pc:chgInfo>
+</file>
+
 <file path=ppt/handoutMasters/handoutMaster1.xml><?xml version="1.0" encoding="utf-8"?>
 <p:handoutMaster xmlns:a="http://schemas.openxmlformats.org/drawingml/2006/main" xmlns:r="http://schemas.openxmlformats.org/officeDocument/2006/relationships" xmlns:p="http://schemas.openxmlformats.org/presentationml/2006/main">
   <p:cSld>
@@ -241,7 +270,7 @@
           <a:p>
             <a:fld id="{4D7E51A5-B478-1E40-8CBB-0DAA8831E99D}" type="datetimeFigureOut">
               <a:rPr lang="en-US" smtClean="0"/>
-              <a:t>1/26/22</a:t>
+              <a:t>8/18/2022</a:t>
             </a:fld>
             <a:endParaRPr lang="en-US"/>
           </a:p>
@@ -406,7 +435,7 @@
           <a:p>
             <a:fld id="{D0ED587F-861E-6740-9643-E3DDAE89B8D6}" type="datetimeFigureOut">
               <a:rPr lang="en-US" smtClean="0"/>
-              <a:t>1/25/22</a:t>
+              <a:t>8/18/2022</a:t>
             </a:fld>
             <a:endParaRPr lang="en-US"/>
           </a:p>
@@ -16400,50 +16429,6 @@
             <a:r>
               <a:rPr lang="en-US" dirty="0"/>
               <a:t>Lab projects start!</a:t>
-            </a:r>
-          </a:p>
-        </p:txBody>
-      </p:sp>
-      <p:sp>
-        <p:nvSpPr>
-          <p:cNvPr id="9" name="TextBox 8">
-            <a:extLst>
-              <a:ext uri="{FF2B5EF4-FFF2-40B4-BE49-F238E27FC236}">
-                <a16:creationId xmlns:a16="http://schemas.microsoft.com/office/drawing/2014/main" id="{0AE4994E-F0C4-1A4D-A400-16F3B108C434}"/>
-              </a:ext>
-            </a:extLst>
-          </p:cNvPr>
-          <p:cNvSpPr txBox="1"/>
-          <p:nvPr/>
-        </p:nvSpPr>
-        <p:spPr>
-          <a:xfrm>
-            <a:off x="10486045" y="3026858"/>
-            <a:ext cx="3207922" cy="1631216"/>
-          </a:xfrm>
-          <a:prstGeom prst="rect">
-            <a:avLst/>
-          </a:prstGeom>
-          <a:noFill/>
-        </p:spPr>
-        <p:txBody>
-          <a:bodyPr wrap="square" rtlCol="0">
-            <a:spAutoFit/>
-          </a:bodyPr>
-          <a:lstStyle/>
-          <a:p>
-            <a:r>
-              <a:rPr lang="en-US" dirty="0"/>
-              <a:t>ACM and ACM-W this Week</a:t>
-            </a:r>
-          </a:p>
-          <a:p>
-            <a:endParaRPr lang="en-US" dirty="0"/>
-          </a:p>
-          <a:p>
-            <a:r>
-              <a:rPr lang="en-US" dirty="0"/>
-              <a:t>Wednesday, Boardgame Night, 6:30 PM, CSB 130</a:t>
             </a:r>
           </a:p>
         </p:txBody>

--- a/slides/On-Campus/02_02_ObjectsMethods.pptx
+++ b/slides/On-Campus/02_02_ObjectsMethods.pptx
@@ -2,43 +2,43 @@
 <file path=ppt/presentation.xml><?xml version="1.0" encoding="utf-8"?>
 <p:presentation xmlns:a="http://schemas.openxmlformats.org/drawingml/2006/main" xmlns:r="http://schemas.openxmlformats.org/officeDocument/2006/relationships" xmlns:p="http://schemas.openxmlformats.org/presentationml/2006/main" saveSubsetFonts="1" autoCompressPictures="0">
   <p:sldMasterIdLst>
-    <p:sldMasterId id="2147483648" r:id="rId1"/>
+    <p:sldMasterId id="2147483648" r:id="rId4"/>
   </p:sldMasterIdLst>
   <p:notesMasterIdLst>
-    <p:notesMasterId r:id="rId30"/>
+    <p:notesMasterId r:id="rId33"/>
   </p:notesMasterIdLst>
   <p:handoutMasterIdLst>
-    <p:handoutMasterId r:id="rId31"/>
+    <p:handoutMasterId r:id="rId34"/>
   </p:handoutMasterIdLst>
   <p:sldIdLst>
-    <p:sldId id="256" r:id="rId2"/>
-    <p:sldId id="270" r:id="rId3"/>
-    <p:sldId id="281" r:id="rId4"/>
-    <p:sldId id="261" r:id="rId5"/>
-    <p:sldId id="277" r:id="rId6"/>
-    <p:sldId id="272" r:id="rId7"/>
-    <p:sldId id="278" r:id="rId8"/>
-    <p:sldId id="279" r:id="rId9"/>
-    <p:sldId id="280" r:id="rId10"/>
-    <p:sldId id="276" r:id="rId11"/>
-    <p:sldId id="288" r:id="rId12"/>
-    <p:sldId id="286" r:id="rId13"/>
-    <p:sldId id="282" r:id="rId14"/>
-    <p:sldId id="259" r:id="rId15"/>
-    <p:sldId id="283" r:id="rId16"/>
-    <p:sldId id="284" r:id="rId17"/>
-    <p:sldId id="285" r:id="rId18"/>
-    <p:sldId id="267" r:id="rId19"/>
-    <p:sldId id="287" r:id="rId20"/>
-    <p:sldId id="258" r:id="rId21"/>
-    <p:sldId id="273" r:id="rId22"/>
-    <p:sldId id="269" r:id="rId23"/>
-    <p:sldId id="262" r:id="rId24"/>
-    <p:sldId id="263" r:id="rId25"/>
-    <p:sldId id="264" r:id="rId26"/>
-    <p:sldId id="265" r:id="rId27"/>
-    <p:sldId id="274" r:id="rId28"/>
-    <p:sldId id="275" r:id="rId29"/>
+    <p:sldId id="256" r:id="rId5"/>
+    <p:sldId id="270" r:id="rId6"/>
+    <p:sldId id="281" r:id="rId7"/>
+    <p:sldId id="261" r:id="rId8"/>
+    <p:sldId id="277" r:id="rId9"/>
+    <p:sldId id="272" r:id="rId10"/>
+    <p:sldId id="278" r:id="rId11"/>
+    <p:sldId id="279" r:id="rId12"/>
+    <p:sldId id="280" r:id="rId13"/>
+    <p:sldId id="276" r:id="rId14"/>
+    <p:sldId id="288" r:id="rId15"/>
+    <p:sldId id="286" r:id="rId16"/>
+    <p:sldId id="282" r:id="rId17"/>
+    <p:sldId id="259" r:id="rId18"/>
+    <p:sldId id="283" r:id="rId19"/>
+    <p:sldId id="284" r:id="rId20"/>
+    <p:sldId id="285" r:id="rId21"/>
+    <p:sldId id="267" r:id="rId22"/>
+    <p:sldId id="287" r:id="rId23"/>
+    <p:sldId id="258" r:id="rId24"/>
+    <p:sldId id="273" r:id="rId25"/>
+    <p:sldId id="269" r:id="rId26"/>
+    <p:sldId id="262" r:id="rId27"/>
+    <p:sldId id="263" r:id="rId28"/>
+    <p:sldId id="264" r:id="rId29"/>
+    <p:sldId id="265" r:id="rId30"/>
+    <p:sldId id="274" r:id="rId31"/>
+    <p:sldId id="275" r:id="rId32"/>
   </p:sldIdLst>
   <p:sldSz cx="13817600" cy="7772400"/>
   <p:notesSz cx="6858000" cy="9144000"/>
@@ -162,24 +162,63 @@
 <file path=ppt/changesInfos/changesInfo1.xml><?xml version="1.0" encoding="utf-8"?>
 <pc:chgInfo xmlns:a="http://schemas.openxmlformats.org/drawingml/2006/main" xmlns:r="http://schemas.openxmlformats.org/officeDocument/2006/relationships" xmlns:ac="http://schemas.microsoft.com/office/drawing/2013/main/command" xmlns:pc="http://schemas.microsoft.com/office/powerpoint/2013/main/command">
   <pc:docChgLst>
-    <pc:chgData name="Moraes,Marcia" userId="c9c67e8a-58e2-4733-9a1c-5d44fec4775b" providerId="ADAL" clId="{5E738101-1AEB-479F-AB0B-B65888F01BDC}"/>
-    <pc:docChg chg="custSel modSld">
-      <pc:chgData name="Moraes,Marcia" userId="c9c67e8a-58e2-4733-9a1c-5d44fec4775b" providerId="ADAL" clId="{5E738101-1AEB-479F-AB0B-B65888F01BDC}" dt="2022-08-19T01:42:11.971" v="0" actId="478"/>
+    <pc:chgData name="Moraes,Marcia" userId="c9c67e8a-58e2-4733-9a1c-5d44fec4775b" providerId="ADAL" clId="{5BF15D97-989D-4BFA-BBD8-7CF46831C67E}"/>
+    <pc:docChg chg="undo custSel modSld">
+      <pc:chgData name="Moraes,Marcia" userId="c9c67e8a-58e2-4733-9a1c-5d44fec4775b" providerId="ADAL" clId="{5BF15D97-989D-4BFA-BBD8-7CF46831C67E}" dt="2023-01-25T04:15:06.286" v="219" actId="20577"/>
       <pc:docMkLst>
         <pc:docMk/>
       </pc:docMkLst>
-      <pc:sldChg chg="delSp mod">
-        <pc:chgData name="Moraes,Marcia" userId="c9c67e8a-58e2-4733-9a1c-5d44fec4775b" providerId="ADAL" clId="{5E738101-1AEB-479F-AB0B-B65888F01BDC}" dt="2022-08-19T01:42:11.971" v="0" actId="478"/>
+      <pc:sldChg chg="addSp delSp modSp">
+        <pc:chgData name="Moraes,Marcia" userId="c9c67e8a-58e2-4733-9a1c-5d44fec4775b" providerId="ADAL" clId="{5BF15D97-989D-4BFA-BBD8-7CF46831C67E}" dt="2023-01-25T04:08:13.644" v="10" actId="1076"/>
         <pc:sldMkLst>
           <pc:docMk/>
           <pc:sldMk cId="2801241116" sldId="270"/>
         </pc:sldMkLst>
         <pc:spChg chg="del">
-          <ac:chgData name="Moraes,Marcia" userId="c9c67e8a-58e2-4733-9a1c-5d44fec4775b" providerId="ADAL" clId="{5E738101-1AEB-479F-AB0B-B65888F01BDC}" dt="2022-08-19T01:42:11.971" v="0" actId="478"/>
+          <ac:chgData name="Moraes,Marcia" userId="c9c67e8a-58e2-4733-9a1c-5d44fec4775b" providerId="ADAL" clId="{5BF15D97-989D-4BFA-BBD8-7CF46831C67E}" dt="2023-01-25T04:07:12.849" v="0" actId="478"/>
           <ac:spMkLst>
             <pc:docMk/>
             <pc:sldMk cId="2801241116" sldId="270"/>
-            <ac:spMk id="9" creationId="{0AE4994E-F0C4-1A4D-A400-16F3B108C434}"/>
+            <ac:spMk id="2" creationId="{34DE5FA6-C9AA-7249-905D-C0AC1FB3A833}"/>
+          </ac:spMkLst>
+        </pc:spChg>
+        <pc:spChg chg="mod">
+          <ac:chgData name="Moraes,Marcia" userId="c9c67e8a-58e2-4733-9a1c-5d44fec4775b" providerId="ADAL" clId="{5BF15D97-989D-4BFA-BBD8-7CF46831C67E}" dt="2023-01-25T04:07:18.699" v="1" actId="1076"/>
+          <ac:spMkLst>
+            <pc:docMk/>
+            <pc:sldMk cId="2801241116" sldId="270"/>
+            <ac:spMk id="8" creationId="{32A3B87A-BBC0-704B-AC99-3984206450D5}"/>
+          </ac:spMkLst>
+        </pc:spChg>
+        <pc:picChg chg="add mod">
+          <ac:chgData name="Moraes,Marcia" userId="c9c67e8a-58e2-4733-9a1c-5d44fec4775b" providerId="ADAL" clId="{5BF15D97-989D-4BFA-BBD8-7CF46831C67E}" dt="2023-01-25T04:08:13.644" v="10" actId="1076"/>
+          <ac:picMkLst>
+            <pc:docMk/>
+            <pc:sldMk cId="2801241116" sldId="270"/>
+            <ac:picMk id="6" creationId="{78AB117A-8DE4-46DC-AABE-4D86F0438A12}"/>
+          </ac:picMkLst>
+        </pc:picChg>
+      </pc:sldChg>
+      <pc:sldChg chg="modSp">
+        <pc:chgData name="Moraes,Marcia" userId="c9c67e8a-58e2-4733-9a1c-5d44fec4775b" providerId="ADAL" clId="{5BF15D97-989D-4BFA-BBD8-7CF46831C67E}" dt="2023-01-25T04:15:06.286" v="219" actId="20577"/>
+        <pc:sldMkLst>
+          <pc:docMk/>
+          <pc:sldMk cId="2036011319" sldId="281"/>
+        </pc:sldMkLst>
+        <pc:spChg chg="mod">
+          <ac:chgData name="Moraes,Marcia" userId="c9c67e8a-58e2-4733-9a1c-5d44fec4775b" providerId="ADAL" clId="{5BF15D97-989D-4BFA-BBD8-7CF46831C67E}" dt="2023-01-25T04:15:06.286" v="219" actId="20577"/>
+          <ac:spMkLst>
+            <pc:docMk/>
+            <pc:sldMk cId="2036011319" sldId="281"/>
+            <ac:spMk id="2" creationId="{EAD74ED9-56BF-3F4A-8E26-0C10999B1A0C}"/>
+          </ac:spMkLst>
+        </pc:spChg>
+        <pc:spChg chg="mod">
+          <ac:chgData name="Moraes,Marcia" userId="c9c67e8a-58e2-4733-9a1c-5d44fec4775b" providerId="ADAL" clId="{5BF15D97-989D-4BFA-BBD8-7CF46831C67E}" dt="2023-01-25T04:14:12.279" v="203" actId="20577"/>
+          <ac:spMkLst>
+            <pc:docMk/>
+            <pc:sldMk cId="2036011319" sldId="281"/>
+            <ac:spMk id="3" creationId="{B28E42E1-569F-B347-A47A-1501D7874CF8}"/>
           </ac:spMkLst>
         </pc:spChg>
       </pc:sldChg>
@@ -270,7 +309,7 @@
           <a:p>
             <a:fld id="{4D7E51A5-B478-1E40-8CBB-0DAA8831E99D}" type="datetimeFigureOut">
               <a:rPr lang="en-US" smtClean="0"/>
-              <a:t>8/18/2022</a:t>
+              <a:t>1/24/2023</a:t>
             </a:fld>
             <a:endParaRPr lang="en-US"/>
           </a:p>
@@ -435,7 +474,7 @@
           <a:p>
             <a:fld id="{D0ED587F-861E-6740-9643-E3DDAE89B8D6}" type="datetimeFigureOut">
               <a:rPr lang="en-US" smtClean="0"/>
-              <a:t>8/18/2022</a:t>
+              <a:t>1/24/2023</a:t>
             </a:fld>
             <a:endParaRPr lang="en-US"/>
           </a:p>
@@ -16396,7 +16435,7 @@
         </p:nvSpPr>
         <p:spPr>
           <a:xfrm>
-            <a:off x="10486045" y="1182061"/>
+            <a:off x="1385588" y="4817890"/>
             <a:ext cx="2576222" cy="738664"/>
           </a:xfrm>
           <a:prstGeom prst="rect">
@@ -16433,59 +16472,48 @@
           </a:p>
         </p:txBody>
       </p:sp>
-      <p:sp>
-        <p:nvSpPr>
-          <p:cNvPr id="2" name="TextBox 1">
+      <p:pic>
+        <p:nvPicPr>
+          <p:cNvPr id="6" name="Picture 5" descr="Today Is a Great Day to Learn Something New Poster at Lakeshore Learning">
             <a:extLst>
               <a:ext uri="{FF2B5EF4-FFF2-40B4-BE49-F238E27FC236}">
-                <a16:creationId xmlns:a16="http://schemas.microsoft.com/office/drawing/2014/main" id="{34DE5FA6-C9AA-7249-905D-C0AC1FB3A833}"/>
+                <a16:creationId xmlns:a16="http://schemas.microsoft.com/office/drawing/2014/main" id="{78AB117A-8DE4-46DC-AABE-4D86F0438A12}"/>
               </a:ext>
             </a:extLst>
           </p:cNvPr>
-          <p:cNvSpPr txBox="1"/>
+          <p:cNvPicPr/>
           <p:nvPr/>
-        </p:nvSpPr>
-        <p:spPr>
+        </p:nvPicPr>
+        <p:blipFill rotWithShape="1">
+          <a:blip r:embed="rId2">
+            <a:extLst>
+              <a:ext uri="{28A0092B-C50C-407E-A947-70E740481C1C}">
+                <a14:useLocalDpi xmlns:a14="http://schemas.microsoft.com/office/drawing/2010/main" val="0"/>
+              </a:ext>
+            </a:extLst>
+          </a:blip>
+          <a:srcRect l="23825" r="23611"/>
+          <a:stretch/>
+        </p:blipFill>
+        <p:spPr bwMode="auto">
           <a:xfrm>
-            <a:off x="2450770" y="6082507"/>
-            <a:ext cx="8699818" cy="1015663"/>
+            <a:off x="10170886" y="0"/>
+            <a:ext cx="3646714" cy="5170714"/>
           </a:xfrm>
           <a:prstGeom prst="rect">
             <a:avLst/>
           </a:prstGeom>
-          <a:solidFill>
-            <a:schemeClr val="accent2"/>
-          </a:solidFill>
+          <a:noFill/>
+          <a:ln>
+            <a:noFill/>
+          </a:ln>
+          <a:extLst>
+            <a:ext uri="{53640926-AAD7-44D8-BBD7-CCE9431645EC}">
+              <a14:shadowObscured xmlns:a14="http://schemas.microsoft.com/office/drawing/2010/main"/>
+            </a:ext>
+          </a:extLst>
         </p:spPr>
-        <p:txBody>
-          <a:bodyPr wrap="none" rtlCol="0">
-            <a:spAutoFit/>
-          </a:bodyPr>
-          <a:lstStyle/>
-          <a:p>
-            <a:r>
-              <a:rPr lang="en-US" b="1" dirty="0" err="1"/>
-              <a:t>iClicker</a:t>
-            </a:r>
-            <a:r>
-              <a:rPr lang="en-US" b="1" dirty="0"/>
-              <a:t> Check-in Question: (make sure to talk before class starts)</a:t>
-            </a:r>
-          </a:p>
-          <a:p>
-            <a:r>
-              <a:rPr lang="en-US" dirty="0"/>
-              <a:t>How many lines of code do you think you can track before it would get hard</a:t>
-            </a:r>
-          </a:p>
-          <a:p>
-            <a:r>
-              <a:rPr lang="en-US" dirty="0"/>
-              <a:t>to follow it all? 10, 20, 30, 100?</a:t>
-            </a:r>
-          </a:p>
-        </p:txBody>
-      </p:sp>
+      </p:pic>
     </p:spTree>
     <p:extLst>
       <p:ext uri="{BB962C8B-B14F-4D97-AF65-F5344CB8AC3E}">
@@ -23857,14 +23885,23 @@
             <p:ph type="title"/>
           </p:nvPr>
         </p:nvSpPr>
-        <p:spPr/>
+        <p:spPr>
+          <a:xfrm>
+            <a:off x="628075" y="404975"/>
+            <a:ext cx="12561453" cy="1015663"/>
+          </a:xfrm>
+        </p:spPr>
         <p:txBody>
           <a:bodyPr/>
           <a:lstStyle/>
           <a:p>
             <a:r>
+              <a:rPr lang="en-US"/>
+              <a:t>Recall Activity - </a:t>
+            </a:r>
+            <a:r>
               <a:rPr lang="en-US" dirty="0"/>
-              <a:t>Reading Check-in </a:t>
+              <a:t>Attendance </a:t>
             </a:r>
           </a:p>
         </p:txBody>
@@ -23887,13 +23924,43 @@
         </p:nvSpPr>
         <p:spPr>
           <a:xfrm>
-            <a:off x="628075" y="2487883"/>
-            <a:ext cx="12561453" cy="3412601"/>
+            <a:off x="628075" y="1621971"/>
+            <a:ext cx="12561453" cy="5676682"/>
           </a:xfrm>
         </p:spPr>
         <p:txBody>
           <a:bodyPr/>
           <a:lstStyle/>
+          <a:p>
+            <a:pPr marL="0" indent="0">
+              <a:buNone/>
+            </a:pPr>
+            <a:r>
+              <a:rPr lang="en-US" b="1" dirty="0"/>
+              <a:t>Grab a paper, write your name and your answers to the following questions. Turn this as your attendance for today’s lecture.</a:t>
+            </a:r>
+          </a:p>
+          <a:p>
+            <a:pPr marL="0" indent="0">
+              <a:buNone/>
+            </a:pPr>
+            <a:endParaRPr lang="en-US" b="1" dirty="0"/>
+          </a:p>
+          <a:p>
+            <a:pPr marL="0" indent="0">
+              <a:buNone/>
+            </a:pPr>
+            <a:r>
+              <a:rPr lang="en-US" b="1" dirty="0"/>
+              <a:t>What is a method?</a:t>
+            </a:r>
+          </a:p>
+          <a:p>
+            <a:pPr marL="0" indent="0">
+              <a:buNone/>
+            </a:pPr>
+            <a:endParaRPr lang="en-US" b="1" dirty="0"/>
+          </a:p>
           <a:p>
             <a:pPr marL="0" indent="0">
               <a:buNone/>
@@ -24036,7 +24103,7 @@
                                         <p:tgtEl>
                                           <p:spTgt spid="3">
                                             <p:txEl>
-                                              <p:pRg st="1" end="1"/>
+                                              <p:pRg st="5" end="5"/>
                                             </p:txEl>
                                           </p:spTgt>
                                         </p:tgtEl>
@@ -31345,4 +31412,300 @@
   </a:objectDefaults>
   <a:extraClrSchemeLst/>
 </a:theme>
+</file>
+
+<file path=customXml/item1.xml><?xml version="1.0" encoding="utf-8"?>
+<ct:contentTypeSchema xmlns:ct="http://schemas.microsoft.com/office/2006/metadata/contentType" xmlns:ma="http://schemas.microsoft.com/office/2006/metadata/properties/metaAttributes" ct:_="" ma:_="" ma:contentTypeName="Document" ma:contentTypeID="0x010100074387D78AC76C4289401EF66FB51FCC" ma:contentTypeVersion="15" ma:contentTypeDescription="Create a new document." ma:contentTypeScope="" ma:versionID="d3659bec8b8330148a03d82a9d99f412">
+  <xsd:schema xmlns:xsd="http://www.w3.org/2001/XMLSchema" xmlns:xs="http://www.w3.org/2001/XMLSchema" xmlns:p="http://schemas.microsoft.com/office/2006/metadata/properties" xmlns:ns3="92c41bee-f0ee-4aa6-9399-a35fbb883510" xmlns:ns4="e06ed288-fd75-4b50-bbed-f5a5df88c31c" targetNamespace="http://schemas.microsoft.com/office/2006/metadata/properties" ma:root="true" ma:fieldsID="1a21d371127b63848c9a2290f5945250" ns3:_="" ns4:_="">
+    <xsd:import namespace="92c41bee-f0ee-4aa6-9399-a35fbb883510"/>
+    <xsd:import namespace="e06ed288-fd75-4b50-bbed-f5a5df88c31c"/>
+    <xsd:element name="properties">
+      <xsd:complexType>
+        <xsd:sequence>
+          <xsd:element name="documentManagement">
+            <xsd:complexType>
+              <xsd:all>
+                <xsd:element ref="ns3:MediaServiceMetadata" minOccurs="0"/>
+                <xsd:element ref="ns3:MediaServiceFastMetadata" minOccurs="0"/>
+                <xsd:element ref="ns4:SharedWithUsers" minOccurs="0"/>
+                <xsd:element ref="ns4:SharedWithDetails" minOccurs="0"/>
+                <xsd:element ref="ns4:SharingHintHash" minOccurs="0"/>
+                <xsd:element ref="ns3:MediaServiceAutoKeyPoints" minOccurs="0"/>
+                <xsd:element ref="ns3:MediaServiceKeyPoints" minOccurs="0"/>
+                <xsd:element ref="ns3:MediaServiceAutoTags" minOccurs="0"/>
+                <xsd:element ref="ns3:MediaServiceOCR" minOccurs="0"/>
+                <xsd:element ref="ns3:MediaServiceGenerationTime" minOccurs="0"/>
+                <xsd:element ref="ns3:MediaServiceEventHashCode" minOccurs="0"/>
+                <xsd:element ref="ns3:MediaServiceDateTaken" minOccurs="0"/>
+                <xsd:element ref="ns3:MediaLengthInSeconds" minOccurs="0"/>
+                <xsd:element ref="ns3:MediaServiceLocation" minOccurs="0"/>
+                <xsd:element ref="ns3:_activity" minOccurs="0"/>
+              </xsd:all>
+            </xsd:complexType>
+          </xsd:element>
+        </xsd:sequence>
+      </xsd:complexType>
+    </xsd:element>
+  </xsd:schema>
+  <xsd:schema xmlns:xsd="http://www.w3.org/2001/XMLSchema" xmlns:xs="http://www.w3.org/2001/XMLSchema" xmlns:dms="http://schemas.microsoft.com/office/2006/documentManagement/types" xmlns:pc="http://schemas.microsoft.com/office/infopath/2007/PartnerControls" targetNamespace="92c41bee-f0ee-4aa6-9399-a35fbb883510" elementFormDefault="qualified">
+    <xsd:import namespace="http://schemas.microsoft.com/office/2006/documentManagement/types"/>
+    <xsd:import namespace="http://schemas.microsoft.com/office/infopath/2007/PartnerControls"/>
+    <xsd:element name="MediaServiceMetadata" ma:index="8" nillable="true" ma:displayName="MediaServiceMetadata" ma:hidden="true" ma:internalName="MediaServiceMetadata" ma:readOnly="true">
+      <xsd:simpleType>
+        <xsd:restriction base="dms:Note"/>
+      </xsd:simpleType>
+    </xsd:element>
+    <xsd:element name="MediaServiceFastMetadata" ma:index="9" nillable="true" ma:displayName="MediaServiceFastMetadata" ma:hidden="true" ma:internalName="MediaServiceFastMetadata" ma:readOnly="true">
+      <xsd:simpleType>
+        <xsd:restriction base="dms:Note"/>
+      </xsd:simpleType>
+    </xsd:element>
+    <xsd:element name="MediaServiceAutoKeyPoints" ma:index="13" nillable="true" ma:displayName="MediaServiceAutoKeyPoints" ma:hidden="true" ma:internalName="MediaServiceAutoKeyPoints" ma:readOnly="true">
+      <xsd:simpleType>
+        <xsd:restriction base="dms:Note"/>
+      </xsd:simpleType>
+    </xsd:element>
+    <xsd:element name="MediaServiceKeyPoints" ma:index="14" nillable="true" ma:displayName="KeyPoints" ma:internalName="MediaServiceKeyPoints" ma:readOnly="true">
+      <xsd:simpleType>
+        <xsd:restriction base="dms:Note">
+          <xsd:maxLength value="255"/>
+        </xsd:restriction>
+      </xsd:simpleType>
+    </xsd:element>
+    <xsd:element name="MediaServiceAutoTags" ma:index="15" nillable="true" ma:displayName="Tags" ma:internalName="MediaServiceAutoTags" ma:readOnly="true">
+      <xsd:simpleType>
+        <xsd:restriction base="dms:Text"/>
+      </xsd:simpleType>
+    </xsd:element>
+    <xsd:element name="MediaServiceOCR" ma:index="16" nillable="true" ma:displayName="Extracted Text" ma:internalName="MediaServiceOCR" ma:readOnly="true">
+      <xsd:simpleType>
+        <xsd:restriction base="dms:Note">
+          <xsd:maxLength value="255"/>
+        </xsd:restriction>
+      </xsd:simpleType>
+    </xsd:element>
+    <xsd:element name="MediaServiceGenerationTime" ma:index="17" nillable="true" ma:displayName="MediaServiceGenerationTime" ma:hidden="true" ma:internalName="MediaServiceGenerationTime" ma:readOnly="true">
+      <xsd:simpleType>
+        <xsd:restriction base="dms:Text"/>
+      </xsd:simpleType>
+    </xsd:element>
+    <xsd:element name="MediaServiceEventHashCode" ma:index="18" nillable="true" ma:displayName="MediaServiceEventHashCode" ma:hidden="true" ma:internalName="MediaServiceEventHashCode" ma:readOnly="true">
+      <xsd:simpleType>
+        <xsd:restriction base="dms:Text"/>
+      </xsd:simpleType>
+    </xsd:element>
+    <xsd:element name="MediaServiceDateTaken" ma:index="19" nillable="true" ma:displayName="MediaServiceDateTaken" ma:hidden="true" ma:internalName="MediaServiceDateTaken" ma:readOnly="true">
+      <xsd:simpleType>
+        <xsd:restriction base="dms:Text"/>
+      </xsd:simpleType>
+    </xsd:element>
+    <xsd:element name="MediaLengthInSeconds" ma:index="20" nillable="true" ma:displayName="Length (seconds)" ma:internalName="MediaLengthInSeconds" ma:readOnly="true">
+      <xsd:simpleType>
+        <xsd:restriction base="dms:Unknown"/>
+      </xsd:simpleType>
+    </xsd:element>
+    <xsd:element name="MediaServiceLocation" ma:index="21" nillable="true" ma:displayName="Location" ma:internalName="MediaServiceLocation" ma:readOnly="true">
+      <xsd:simpleType>
+        <xsd:restriction base="dms:Text"/>
+      </xsd:simpleType>
+    </xsd:element>
+    <xsd:element name="_activity" ma:index="22" nillable="true" ma:displayName="_activity" ma:hidden="true" ma:internalName="_activity">
+      <xsd:simpleType>
+        <xsd:restriction base="dms:Note"/>
+      </xsd:simpleType>
+    </xsd:element>
+  </xsd:schema>
+  <xsd:schema xmlns:xsd="http://www.w3.org/2001/XMLSchema" xmlns:xs="http://www.w3.org/2001/XMLSchema" xmlns:dms="http://schemas.microsoft.com/office/2006/documentManagement/types" xmlns:pc="http://schemas.microsoft.com/office/infopath/2007/PartnerControls" targetNamespace="e06ed288-fd75-4b50-bbed-f5a5df88c31c" elementFormDefault="qualified">
+    <xsd:import namespace="http://schemas.microsoft.com/office/2006/documentManagement/types"/>
+    <xsd:import namespace="http://schemas.microsoft.com/office/infopath/2007/PartnerControls"/>
+    <xsd:element name="SharedWithUsers" ma:index="10" nillable="true" ma:displayName="Shared With" ma:internalName="SharedWithUsers" ma:readOnly="true">
+      <xsd:complexType>
+        <xsd:complexContent>
+          <xsd:extension base="dms:UserMulti">
+            <xsd:sequence>
+              <xsd:element name="UserInfo" minOccurs="0" maxOccurs="unbounded">
+                <xsd:complexType>
+                  <xsd:sequence>
+                    <xsd:element name="DisplayName" type="xsd:string" minOccurs="0"/>
+                    <xsd:element name="AccountId" type="dms:UserId" minOccurs="0" nillable="true"/>
+                    <xsd:element name="AccountType" type="xsd:string" minOccurs="0"/>
+                  </xsd:sequence>
+                </xsd:complexType>
+              </xsd:element>
+            </xsd:sequence>
+          </xsd:extension>
+        </xsd:complexContent>
+      </xsd:complexType>
+    </xsd:element>
+    <xsd:element name="SharedWithDetails" ma:index="11" nillable="true" ma:displayName="Shared With Details" ma:internalName="SharedWithDetails" ma:readOnly="true">
+      <xsd:simpleType>
+        <xsd:restriction base="dms:Note">
+          <xsd:maxLength value="255"/>
+        </xsd:restriction>
+      </xsd:simpleType>
+    </xsd:element>
+    <xsd:element name="SharingHintHash" ma:index="12" nillable="true" ma:displayName="Sharing Hint Hash" ma:hidden="true" ma:internalName="SharingHintHash" ma:readOnly="true">
+      <xsd:simpleType>
+        <xsd:restriction base="dms:Text"/>
+      </xsd:simpleType>
+    </xsd:element>
+  </xsd:schema>
+  <xsd:schema xmlns="http://schemas.openxmlformats.org/package/2006/metadata/core-properties" xmlns:xsd="http://www.w3.org/2001/XMLSchema" xmlns:xsi="http://www.w3.org/2001/XMLSchema-instance" xmlns:dc="http://purl.org/dc/elements/1.1/" xmlns:dcterms="http://purl.org/dc/terms/" xmlns:odoc="http://schemas.microsoft.com/internal/obd" targetNamespace="http://schemas.openxmlformats.org/package/2006/metadata/core-properties" elementFormDefault="qualified" attributeFormDefault="unqualified" blockDefault="#all">
+    <xsd:import namespace="http://purl.org/dc/elements/1.1/" schemaLocation="http://dublincore.org/schemas/xmls/qdc/2003/04/02/dc.xsd"/>
+    <xsd:import namespace="http://purl.org/dc/terms/" schemaLocation="http://dublincore.org/schemas/xmls/qdc/2003/04/02/dcterms.xsd"/>
+    <xsd:element name="coreProperties" type="CT_coreProperties"/>
+    <xsd:complexType name="CT_coreProperties">
+      <xsd:all>
+        <xsd:element ref="dc:creator" minOccurs="0" maxOccurs="1"/>
+        <xsd:element ref="dcterms:created" minOccurs="0" maxOccurs="1"/>
+        <xsd:element ref="dc:identifier" minOccurs="0" maxOccurs="1"/>
+        <xsd:element name="contentType" minOccurs="0" maxOccurs="1" type="xsd:string" ma:index="0" ma:displayName="Content Type"/>
+        <xsd:element ref="dc:title" minOccurs="0" maxOccurs="1" ma:index="4" ma:displayName="Title"/>
+        <xsd:element ref="dc:subject" minOccurs="0" maxOccurs="1"/>
+        <xsd:element ref="dc:description" minOccurs="0" maxOccurs="1"/>
+        <xsd:element name="keywords" minOccurs="0" maxOccurs="1" type="xsd:string"/>
+        <xsd:element ref="dc:language" minOccurs="0" maxOccurs="1"/>
+        <xsd:element name="category" minOccurs="0" maxOccurs="1" type="xsd:string"/>
+        <xsd:element name="version" minOccurs="0" maxOccurs="1" type="xsd:string"/>
+        <xsd:element name="revision" minOccurs="0" maxOccurs="1" type="xsd:string">
+          <xsd:annotation>
+            <xsd:documentation>
+                        This value indicates the number of saves or revisions. The application is responsible for updating this value after each revision.
+                    </xsd:documentation>
+          </xsd:annotation>
+        </xsd:element>
+        <xsd:element name="lastModifiedBy" minOccurs="0" maxOccurs="1" type="xsd:string"/>
+        <xsd:element ref="dcterms:modified" minOccurs="0" maxOccurs="1"/>
+        <xsd:element name="contentStatus" minOccurs="0" maxOccurs="1" type="xsd:string"/>
+      </xsd:all>
+    </xsd:complexType>
+  </xsd:schema>
+  <xs:schema xmlns:pc="http://schemas.microsoft.com/office/infopath/2007/PartnerControls" xmlns:xs="http://www.w3.org/2001/XMLSchema" targetNamespace="http://schemas.microsoft.com/office/infopath/2007/PartnerControls" elementFormDefault="qualified" attributeFormDefault="unqualified">
+    <xs:element name="Person">
+      <xs:complexType>
+        <xs:sequence>
+          <xs:element ref="pc:DisplayName" minOccurs="0"/>
+          <xs:element ref="pc:AccountId" minOccurs="0"/>
+          <xs:element ref="pc:AccountType" minOccurs="0"/>
+        </xs:sequence>
+      </xs:complexType>
+    </xs:element>
+    <xs:element name="DisplayName" type="xs:string"/>
+    <xs:element name="AccountId" type="xs:string"/>
+    <xs:element name="AccountType" type="xs:string"/>
+    <xs:element name="BDCAssociatedEntity">
+      <xs:complexType>
+        <xs:sequence>
+          <xs:element ref="pc:BDCEntity" minOccurs="0" maxOccurs="unbounded"/>
+        </xs:sequence>
+        <xs:attribute ref="pc:EntityNamespace"/>
+        <xs:attribute ref="pc:EntityName"/>
+        <xs:attribute ref="pc:SystemInstanceName"/>
+        <xs:attribute ref="pc:AssociationName"/>
+      </xs:complexType>
+    </xs:element>
+    <xs:attribute name="EntityNamespace" type="xs:string"/>
+    <xs:attribute name="EntityName" type="xs:string"/>
+    <xs:attribute name="SystemInstanceName" type="xs:string"/>
+    <xs:attribute name="AssociationName" type="xs:string"/>
+    <xs:element name="BDCEntity">
+      <xs:complexType>
+        <xs:sequence>
+          <xs:element ref="pc:EntityDisplayName" minOccurs="0"/>
+          <xs:element ref="pc:EntityInstanceReference" minOccurs="0"/>
+          <xs:element ref="pc:EntityId1" minOccurs="0"/>
+          <xs:element ref="pc:EntityId2" minOccurs="0"/>
+          <xs:element ref="pc:EntityId3" minOccurs="0"/>
+          <xs:element ref="pc:EntityId4" minOccurs="0"/>
+          <xs:element ref="pc:EntityId5" minOccurs="0"/>
+        </xs:sequence>
+      </xs:complexType>
+    </xs:element>
+    <xs:element name="EntityDisplayName" type="xs:string"/>
+    <xs:element name="EntityInstanceReference" type="xs:string"/>
+    <xs:element name="EntityId1" type="xs:string"/>
+    <xs:element name="EntityId2" type="xs:string"/>
+    <xs:element name="EntityId3" type="xs:string"/>
+    <xs:element name="EntityId4" type="xs:string"/>
+    <xs:element name="EntityId5" type="xs:string"/>
+    <xs:element name="Terms">
+      <xs:complexType>
+        <xs:sequence>
+          <xs:element ref="pc:TermInfo" minOccurs="0" maxOccurs="unbounded"/>
+        </xs:sequence>
+      </xs:complexType>
+    </xs:element>
+    <xs:element name="TermInfo">
+      <xs:complexType>
+        <xs:sequence>
+          <xs:element ref="pc:TermName" minOccurs="0"/>
+          <xs:element ref="pc:TermId" minOccurs="0"/>
+        </xs:sequence>
+      </xs:complexType>
+    </xs:element>
+    <xs:element name="TermName" type="xs:string"/>
+    <xs:element name="TermId" type="xs:string"/>
+  </xs:schema>
+</ct:contentTypeSchema>
+</file>
+
+<file path=customXml/item2.xml><?xml version="1.0" encoding="utf-8"?>
+<?mso-contentType ?>
+<FormTemplates xmlns="http://schemas.microsoft.com/sharepoint/v3/contenttype/forms">
+  <Display>DocumentLibraryForm</Display>
+  <Edit>DocumentLibraryForm</Edit>
+  <New>DocumentLibraryForm</New>
+</FormTemplates>
+</file>
+
+<file path=customXml/item3.xml><?xml version="1.0" encoding="utf-8"?>
+<p:properties xmlns:p="http://schemas.microsoft.com/office/2006/metadata/properties" xmlns:xsi="http://www.w3.org/2001/XMLSchema-instance" xmlns:pc="http://schemas.microsoft.com/office/infopath/2007/PartnerControls">
+  <documentManagement>
+    <_activity xmlns="92c41bee-f0ee-4aa6-9399-a35fbb883510" xsi:nil="true"/>
+  </documentManagement>
+</p:properties>
+</file>
+
+<file path=customXml/itemProps1.xml><?xml version="1.0" encoding="utf-8"?>
+<ds:datastoreItem xmlns:ds="http://schemas.openxmlformats.org/officeDocument/2006/customXml" ds:itemID="{5DF81579-B78B-4732-A07E-576A72B26C95}">
+  <ds:schemaRefs>
+    <ds:schemaRef ds:uri="http://schemas.microsoft.com/office/2006/metadata/contentType"/>
+    <ds:schemaRef ds:uri="http://schemas.microsoft.com/office/2006/metadata/properties/metaAttributes"/>
+    <ds:schemaRef ds:uri="http://www.w3.org/2001/XMLSchema"/>
+    <ds:schemaRef ds:uri="http://schemas.microsoft.com/office/2006/metadata/properties"/>
+    <ds:schemaRef ds:uri="92c41bee-f0ee-4aa6-9399-a35fbb883510"/>
+    <ds:schemaRef ds:uri="e06ed288-fd75-4b50-bbed-f5a5df88c31c"/>
+    <ds:schemaRef ds:uri="http://schemas.microsoft.com/office/2006/documentManagement/types"/>
+    <ds:schemaRef ds:uri="http://schemas.microsoft.com/office/infopath/2007/PartnerControls"/>
+    <ds:schemaRef ds:uri="http://schemas.openxmlformats.org/package/2006/metadata/core-properties"/>
+    <ds:schemaRef ds:uri="http://purl.org/dc/elements/1.1/"/>
+    <ds:schemaRef ds:uri="http://purl.org/dc/terms/"/>
+    <ds:schemaRef ds:uri="http://schemas.microsoft.com/internal/obd"/>
+  </ds:schemaRefs>
+</ds:datastoreItem>
+</file>
+
+<file path=customXml/itemProps2.xml><?xml version="1.0" encoding="utf-8"?>
+<ds:datastoreItem xmlns:ds="http://schemas.openxmlformats.org/officeDocument/2006/customXml" ds:itemID="{33FF1F7F-7965-4813-8EFC-0ABCABD92C95}">
+  <ds:schemaRefs>
+    <ds:schemaRef ds:uri="http://schemas.microsoft.com/sharepoint/v3/contenttype/forms"/>
+  </ds:schemaRefs>
+</ds:datastoreItem>
+</file>
+
+<file path=customXml/itemProps3.xml><?xml version="1.0" encoding="utf-8"?>
+<ds:datastoreItem xmlns:ds="http://schemas.openxmlformats.org/officeDocument/2006/customXml" ds:itemID="{EA93498B-5C90-467A-8667-20BEE1B2EDB0}">
+  <ds:schemaRefs>
+    <ds:schemaRef ds:uri="e06ed288-fd75-4b50-bbed-f5a5df88c31c"/>
+    <ds:schemaRef ds:uri="http://purl.org/dc/elements/1.1/"/>
+    <ds:schemaRef ds:uri="http://schemas.microsoft.com/office/2006/documentManagement/types"/>
+    <ds:schemaRef ds:uri="http://schemas.microsoft.com/office/infopath/2007/PartnerControls"/>
+    <ds:schemaRef ds:uri="http://schemas.openxmlformats.org/package/2006/metadata/core-properties"/>
+    <ds:schemaRef ds:uri="92c41bee-f0ee-4aa6-9399-a35fbb883510"/>
+    <ds:schemaRef ds:uri="http://purl.org/dc/dcmitype/"/>
+    <ds:schemaRef ds:uri="http://schemas.microsoft.com/office/2006/metadata/properties"/>
+    <ds:schemaRef ds:uri="http://www.w3.org/XML/1998/namespace"/>
+    <ds:schemaRef ds:uri="http://purl.org/dc/terms/"/>
+  </ds:schemaRefs>
+</ds:datastoreItem>
 </file>